--- a/Наработки/диздоки/Бирма/Бирма.pptx
+++ b/Наработки/диздоки/Бирма/Бирма.pptx
@@ -209,7 +209,7 @@
             <a:fld id="{33E3D7F9-E251-484C-A6FF-FA958879DF69}" type="datetimeFigureOut">
               <a:rPr lang="ru-RU" smtClean="0"/>
               <a:pPr/>
-              <a:t>17.03.2021</a:t>
+              <a:t>13.11.2021</a:t>
             </a:fld>
             <a:endParaRPr lang="ru-RU"/>
           </a:p>
@@ -700,7 +700,7 @@
             <a:fld id="{85A5DE44-605B-4D3B-B2B7-94543DF81A36}" type="datetimeFigureOut">
               <a:rPr lang="ru-RU" smtClean="0"/>
               <a:pPr/>
-              <a:t>17.03.2021</a:t>
+              <a:t>13.11.2021</a:t>
             </a:fld>
             <a:endParaRPr lang="ru-RU"/>
           </a:p>
@@ -872,7 +872,7 @@
             <a:fld id="{85A5DE44-605B-4D3B-B2B7-94543DF81A36}" type="datetimeFigureOut">
               <a:rPr lang="ru-RU" smtClean="0"/>
               <a:pPr/>
-              <a:t>17.03.2021</a:t>
+              <a:t>13.11.2021</a:t>
             </a:fld>
             <a:endParaRPr lang="ru-RU"/>
           </a:p>
@@ -1054,7 +1054,7 @@
             <a:fld id="{85A5DE44-605B-4D3B-B2B7-94543DF81A36}" type="datetimeFigureOut">
               <a:rPr lang="ru-RU" smtClean="0"/>
               <a:pPr/>
-              <a:t>17.03.2021</a:t>
+              <a:t>13.11.2021</a:t>
             </a:fld>
             <a:endParaRPr lang="ru-RU"/>
           </a:p>
@@ -1226,7 +1226,7 @@
             <a:fld id="{85A5DE44-605B-4D3B-B2B7-94543DF81A36}" type="datetimeFigureOut">
               <a:rPr lang="ru-RU" smtClean="0"/>
               <a:pPr/>
-              <a:t>17.03.2021</a:t>
+              <a:t>13.11.2021</a:t>
             </a:fld>
             <a:endParaRPr lang="ru-RU"/>
           </a:p>
@@ -1474,7 +1474,7 @@
             <a:fld id="{85A5DE44-605B-4D3B-B2B7-94543DF81A36}" type="datetimeFigureOut">
               <a:rPr lang="ru-RU" smtClean="0"/>
               <a:pPr/>
-              <a:t>17.03.2021</a:t>
+              <a:t>13.11.2021</a:t>
             </a:fld>
             <a:endParaRPr lang="ru-RU"/>
           </a:p>
@@ -1708,7 +1708,7 @@
             <a:fld id="{85A5DE44-605B-4D3B-B2B7-94543DF81A36}" type="datetimeFigureOut">
               <a:rPr lang="ru-RU" smtClean="0"/>
               <a:pPr/>
-              <a:t>17.03.2021</a:t>
+              <a:t>13.11.2021</a:t>
             </a:fld>
             <a:endParaRPr lang="ru-RU"/>
           </a:p>
@@ -2077,7 +2077,7 @@
             <a:fld id="{85A5DE44-605B-4D3B-B2B7-94543DF81A36}" type="datetimeFigureOut">
               <a:rPr lang="ru-RU" smtClean="0"/>
               <a:pPr/>
-              <a:t>17.03.2021</a:t>
+              <a:t>13.11.2021</a:t>
             </a:fld>
             <a:endParaRPr lang="ru-RU"/>
           </a:p>
@@ -2197,7 +2197,7 @@
             <a:fld id="{85A5DE44-605B-4D3B-B2B7-94543DF81A36}" type="datetimeFigureOut">
               <a:rPr lang="ru-RU" smtClean="0"/>
               <a:pPr/>
-              <a:t>17.03.2021</a:t>
+              <a:t>13.11.2021</a:t>
             </a:fld>
             <a:endParaRPr lang="ru-RU"/>
           </a:p>
@@ -2294,7 +2294,7 @@
             <a:fld id="{85A5DE44-605B-4D3B-B2B7-94543DF81A36}" type="datetimeFigureOut">
               <a:rPr lang="ru-RU" smtClean="0"/>
               <a:pPr/>
-              <a:t>17.03.2021</a:t>
+              <a:t>13.11.2021</a:t>
             </a:fld>
             <a:endParaRPr lang="ru-RU"/>
           </a:p>
@@ -2573,7 +2573,7 @@
             <a:fld id="{85A5DE44-605B-4D3B-B2B7-94543DF81A36}" type="datetimeFigureOut">
               <a:rPr lang="ru-RU" smtClean="0"/>
               <a:pPr/>
-              <a:t>17.03.2021</a:t>
+              <a:t>13.11.2021</a:t>
             </a:fld>
             <a:endParaRPr lang="ru-RU"/>
           </a:p>
@@ -2832,7 +2832,7 @@
             <a:fld id="{85A5DE44-605B-4D3B-B2B7-94543DF81A36}" type="datetimeFigureOut">
               <a:rPr lang="ru-RU" smtClean="0"/>
               <a:pPr/>
-              <a:t>17.03.2021</a:t>
+              <a:t>13.11.2021</a:t>
             </a:fld>
             <a:endParaRPr lang="ru-RU"/>
           </a:p>
@@ -3047,7 +3047,7 @@
             <a:fld id="{85A5DE44-605B-4D3B-B2B7-94543DF81A36}" type="datetimeFigureOut">
               <a:rPr lang="ru-RU" smtClean="0"/>
               <a:pPr/>
-              <a:t>17.03.2021</a:t>
+              <a:t>13.11.2021</a:t>
             </a:fld>
             <a:endParaRPr lang="ru-RU"/>
           </a:p>

--- a/Наработки/диздоки/Бирма/Бирма.pptx
+++ b/Наработки/диздоки/Бирма/Бирма.pptx
@@ -209,7 +209,7 @@
             <a:fld id="{33E3D7F9-E251-484C-A6FF-FA958879DF69}" type="datetimeFigureOut">
               <a:rPr lang="ru-RU" smtClean="0"/>
               <a:pPr/>
-              <a:t>13.11.2021</a:t>
+              <a:t>17.03.2022</a:t>
             </a:fld>
             <a:endParaRPr lang="ru-RU"/>
           </a:p>
@@ -273,38 +273,37 @@
           <a:p>
             <a:pPr lvl="0"/>
             <a:r>
-              <a:rPr lang="ru-RU" smtClean="0"/>
+              <a:rPr lang="ru-RU"/>
               <a:t>Образец текста</a:t>
             </a:r>
           </a:p>
           <a:p>
             <a:pPr lvl="1"/>
             <a:r>
-              <a:rPr lang="ru-RU" smtClean="0"/>
+              <a:rPr lang="ru-RU"/>
               <a:t>Второй уровень</a:t>
             </a:r>
           </a:p>
           <a:p>
             <a:pPr lvl="2"/>
             <a:r>
-              <a:rPr lang="ru-RU" smtClean="0"/>
+              <a:rPr lang="ru-RU"/>
               <a:t>Третий уровень</a:t>
             </a:r>
           </a:p>
           <a:p>
             <a:pPr lvl="3"/>
             <a:r>
-              <a:rPr lang="ru-RU" smtClean="0"/>
+              <a:rPr lang="ru-RU"/>
               <a:t>Четвертый уровень</a:t>
             </a:r>
           </a:p>
           <a:p>
             <a:pPr lvl="4"/>
             <a:r>
-              <a:rPr lang="ru-RU" smtClean="0"/>
+              <a:rPr lang="ru-RU"/>
               <a:t>Пятый уровень</a:t>
             </a:r>
-            <a:endParaRPr lang="ru-RU"/>
           </a:p>
         </p:txBody>
       </p:sp>
@@ -610,7 +609,7 @@
           </a:lstStyle>
           <a:p>
             <a:r>
-              <a:rPr lang="ru-RU" smtClean="0"/>
+              <a:rPr lang="ru-RU"/>
               <a:t>Образец заголовка</a:t>
             </a:r>
             <a:endParaRPr lang="en-US" dirty="0"/>
@@ -675,7 +674,7 @@
           </a:lstStyle>
           <a:p>
             <a:r>
-              <a:rPr lang="ru-RU" smtClean="0"/>
+              <a:rPr lang="ru-RU"/>
               <a:t>Образец подзаголовка</a:t>
             </a:r>
             <a:endParaRPr lang="en-US" dirty="0"/>
@@ -700,7 +699,7 @@
             <a:fld id="{85A5DE44-605B-4D3B-B2B7-94543DF81A36}" type="datetimeFigureOut">
               <a:rPr lang="ru-RU" smtClean="0"/>
               <a:pPr/>
-              <a:t>13.11.2021</a:t>
+              <a:t>17.03.2022</a:t>
             </a:fld>
             <a:endParaRPr lang="ru-RU"/>
           </a:p>
@@ -795,7 +794,7 @@
           <a:lstStyle/>
           <a:p>
             <a:r>
-              <a:rPr lang="ru-RU" smtClean="0"/>
+              <a:rPr lang="ru-RU"/>
               <a:t>Образец заголовка</a:t>
             </a:r>
             <a:endParaRPr lang="en-US" dirty="0"/>
@@ -819,35 +818,35 @@
           <a:p>
             <a:pPr lvl="0"/>
             <a:r>
-              <a:rPr lang="ru-RU" smtClean="0"/>
+              <a:rPr lang="ru-RU"/>
               <a:t>Образец текста</a:t>
             </a:r>
           </a:p>
           <a:p>
             <a:pPr lvl="1"/>
             <a:r>
-              <a:rPr lang="ru-RU" smtClean="0"/>
+              <a:rPr lang="ru-RU"/>
               <a:t>Второй уровень</a:t>
             </a:r>
           </a:p>
           <a:p>
             <a:pPr lvl="2"/>
             <a:r>
-              <a:rPr lang="ru-RU" smtClean="0"/>
+              <a:rPr lang="ru-RU"/>
               <a:t>Третий уровень</a:t>
             </a:r>
           </a:p>
           <a:p>
             <a:pPr lvl="3"/>
             <a:r>
-              <a:rPr lang="ru-RU" smtClean="0"/>
+              <a:rPr lang="ru-RU"/>
               <a:t>Четвертый уровень</a:t>
             </a:r>
           </a:p>
           <a:p>
             <a:pPr lvl="4"/>
             <a:r>
-              <a:rPr lang="ru-RU" smtClean="0"/>
+              <a:rPr lang="ru-RU"/>
               <a:t>Пятый уровень</a:t>
             </a:r>
             <a:endParaRPr lang="en-US" dirty="0"/>
@@ -872,7 +871,7 @@
             <a:fld id="{85A5DE44-605B-4D3B-B2B7-94543DF81A36}" type="datetimeFigureOut">
               <a:rPr lang="ru-RU" smtClean="0"/>
               <a:pPr/>
-              <a:t>13.11.2021</a:t>
+              <a:t>17.03.2022</a:t>
             </a:fld>
             <a:endParaRPr lang="ru-RU"/>
           </a:p>
@@ -972,7 +971,7 @@
           <a:lstStyle/>
           <a:p>
             <a:r>
-              <a:rPr lang="ru-RU" smtClean="0"/>
+              <a:rPr lang="ru-RU"/>
               <a:t>Образец заголовка</a:t>
             </a:r>
             <a:endParaRPr lang="en-US" dirty="0"/>
@@ -1001,35 +1000,35 @@
           <a:p>
             <a:pPr lvl="0"/>
             <a:r>
-              <a:rPr lang="ru-RU" smtClean="0"/>
+              <a:rPr lang="ru-RU"/>
               <a:t>Образец текста</a:t>
             </a:r>
           </a:p>
           <a:p>
             <a:pPr lvl="1"/>
             <a:r>
-              <a:rPr lang="ru-RU" smtClean="0"/>
+              <a:rPr lang="ru-RU"/>
               <a:t>Второй уровень</a:t>
             </a:r>
           </a:p>
           <a:p>
             <a:pPr lvl="2"/>
             <a:r>
-              <a:rPr lang="ru-RU" smtClean="0"/>
+              <a:rPr lang="ru-RU"/>
               <a:t>Третий уровень</a:t>
             </a:r>
           </a:p>
           <a:p>
             <a:pPr lvl="3"/>
             <a:r>
-              <a:rPr lang="ru-RU" smtClean="0"/>
+              <a:rPr lang="ru-RU"/>
               <a:t>Четвертый уровень</a:t>
             </a:r>
           </a:p>
           <a:p>
             <a:pPr lvl="4"/>
             <a:r>
-              <a:rPr lang="ru-RU" smtClean="0"/>
+              <a:rPr lang="ru-RU"/>
               <a:t>Пятый уровень</a:t>
             </a:r>
             <a:endParaRPr lang="en-US" dirty="0"/>
@@ -1054,7 +1053,7 @@
             <a:fld id="{85A5DE44-605B-4D3B-B2B7-94543DF81A36}" type="datetimeFigureOut">
               <a:rPr lang="ru-RU" smtClean="0"/>
               <a:pPr/>
-              <a:t>13.11.2021</a:t>
+              <a:t>17.03.2022</a:t>
             </a:fld>
             <a:endParaRPr lang="ru-RU"/>
           </a:p>
@@ -1149,7 +1148,7 @@
           <a:lstStyle/>
           <a:p>
             <a:r>
-              <a:rPr lang="ru-RU" smtClean="0"/>
+              <a:rPr lang="ru-RU"/>
               <a:t>Образец заголовка</a:t>
             </a:r>
             <a:endParaRPr lang="en-US" dirty="0"/>
@@ -1173,35 +1172,35 @@
           <a:p>
             <a:pPr lvl="0"/>
             <a:r>
-              <a:rPr lang="ru-RU" smtClean="0"/>
+              <a:rPr lang="ru-RU"/>
               <a:t>Образец текста</a:t>
             </a:r>
           </a:p>
           <a:p>
             <a:pPr lvl="1"/>
             <a:r>
-              <a:rPr lang="ru-RU" smtClean="0"/>
+              <a:rPr lang="ru-RU"/>
               <a:t>Второй уровень</a:t>
             </a:r>
           </a:p>
           <a:p>
             <a:pPr lvl="2"/>
             <a:r>
-              <a:rPr lang="ru-RU" smtClean="0"/>
+              <a:rPr lang="ru-RU"/>
               <a:t>Третий уровень</a:t>
             </a:r>
           </a:p>
           <a:p>
             <a:pPr lvl="3"/>
             <a:r>
-              <a:rPr lang="ru-RU" smtClean="0"/>
+              <a:rPr lang="ru-RU"/>
               <a:t>Четвертый уровень</a:t>
             </a:r>
           </a:p>
           <a:p>
             <a:pPr lvl="4"/>
             <a:r>
-              <a:rPr lang="ru-RU" smtClean="0"/>
+              <a:rPr lang="ru-RU"/>
               <a:t>Пятый уровень</a:t>
             </a:r>
             <a:endParaRPr lang="en-US" dirty="0"/>
@@ -1226,7 +1225,7 @@
             <a:fld id="{85A5DE44-605B-4D3B-B2B7-94543DF81A36}" type="datetimeFigureOut">
               <a:rPr lang="ru-RU" smtClean="0"/>
               <a:pPr/>
-              <a:t>13.11.2021</a:t>
+              <a:t>17.03.2022</a:t>
             </a:fld>
             <a:endParaRPr lang="ru-RU"/>
           </a:p>
@@ -1330,7 +1329,7 @@
           </a:lstStyle>
           <a:p>
             <a:r>
-              <a:rPr lang="ru-RU" smtClean="0"/>
+              <a:rPr lang="ru-RU"/>
               <a:t>Образец заголовка</a:t>
             </a:r>
             <a:endParaRPr lang="en-US" dirty="0"/>
@@ -1450,7 +1449,7 @@
           <a:p>
             <a:pPr lvl="0"/>
             <a:r>
-              <a:rPr lang="ru-RU" smtClean="0"/>
+              <a:rPr lang="ru-RU"/>
               <a:t>Образец текста</a:t>
             </a:r>
           </a:p>
@@ -1474,7 +1473,7 @@
             <a:fld id="{85A5DE44-605B-4D3B-B2B7-94543DF81A36}" type="datetimeFigureOut">
               <a:rPr lang="ru-RU" smtClean="0"/>
               <a:pPr/>
-              <a:t>13.11.2021</a:t>
+              <a:t>17.03.2022</a:t>
             </a:fld>
             <a:endParaRPr lang="ru-RU"/>
           </a:p>
@@ -1569,7 +1568,7 @@
           <a:lstStyle/>
           <a:p>
             <a:r>
-              <a:rPr lang="ru-RU" smtClean="0"/>
+              <a:rPr lang="ru-RU"/>
               <a:t>Образец заголовка</a:t>
             </a:r>
             <a:endParaRPr lang="en-US" dirty="0"/>
@@ -1598,35 +1597,35 @@
           <a:p>
             <a:pPr lvl="0"/>
             <a:r>
-              <a:rPr lang="ru-RU" smtClean="0"/>
+              <a:rPr lang="ru-RU"/>
               <a:t>Образец текста</a:t>
             </a:r>
           </a:p>
           <a:p>
             <a:pPr lvl="1"/>
             <a:r>
-              <a:rPr lang="ru-RU" smtClean="0"/>
+              <a:rPr lang="ru-RU"/>
               <a:t>Второй уровень</a:t>
             </a:r>
           </a:p>
           <a:p>
             <a:pPr lvl="2"/>
             <a:r>
-              <a:rPr lang="ru-RU" smtClean="0"/>
+              <a:rPr lang="ru-RU"/>
               <a:t>Третий уровень</a:t>
             </a:r>
           </a:p>
           <a:p>
             <a:pPr lvl="3"/>
             <a:r>
-              <a:rPr lang="ru-RU" smtClean="0"/>
+              <a:rPr lang="ru-RU"/>
               <a:t>Четвертый уровень</a:t>
             </a:r>
           </a:p>
           <a:p>
             <a:pPr lvl="4"/>
             <a:r>
-              <a:rPr lang="ru-RU" smtClean="0"/>
+              <a:rPr lang="ru-RU"/>
               <a:t>Пятый уровень</a:t>
             </a:r>
             <a:endParaRPr lang="en-US" dirty="0"/>
@@ -1655,35 +1654,35 @@
           <a:p>
             <a:pPr lvl="0"/>
             <a:r>
-              <a:rPr lang="ru-RU" smtClean="0"/>
+              <a:rPr lang="ru-RU"/>
               <a:t>Образец текста</a:t>
             </a:r>
           </a:p>
           <a:p>
             <a:pPr lvl="1"/>
             <a:r>
-              <a:rPr lang="ru-RU" smtClean="0"/>
+              <a:rPr lang="ru-RU"/>
               <a:t>Второй уровень</a:t>
             </a:r>
           </a:p>
           <a:p>
             <a:pPr lvl="2"/>
             <a:r>
-              <a:rPr lang="ru-RU" smtClean="0"/>
+              <a:rPr lang="ru-RU"/>
               <a:t>Третий уровень</a:t>
             </a:r>
           </a:p>
           <a:p>
             <a:pPr lvl="3"/>
             <a:r>
-              <a:rPr lang="ru-RU" smtClean="0"/>
+              <a:rPr lang="ru-RU"/>
               <a:t>Четвертый уровень</a:t>
             </a:r>
           </a:p>
           <a:p>
             <a:pPr lvl="4"/>
             <a:r>
-              <a:rPr lang="ru-RU" smtClean="0"/>
+              <a:rPr lang="ru-RU"/>
               <a:t>Пятый уровень</a:t>
             </a:r>
             <a:endParaRPr lang="en-US" dirty="0"/>
@@ -1708,7 +1707,7 @@
             <a:fld id="{85A5DE44-605B-4D3B-B2B7-94543DF81A36}" type="datetimeFigureOut">
               <a:rPr lang="ru-RU" smtClean="0"/>
               <a:pPr/>
-              <a:t>13.11.2021</a:t>
+              <a:t>17.03.2022</a:t>
             </a:fld>
             <a:endParaRPr lang="ru-RU"/>
           </a:p>
@@ -1808,7 +1807,7 @@
           <a:lstStyle/>
           <a:p>
             <a:r>
-              <a:rPr lang="ru-RU" smtClean="0"/>
+              <a:rPr lang="ru-RU"/>
               <a:t>Образец заголовка</a:t>
             </a:r>
             <a:endParaRPr lang="en-US" dirty="0"/>
@@ -1874,7 +1873,7 @@
           <a:p>
             <a:pPr lvl="0"/>
             <a:r>
-              <a:rPr lang="ru-RU" smtClean="0"/>
+              <a:rPr lang="ru-RU"/>
               <a:t>Образец текста</a:t>
             </a:r>
           </a:p>
@@ -1902,35 +1901,35 @@
           <a:p>
             <a:pPr lvl="0"/>
             <a:r>
-              <a:rPr lang="ru-RU" smtClean="0"/>
+              <a:rPr lang="ru-RU"/>
               <a:t>Образец текста</a:t>
             </a:r>
           </a:p>
           <a:p>
             <a:pPr lvl="1"/>
             <a:r>
-              <a:rPr lang="ru-RU" smtClean="0"/>
+              <a:rPr lang="ru-RU"/>
               <a:t>Второй уровень</a:t>
             </a:r>
           </a:p>
           <a:p>
             <a:pPr lvl="2"/>
             <a:r>
-              <a:rPr lang="ru-RU" smtClean="0"/>
+              <a:rPr lang="ru-RU"/>
               <a:t>Третий уровень</a:t>
             </a:r>
           </a:p>
           <a:p>
             <a:pPr lvl="3"/>
             <a:r>
-              <a:rPr lang="ru-RU" smtClean="0"/>
+              <a:rPr lang="ru-RU"/>
               <a:t>Четвертый уровень</a:t>
             </a:r>
           </a:p>
           <a:p>
             <a:pPr lvl="4"/>
             <a:r>
-              <a:rPr lang="ru-RU" smtClean="0"/>
+              <a:rPr lang="ru-RU"/>
               <a:t>Пятый уровень</a:t>
             </a:r>
             <a:endParaRPr lang="en-US" dirty="0"/>
@@ -1996,7 +1995,7 @@
           <a:p>
             <a:pPr lvl="0"/>
             <a:r>
-              <a:rPr lang="ru-RU" smtClean="0"/>
+              <a:rPr lang="ru-RU"/>
               <a:t>Образец текста</a:t>
             </a:r>
           </a:p>
@@ -2024,35 +2023,35 @@
           <a:p>
             <a:pPr lvl="0"/>
             <a:r>
-              <a:rPr lang="ru-RU" smtClean="0"/>
+              <a:rPr lang="ru-RU"/>
               <a:t>Образец текста</a:t>
             </a:r>
           </a:p>
           <a:p>
             <a:pPr lvl="1"/>
             <a:r>
-              <a:rPr lang="ru-RU" smtClean="0"/>
+              <a:rPr lang="ru-RU"/>
               <a:t>Второй уровень</a:t>
             </a:r>
           </a:p>
           <a:p>
             <a:pPr lvl="2"/>
             <a:r>
-              <a:rPr lang="ru-RU" smtClean="0"/>
+              <a:rPr lang="ru-RU"/>
               <a:t>Третий уровень</a:t>
             </a:r>
           </a:p>
           <a:p>
             <a:pPr lvl="3"/>
             <a:r>
-              <a:rPr lang="ru-RU" smtClean="0"/>
+              <a:rPr lang="ru-RU"/>
               <a:t>Четвертый уровень</a:t>
             </a:r>
           </a:p>
           <a:p>
             <a:pPr lvl="4"/>
             <a:r>
-              <a:rPr lang="ru-RU" smtClean="0"/>
+              <a:rPr lang="ru-RU"/>
               <a:t>Пятый уровень</a:t>
             </a:r>
             <a:endParaRPr lang="en-US" dirty="0"/>
@@ -2077,7 +2076,7 @@
             <a:fld id="{85A5DE44-605B-4D3B-B2B7-94543DF81A36}" type="datetimeFigureOut">
               <a:rPr lang="ru-RU" smtClean="0"/>
               <a:pPr/>
-              <a:t>13.11.2021</a:t>
+              <a:t>17.03.2022</a:t>
             </a:fld>
             <a:endParaRPr lang="ru-RU"/>
           </a:p>
@@ -2172,7 +2171,7 @@
           <a:lstStyle/>
           <a:p>
             <a:r>
-              <a:rPr lang="ru-RU" smtClean="0"/>
+              <a:rPr lang="ru-RU"/>
               <a:t>Образец заголовка</a:t>
             </a:r>
             <a:endParaRPr lang="en-US" dirty="0"/>
@@ -2197,7 +2196,7 @@
             <a:fld id="{85A5DE44-605B-4D3B-B2B7-94543DF81A36}" type="datetimeFigureOut">
               <a:rPr lang="ru-RU" smtClean="0"/>
               <a:pPr/>
-              <a:t>13.11.2021</a:t>
+              <a:t>17.03.2022</a:t>
             </a:fld>
             <a:endParaRPr lang="ru-RU"/>
           </a:p>
@@ -2294,7 +2293,7 @@
             <a:fld id="{85A5DE44-605B-4D3B-B2B7-94543DF81A36}" type="datetimeFigureOut">
               <a:rPr lang="ru-RU" smtClean="0"/>
               <a:pPr/>
-              <a:t>13.11.2021</a:t>
+              <a:t>17.03.2022</a:t>
             </a:fld>
             <a:endParaRPr lang="ru-RU"/>
           </a:p>
@@ -2398,7 +2397,7 @@
           </a:lstStyle>
           <a:p>
             <a:r>
-              <a:rPr lang="ru-RU" smtClean="0"/>
+              <a:rPr lang="ru-RU"/>
               <a:t>Образец заголовка</a:t>
             </a:r>
             <a:endParaRPr lang="en-US" dirty="0"/>
@@ -2455,35 +2454,35 @@
           <a:p>
             <a:pPr lvl="0"/>
             <a:r>
-              <a:rPr lang="ru-RU" smtClean="0"/>
+              <a:rPr lang="ru-RU"/>
               <a:t>Образец текста</a:t>
             </a:r>
           </a:p>
           <a:p>
             <a:pPr lvl="1"/>
             <a:r>
-              <a:rPr lang="ru-RU" smtClean="0"/>
+              <a:rPr lang="ru-RU"/>
               <a:t>Второй уровень</a:t>
             </a:r>
           </a:p>
           <a:p>
             <a:pPr lvl="2"/>
             <a:r>
-              <a:rPr lang="ru-RU" smtClean="0"/>
+              <a:rPr lang="ru-RU"/>
               <a:t>Третий уровень</a:t>
             </a:r>
           </a:p>
           <a:p>
             <a:pPr lvl="3"/>
             <a:r>
-              <a:rPr lang="ru-RU" smtClean="0"/>
+              <a:rPr lang="ru-RU"/>
               <a:t>Четвертый уровень</a:t>
             </a:r>
           </a:p>
           <a:p>
             <a:pPr lvl="4"/>
             <a:r>
-              <a:rPr lang="ru-RU" smtClean="0"/>
+              <a:rPr lang="ru-RU"/>
               <a:t>Пятый уровень</a:t>
             </a:r>
             <a:endParaRPr lang="en-US" dirty="0"/>
@@ -2549,7 +2548,7 @@
           <a:p>
             <a:pPr lvl="0"/>
             <a:r>
-              <a:rPr lang="ru-RU" smtClean="0"/>
+              <a:rPr lang="ru-RU"/>
               <a:t>Образец текста</a:t>
             </a:r>
           </a:p>
@@ -2573,7 +2572,7 @@
             <a:fld id="{85A5DE44-605B-4D3B-B2B7-94543DF81A36}" type="datetimeFigureOut">
               <a:rPr lang="ru-RU" smtClean="0"/>
               <a:pPr/>
-              <a:t>13.11.2021</a:t>
+              <a:t>17.03.2022</a:t>
             </a:fld>
             <a:endParaRPr lang="ru-RU"/>
           </a:p>
@@ -2677,7 +2676,7 @@
           </a:lstStyle>
           <a:p>
             <a:r>
-              <a:rPr lang="ru-RU" smtClean="0"/>
+              <a:rPr lang="ru-RU"/>
               <a:t>Образец заголовка</a:t>
             </a:r>
             <a:endParaRPr lang="en-US" dirty="0"/>
@@ -2742,7 +2741,7 @@
           </a:lstStyle>
           <a:p>
             <a:r>
-              <a:rPr lang="ru-RU" smtClean="0"/>
+              <a:rPr lang="ru-RU"/>
               <a:t>Вставка рисунка</a:t>
             </a:r>
             <a:endParaRPr lang="en-US" dirty="0"/>
@@ -2808,7 +2807,7 @@
           <a:p>
             <a:pPr lvl="0"/>
             <a:r>
-              <a:rPr lang="ru-RU" smtClean="0"/>
+              <a:rPr lang="ru-RU"/>
               <a:t>Образец текста</a:t>
             </a:r>
           </a:p>
@@ -2832,7 +2831,7 @@
             <a:fld id="{85A5DE44-605B-4D3B-B2B7-94543DF81A36}" type="datetimeFigureOut">
               <a:rPr lang="ru-RU" smtClean="0"/>
               <a:pPr/>
-              <a:t>13.11.2021</a:t>
+              <a:t>17.03.2022</a:t>
             </a:fld>
             <a:endParaRPr lang="ru-RU"/>
           </a:p>
@@ -2942,7 +2941,7 @@
           <a:lstStyle/>
           <a:p>
             <a:r>
-              <a:rPr lang="ru-RU" smtClean="0"/>
+              <a:rPr lang="ru-RU"/>
               <a:t>Образец заголовка</a:t>
             </a:r>
             <a:endParaRPr lang="en-US" dirty="0"/>
@@ -2976,35 +2975,35 @@
           <a:p>
             <a:pPr lvl="0"/>
             <a:r>
-              <a:rPr lang="ru-RU" smtClean="0"/>
+              <a:rPr lang="ru-RU"/>
               <a:t>Образец текста</a:t>
             </a:r>
           </a:p>
           <a:p>
             <a:pPr lvl="1"/>
             <a:r>
-              <a:rPr lang="ru-RU" smtClean="0"/>
+              <a:rPr lang="ru-RU"/>
               <a:t>Второй уровень</a:t>
             </a:r>
           </a:p>
           <a:p>
             <a:pPr lvl="2"/>
             <a:r>
-              <a:rPr lang="ru-RU" smtClean="0"/>
+              <a:rPr lang="ru-RU"/>
               <a:t>Третий уровень</a:t>
             </a:r>
           </a:p>
           <a:p>
             <a:pPr lvl="3"/>
             <a:r>
-              <a:rPr lang="ru-RU" smtClean="0"/>
+              <a:rPr lang="ru-RU"/>
               <a:t>Четвертый уровень</a:t>
             </a:r>
           </a:p>
           <a:p>
             <a:pPr lvl="4"/>
             <a:r>
-              <a:rPr lang="ru-RU" smtClean="0"/>
+              <a:rPr lang="ru-RU"/>
               <a:t>Пятый уровень</a:t>
             </a:r>
             <a:endParaRPr lang="en-US" dirty="0"/>
@@ -3047,7 +3046,7 @@
             <a:fld id="{85A5DE44-605B-4D3B-B2B7-94543DF81A36}" type="datetimeFigureOut">
               <a:rPr lang="ru-RU" smtClean="0"/>
               <a:pPr/>
-              <a:t>13.11.2021</a:t>
+              <a:t>17.03.2022</a:t>
             </a:fld>
             <a:endParaRPr lang="ru-RU"/>
           </a:p>
@@ -6259,10 +6258,10 @@
           <a:p>
             <a:pPr algn="ctr"/>
             <a:r>
-              <a:rPr lang="ru-RU" sz="2400" b="1" dirty="0" smtClean="0"/>
+              <a:rPr lang="ru-RU" sz="2400" b="1" dirty="0"/>
               <a:t>189 фокусов</a:t>
             </a:r>
-            <a:endParaRPr lang="en-US" sz="2400" b="1" dirty="0" smtClean="0"/>
+            <a:endParaRPr lang="en-US" sz="2400" b="1" dirty="0"/>
           </a:p>
         </p:txBody>
       </p:sp>
@@ -6302,22 +6301,22 @@
           <a:p>
             <a:pPr algn="ctr"/>
             <a:r>
-              <a:rPr lang="ru-RU" sz="1400" dirty="0" smtClean="0"/>
+              <a:rPr lang="ru-RU" sz="1400" dirty="0"/>
               <a:t>Авиабаза</a:t>
             </a:r>
             <a:r>
-              <a:rPr lang="en-US" sz="1400" dirty="0" smtClean="0"/>
+              <a:rPr lang="en-US" sz="1400" dirty="0"/>
               <a:t>  «</a:t>
             </a:r>
             <a:r>
-              <a:rPr lang="en-US" sz="1400" dirty="0" err="1" smtClean="0"/>
+              <a:rPr lang="en-US" sz="1400" dirty="0" err="1"/>
               <a:t>Dabaing</a:t>
             </a:r>
             <a:r>
-              <a:rPr lang="en-US" sz="1400" dirty="0" smtClean="0"/>
+              <a:rPr lang="en-US" sz="1400" dirty="0"/>
               <a:t>»</a:t>
             </a:r>
-            <a:endParaRPr lang="ru-RU" sz="1400" dirty="0" smtClean="0"/>
+            <a:endParaRPr lang="ru-RU" sz="1400" dirty="0"/>
           </a:p>
         </p:txBody>
       </p:sp>
@@ -6431,15 +6430,15 @@
           <a:p>
             <a:pPr algn="ctr"/>
             <a:r>
-              <a:rPr lang="ru-RU" sz="1400" dirty="0" smtClean="0"/>
+              <a:rPr lang="ru-RU" sz="1400" dirty="0"/>
               <a:t>Авиабаза «</a:t>
             </a:r>
             <a:r>
-              <a:rPr lang="ru-RU" sz="1400" dirty="0" err="1" smtClean="0"/>
+              <a:rPr lang="ru-RU" sz="1400" dirty="0" err="1"/>
               <a:t>Akyab</a:t>
             </a:r>
             <a:r>
-              <a:rPr lang="ru-RU" sz="1400" dirty="0" smtClean="0"/>
+              <a:rPr lang="ru-RU" sz="1400" dirty="0"/>
               <a:t>»</a:t>
             </a:r>
           </a:p>
@@ -6481,22 +6480,22 @@
           <a:p>
             <a:pPr algn="ctr"/>
             <a:r>
-              <a:rPr lang="ru-RU" sz="1400" dirty="0" smtClean="0"/>
+              <a:rPr lang="ru-RU" sz="1400" dirty="0"/>
               <a:t>Авиабаза  </a:t>
             </a:r>
             <a:r>
-              <a:rPr lang="en-US" sz="1400" dirty="0" smtClean="0"/>
+              <a:rPr lang="en-US" sz="1400" dirty="0"/>
               <a:t>«</a:t>
             </a:r>
             <a:r>
-              <a:rPr lang="en-US" sz="1400" dirty="0" err="1" smtClean="0"/>
+              <a:rPr lang="en-US" sz="1400" dirty="0" err="1"/>
               <a:t>Hmawbi</a:t>
             </a:r>
             <a:r>
-              <a:rPr lang="en-US" sz="1400" dirty="0" smtClean="0"/>
+              <a:rPr lang="en-US" sz="1400" dirty="0"/>
               <a:t>»</a:t>
             </a:r>
-            <a:endParaRPr lang="ru-RU" sz="1400" dirty="0" smtClean="0"/>
+            <a:endParaRPr lang="ru-RU" sz="1400" dirty="0"/>
           </a:p>
         </p:txBody>
       </p:sp>
@@ -6536,22 +6535,22 @@
           <a:p>
             <a:pPr algn="ctr"/>
             <a:r>
-              <a:rPr lang="ru-RU" sz="1400" dirty="0" smtClean="0"/>
+              <a:rPr lang="ru-RU" sz="1400" dirty="0"/>
               <a:t>Авиабаза  </a:t>
             </a:r>
             <a:r>
-              <a:rPr lang="en-US" sz="1400" dirty="0" smtClean="0"/>
+              <a:rPr lang="en-US" sz="1400" dirty="0"/>
               <a:t>«</a:t>
             </a:r>
             <a:r>
-              <a:rPr lang="en-US" sz="1400" dirty="0" err="1" smtClean="0"/>
+              <a:rPr lang="en-US" sz="1400" dirty="0" err="1"/>
               <a:t>Mergui</a:t>
             </a:r>
             <a:r>
-              <a:rPr lang="en-US" sz="1400" dirty="0" smtClean="0"/>
+              <a:rPr lang="en-US" sz="1400" dirty="0"/>
               <a:t>»</a:t>
             </a:r>
-            <a:endParaRPr lang="ru-RU" sz="1400" dirty="0" smtClean="0"/>
+            <a:endParaRPr lang="ru-RU" sz="1400" dirty="0"/>
           </a:p>
         </p:txBody>
       </p:sp>
@@ -6591,22 +6590,22 @@
           <a:p>
             <a:pPr algn="ctr"/>
             <a:r>
-              <a:rPr lang="ru-RU" sz="1400" dirty="0" smtClean="0"/>
+              <a:rPr lang="ru-RU" sz="1400" dirty="0"/>
               <a:t>Авиабаза  </a:t>
             </a:r>
             <a:r>
-              <a:rPr lang="en-US" sz="1400" dirty="0" smtClean="0"/>
+              <a:rPr lang="en-US" sz="1400" dirty="0"/>
               <a:t>«</a:t>
             </a:r>
             <a:r>
-              <a:rPr lang="en-US" sz="1400" dirty="0" err="1" smtClean="0"/>
+              <a:rPr lang="en-US" sz="1400" dirty="0" err="1"/>
               <a:t>Meiktila</a:t>
             </a:r>
             <a:r>
-              <a:rPr lang="en-US" sz="1400" dirty="0" smtClean="0"/>
+              <a:rPr lang="en-US" sz="1400" dirty="0"/>
               <a:t>»</a:t>
             </a:r>
-            <a:endParaRPr lang="ru-RU" sz="1400" dirty="0" smtClean="0"/>
+            <a:endParaRPr lang="ru-RU" sz="1400" dirty="0"/>
           </a:p>
         </p:txBody>
       </p:sp>
@@ -6646,15 +6645,15 @@
           <a:p>
             <a:pPr algn="ctr"/>
             <a:r>
-              <a:rPr lang="ru-RU" sz="1400" dirty="0" smtClean="0"/>
+              <a:rPr lang="ru-RU" sz="1400" dirty="0"/>
               <a:t>Военная авиабаза «</a:t>
             </a:r>
             <a:r>
-              <a:rPr lang="ru-RU" sz="1400" dirty="0" err="1" smtClean="0"/>
+              <a:rPr lang="ru-RU" sz="1400" dirty="0" err="1"/>
               <a:t>Мингаладон</a:t>
             </a:r>
             <a:r>
-              <a:rPr lang="ru-RU" sz="1400" dirty="0" smtClean="0"/>
+              <a:rPr lang="ru-RU" sz="1400" dirty="0"/>
               <a:t>»</a:t>
             </a:r>
           </a:p>
@@ -6696,7 +6695,7 @@
           <a:p>
             <a:pPr algn="ctr"/>
             <a:r>
-              <a:rPr lang="ru-RU" sz="1400" dirty="0" smtClean="0"/>
+              <a:rPr lang="ru-RU" sz="1400" dirty="0"/>
               <a:t>Создание ВВС Бирмы</a:t>
             </a:r>
           </a:p>
@@ -6884,15 +6883,15 @@
           <a:p>
             <a:pPr algn="ctr"/>
             <a:r>
-              <a:rPr lang="ru-RU" sz="1400" dirty="0" smtClean="0"/>
+              <a:rPr lang="ru-RU" sz="1400" dirty="0"/>
               <a:t>Оснастить «</a:t>
             </a:r>
             <a:r>
-              <a:rPr lang="ru-RU" sz="1400" dirty="0" err="1" smtClean="0"/>
+              <a:rPr lang="ru-RU" sz="1400" dirty="0" err="1"/>
               <a:t>Мингаладон</a:t>
             </a:r>
             <a:r>
-              <a:rPr lang="ru-RU" sz="1400" dirty="0" smtClean="0"/>
+              <a:rPr lang="ru-RU" sz="1400" dirty="0"/>
               <a:t>» ПВО</a:t>
             </a:r>
           </a:p>
@@ -6972,15 +6971,15 @@
           <a:p>
             <a:pPr algn="ctr"/>
             <a:r>
-              <a:rPr lang="ru-RU" sz="1400" dirty="0" smtClean="0"/>
+              <a:rPr lang="ru-RU" sz="1400" dirty="0"/>
               <a:t>Передать лётную учебную школу «</a:t>
             </a:r>
             <a:r>
-              <a:rPr lang="ru-RU" sz="1400" dirty="0" err="1" smtClean="0"/>
+              <a:rPr lang="ru-RU" sz="1400" dirty="0" err="1"/>
               <a:t>Мингаладону</a:t>
             </a:r>
             <a:r>
-              <a:rPr lang="ru-RU" sz="1400" dirty="0" smtClean="0"/>
+              <a:rPr lang="ru-RU" sz="1400" dirty="0"/>
               <a:t>»</a:t>
             </a:r>
           </a:p>
@@ -7060,15 +7059,15 @@
           <a:p>
             <a:pPr algn="ctr"/>
             <a:r>
-              <a:rPr lang="ru-RU" sz="1400" dirty="0" smtClean="0"/>
+              <a:rPr lang="ru-RU" sz="1400" dirty="0"/>
               <a:t>Штаб  квартира «</a:t>
             </a:r>
             <a:r>
-              <a:rPr lang="ru-RU" sz="1400" dirty="0" err="1" smtClean="0"/>
+              <a:rPr lang="ru-RU" sz="1400" dirty="0" err="1"/>
               <a:t>Мингаладона</a:t>
             </a:r>
             <a:r>
-              <a:rPr lang="ru-RU" sz="1400" dirty="0" smtClean="0"/>
+              <a:rPr lang="ru-RU" sz="1400" dirty="0"/>
               <a:t>»</a:t>
             </a:r>
           </a:p>
@@ -7146,7 +7145,7 @@
           <a:p>
             <a:pPr algn="ctr"/>
             <a:r>
-              <a:rPr lang="ru-RU" sz="1400" dirty="0" smtClean="0"/>
+              <a:rPr lang="ru-RU" sz="1400" dirty="0"/>
               <a:t>Создание и расширение полицейских подразделений (при независимости)</a:t>
             </a:r>
           </a:p>
@@ -7188,7 +7187,7 @@
           <a:p>
             <a:pPr algn="ctr"/>
             <a:r>
-              <a:rPr lang="ru-RU" sz="1400" dirty="0" smtClean="0"/>
+              <a:rPr lang="ru-RU" sz="1400" dirty="0"/>
               <a:t>«Бирманские винтовки»</a:t>
             </a:r>
           </a:p>
@@ -7230,7 +7229,7 @@
           <a:p>
             <a:pPr algn="ctr"/>
             <a:r>
-              <a:rPr lang="ru-RU" sz="1400" dirty="0" smtClean="0"/>
+              <a:rPr lang="ru-RU" sz="1400" dirty="0"/>
               <a:t>«Бирманские транспортные роты»</a:t>
             </a:r>
           </a:p>
@@ -7272,7 +7271,7 @@
           <a:p>
             <a:pPr algn="ctr"/>
             <a:r>
-              <a:rPr lang="ru-RU" sz="1400" dirty="0" smtClean="0"/>
+              <a:rPr lang="ru-RU" sz="1400" dirty="0"/>
               <a:t>Женская вспомогательная служба Бирмы</a:t>
             </a:r>
           </a:p>
@@ -7314,11 +7313,11 @@
           <a:p>
             <a:pPr algn="ctr"/>
             <a:r>
-              <a:rPr lang="ru-RU" sz="1400" dirty="0" smtClean="0"/>
+              <a:rPr lang="ru-RU" sz="1400" dirty="0"/>
               <a:t>Создать союзную военную полицию </a:t>
             </a:r>
             <a:r>
-              <a:rPr lang="ru-RU" sz="1200" dirty="0" smtClean="0"/>
+              <a:rPr lang="ru-RU" sz="1200" dirty="0"/>
               <a:t>(Объединить полицию, пограничные службы и внутреннюю безопасность, при независимости) </a:t>
             </a:r>
           </a:p>
@@ -7360,7 +7359,7 @@
           <a:p>
             <a:pPr algn="ctr"/>
             <a:r>
-              <a:rPr lang="ru-RU" sz="1400" dirty="0" smtClean="0"/>
+              <a:rPr lang="ru-RU" sz="1400" dirty="0"/>
               <a:t>Реорганизация полиции</a:t>
             </a:r>
           </a:p>
@@ -7438,15 +7437,15 @@
           <a:p>
             <a:pPr algn="ctr"/>
             <a:r>
-              <a:rPr lang="ru-RU" sz="1400" dirty="0" smtClean="0"/>
+              <a:rPr lang="ru-RU" sz="1400" dirty="0"/>
               <a:t>Перенять опыт «</a:t>
             </a:r>
             <a:r>
-              <a:rPr lang="en-US" sz="1400" dirty="0" smtClean="0"/>
+              <a:rPr lang="en-US" sz="1400" dirty="0"/>
               <a:t>FORCE Z</a:t>
             </a:r>
             <a:r>
-              <a:rPr lang="ru-RU" sz="1400" dirty="0" smtClean="0"/>
+              <a:rPr lang="ru-RU" sz="1400" dirty="0"/>
               <a:t>»</a:t>
             </a:r>
           </a:p>
@@ -7488,7 +7487,7 @@
           <a:p>
             <a:pPr algn="ctr"/>
             <a:r>
-              <a:rPr lang="ru-RU" sz="1400" dirty="0" smtClean="0"/>
+              <a:rPr lang="ru-RU" sz="1400" dirty="0"/>
               <a:t>Вернуть на службу Бирманских саперов и минеров</a:t>
             </a:r>
           </a:p>
@@ -7530,7 +7529,7 @@
           <a:p>
             <a:pPr algn="ctr"/>
             <a:r>
-              <a:rPr lang="ru-RU" sz="1400" dirty="0" smtClean="0"/>
+              <a:rPr lang="ru-RU" sz="1400" dirty="0"/>
               <a:t>Бирманский добровольческий резерв Королевского ВМФ</a:t>
             </a:r>
           </a:p>
@@ -7610,7 +7609,7 @@
           <a:p>
             <a:pPr algn="ctr"/>
             <a:r>
-              <a:rPr lang="ru-RU" sz="1400" dirty="0" smtClean="0"/>
+              <a:rPr lang="ru-RU" sz="1400" dirty="0"/>
               <a:t>Создать армию Бирмы</a:t>
             </a:r>
           </a:p>
@@ -7652,7 +7651,7 @@
           <a:p>
             <a:pPr algn="ctr"/>
             <a:r>
-              <a:rPr lang="ru-RU" sz="1400" dirty="0" smtClean="0"/>
+              <a:rPr lang="ru-RU" sz="1400" dirty="0"/>
               <a:t>Увеличить бюджет Армии</a:t>
             </a:r>
           </a:p>
@@ -7694,11 +7693,11 @@
           <a:p>
             <a:pPr algn="ctr"/>
             <a:r>
-              <a:rPr lang="ru-RU" sz="1400" dirty="0" err="1" smtClean="0"/>
+              <a:rPr lang="ru-RU" sz="1400" dirty="0" err="1"/>
               <a:t>Гуркхский</a:t>
             </a:r>
             <a:r>
-              <a:rPr lang="ru-RU" sz="1400" dirty="0" smtClean="0"/>
+              <a:rPr lang="ru-RU" sz="1400" dirty="0"/>
               <a:t> Бирманский полк</a:t>
             </a:r>
           </a:p>
@@ -7740,10 +7739,10 @@
           <a:p>
             <a:pPr algn="ctr"/>
             <a:r>
-              <a:rPr lang="ru-RU" sz="1400" dirty="0" smtClean="0"/>
+              <a:rPr lang="ru-RU" sz="1400" dirty="0"/>
               <a:t>Бирманский корпус связи</a:t>
             </a:r>
-            <a:endParaRPr lang="ru-RU" sz="800" dirty="0" smtClean="0"/>
+            <a:endParaRPr lang="ru-RU" sz="800" dirty="0"/>
           </a:p>
         </p:txBody>
       </p:sp>
@@ -7783,7 +7782,7 @@
           <a:p>
             <a:pPr algn="ctr"/>
             <a:r>
-              <a:rPr lang="ru-RU" sz="1400" dirty="0" smtClean="0"/>
+              <a:rPr lang="ru-RU" sz="1400" dirty="0"/>
               <a:t>Медицинский корпус</a:t>
             </a:r>
           </a:p>
@@ -8159,7 +8158,7 @@
           <a:p>
             <a:pPr algn="ctr"/>
             <a:r>
-              <a:rPr lang="ru-RU" sz="1400" dirty="0" smtClean="0"/>
+              <a:rPr lang="ru-RU" sz="1400" dirty="0"/>
               <a:t>Подготовка для войны в джунглях</a:t>
             </a:r>
           </a:p>
@@ -8201,7 +8200,7 @@
           <a:p>
             <a:pPr algn="ctr"/>
             <a:r>
-              <a:rPr lang="ru-RU" sz="1400" dirty="0" smtClean="0"/>
+              <a:rPr lang="ru-RU" sz="1400" dirty="0"/>
               <a:t>Медицинские батальоны</a:t>
             </a:r>
           </a:p>
@@ -8355,7 +8354,7 @@
           <a:p>
             <a:pPr algn="ctr"/>
             <a:r>
-              <a:rPr lang="ru-RU" sz="1400" dirty="0" smtClean="0"/>
+              <a:rPr lang="ru-RU" sz="1400" dirty="0"/>
               <a:t>Оборудовать форт Герц под современную войну</a:t>
             </a:r>
           </a:p>
@@ -8480,10 +8479,9 @@
               <a:t>Летион</a:t>
             </a:r>
             <a:r>
-              <a:rPr lang="ru-RU" sz="1400"/>
+              <a:rPr lang="ru-RU" sz="1400" dirty="0"/>
               <a:t> Тат»</a:t>
             </a:r>
-            <a:endParaRPr lang="ru-RU" sz="1400" dirty="0" smtClean="0"/>
           </a:p>
         </p:txBody>
       </p:sp>
@@ -8589,7 +8587,7 @@
           <a:p>
             <a:pPr algn="ctr"/>
             <a:r>
-              <a:rPr lang="ru-RU" sz="1400" dirty="0" smtClean="0"/>
+              <a:rPr lang="ru-RU" sz="1400" dirty="0"/>
               <a:t>Коммунистическая партия Бирмы (коммунистическая партия белого флага)</a:t>
             </a:r>
           </a:p>
@@ -8634,7 +8632,7 @@
           <a:p>
             <a:pPr algn="ctr"/>
             <a:r>
-              <a:rPr lang="ru-RU" sz="1400" dirty="0" smtClean="0"/>
+              <a:rPr lang="ru-RU" sz="1400" dirty="0"/>
               <a:t>День Бирманских мучеников </a:t>
             </a:r>
           </a:p>
@@ -8682,7 +8680,7 @@
           <a:p>
             <a:pPr algn="ctr"/>
             <a:r>
-              <a:rPr lang="ru-RU" sz="1400" dirty="0" smtClean="0"/>
+              <a:rPr lang="ru-RU" sz="1400" dirty="0"/>
               <a:t>Генеральный совет Бирманских ассоциаций (доминион, отмена подушного налога)</a:t>
             </a:r>
           </a:p>
@@ -8724,15 +8722,15 @@
           <a:p>
             <a:pPr algn="ctr"/>
             <a:r>
-              <a:rPr lang="ru-RU" sz="1400" dirty="0" smtClean="0"/>
+              <a:rPr lang="ru-RU" sz="1400" dirty="0"/>
               <a:t>Партия «</a:t>
             </a:r>
             <a:r>
-              <a:rPr lang="ru-RU" sz="1400" dirty="0" err="1" smtClean="0"/>
+              <a:rPr lang="ru-RU" sz="1400" dirty="0" err="1"/>
               <a:t>Синьега</a:t>
             </a:r>
             <a:r>
-              <a:rPr lang="ru-RU" sz="1400" dirty="0" smtClean="0"/>
+              <a:rPr lang="ru-RU" sz="1400" dirty="0"/>
               <a:t>» («Бродяга», Ба Мо во главе, Исторический)</a:t>
             </a:r>
           </a:p>
@@ -8812,10 +8810,10 @@
           <a:p>
             <a:pPr algn="ctr"/>
             <a:r>
-              <a:rPr lang="ru-RU" sz="1400" dirty="0" smtClean="0"/>
+              <a:rPr lang="ru-RU" sz="1400" dirty="0"/>
               <a:t>Закон об аренде земли</a:t>
             </a:r>
-            <a:endParaRPr lang="ru-RU" sz="600" dirty="0" smtClean="0"/>
+            <a:endParaRPr lang="ru-RU" sz="600" dirty="0"/>
           </a:p>
         </p:txBody>
       </p:sp>
@@ -8856,18 +8854,10 @@
           <a:p>
             <a:pPr algn="ctr"/>
             <a:r>
-              <a:rPr lang="ru-RU" sz="1400" dirty="0" smtClean="0"/>
-              <a:t>Забрать земли </a:t>
-            </a:r>
-            <a:r>
               <a:rPr lang="ru-RU" sz="1400" dirty="0"/>
-              <a:t>у </a:t>
-            </a:r>
-            <a:r>
-              <a:rPr lang="ru-RU" sz="1400" dirty="0" smtClean="0"/>
-              <a:t>индусов</a:t>
-            </a:r>
-            <a:endParaRPr lang="ru-RU" sz="700" dirty="0" smtClean="0"/>
+              <a:t>Забрать земли у индусов</a:t>
+            </a:r>
+            <a:endParaRPr lang="ru-RU" sz="700" dirty="0"/>
           </a:p>
         </p:txBody>
       </p:sp>
@@ -8908,10 +8898,10 @@
           <a:p>
             <a:pPr algn="ctr"/>
             <a:r>
-              <a:rPr lang="ru-RU" sz="1400" dirty="0" smtClean="0"/>
+              <a:rPr lang="ru-RU" sz="1400" dirty="0"/>
               <a:t>Создание новых профсоюзов</a:t>
             </a:r>
-            <a:endParaRPr lang="ru-RU" sz="700" dirty="0" smtClean="0"/>
+            <a:endParaRPr lang="ru-RU" sz="700" dirty="0"/>
           </a:p>
         </p:txBody>
       </p:sp>
@@ -8952,10 +8942,10 @@
           <a:p>
             <a:pPr algn="ctr"/>
             <a:r>
-              <a:rPr lang="ru-RU" sz="1400" dirty="0" smtClean="0"/>
+              <a:rPr lang="ru-RU" sz="1400" dirty="0"/>
               <a:t>Национализация нефтепромыслов</a:t>
             </a:r>
-            <a:endParaRPr lang="ru-RU" sz="700" dirty="0" smtClean="0"/>
+            <a:endParaRPr lang="ru-RU" sz="700" dirty="0"/>
           </a:p>
         </p:txBody>
       </p:sp>
@@ -9047,17 +9037,9 @@
           <a:p>
             <a:pPr algn="ctr"/>
             <a:r>
-              <a:rPr lang="ru-RU" sz="1400" dirty="0" smtClean="0"/>
-              <a:t>Поддержка </a:t>
-            </a:r>
-            <a:r>
               <a:rPr lang="ru-RU" sz="1400" dirty="0"/>
-              <a:t>местных бизнесменов и помещиков</a:t>
-            </a:r>
-          </a:p>
-          <a:p>
-            <a:pPr algn="ctr"/>
-            <a:endParaRPr lang="ru-RU" sz="1400" dirty="0" smtClean="0"/>
+              <a:t>Поддержка местных бизнесменов и помещиков</a:t>
+            </a:r>
           </a:p>
         </p:txBody>
       </p:sp>
@@ -9117,7 +9099,6 @@
               <a:rPr lang="ru-RU" sz="1400" dirty="0"/>
               <a:t>)</a:t>
             </a:r>
-            <a:endParaRPr lang="ru-RU" sz="1400" dirty="0" smtClean="0"/>
           </a:p>
         </p:txBody>
       </p:sp>
@@ -9158,12 +9139,8 @@
           <a:p>
             <a:pPr algn="ctr"/>
             <a:r>
-              <a:rPr lang="ru-RU" sz="1400" dirty="0" smtClean="0"/>
-              <a:t>Последний Голодный марш(Попытка </a:t>
-            </a:r>
-            <a:r>
               <a:rPr lang="ru-RU" sz="1400" dirty="0"/>
-              <a:t>активных действий и выстрелы -</a:t>
+              <a:t>Последний Голодный марш(Попытка активных действий и выстрелы -</a:t>
             </a:r>
             <a:r>
               <a:rPr lang="en-US" sz="1400" dirty="0"/>
@@ -9183,11 +9160,7 @@
             </a:r>
             <a:r>
               <a:rPr lang="ru-RU" sz="1400" dirty="0"/>
-              <a:t> станет генералом</a:t>
-            </a:r>
-            <a:r>
-              <a:rPr lang="ru-RU" sz="1400" dirty="0" smtClean="0"/>
-              <a:t>)</a:t>
+              <a:t> станет генералом)</a:t>
             </a:r>
             <a:endParaRPr lang="ru-RU" sz="700" dirty="0"/>
           </a:p>
@@ -9516,7 +9489,7 @@
           <a:p>
             <a:pPr algn="ctr"/>
             <a:r>
-              <a:rPr lang="en-US" sz="1600" dirty="0" smtClean="0"/>
+              <a:rPr lang="en-US" sz="1600" dirty="0"/>
               <a:t>U Nu</a:t>
             </a:r>
             <a:endParaRPr lang="ru-RU" sz="1600" b="1" spc="300" dirty="0"/>
@@ -9564,7 +9537,7 @@
           <a:p>
             <a:pPr algn="ctr"/>
             <a:r>
-              <a:rPr lang="ru-RU" sz="1400" dirty="0" smtClean="0"/>
+              <a:rPr lang="ru-RU" sz="1400" dirty="0"/>
               <a:t>Отстранение Ба Мо</a:t>
             </a:r>
           </a:p>
@@ -9649,14 +9622,14 @@
           <a:p>
             <a:pPr algn="ctr"/>
             <a:r>
-              <a:rPr lang="ru-RU" sz="1400" dirty="0" smtClean="0"/>
+              <a:rPr lang="ru-RU" sz="1400" dirty="0"/>
               <a:t>Второе восстание </a:t>
             </a:r>
             <a:r>
-              <a:rPr lang="ru-RU" sz="1400" dirty="0" err="1" smtClean="0"/>
+              <a:rPr lang="ru-RU" sz="1400" dirty="0" err="1"/>
               <a:t>галонов</a:t>
             </a:r>
-            <a:endParaRPr lang="ru-RU" sz="1400" dirty="0" smtClean="0"/>
+            <a:endParaRPr lang="ru-RU" sz="1400" dirty="0"/>
           </a:p>
         </p:txBody>
       </p:sp>
@@ -10014,7 +9987,7 @@
           <a:p>
             <a:pPr algn="ctr"/>
             <a:r>
-              <a:rPr lang="ru-RU" sz="1600" dirty="0" smtClean="0"/>
+              <a:rPr lang="ru-RU" sz="1600" dirty="0"/>
               <a:t>Губернатор</a:t>
             </a:r>
             <a:endParaRPr lang="ru-RU" sz="1600" b="1" spc="300" dirty="0"/>
@@ -10062,7 +10035,7 @@
           <a:p>
             <a:pPr algn="ctr"/>
             <a:r>
-              <a:rPr lang="ru-RU" sz="1400" dirty="0" smtClean="0"/>
+              <a:rPr lang="ru-RU" sz="1400" dirty="0"/>
               <a:t>Закон об обороне Бирмы (репрессии всех националистов)</a:t>
             </a:r>
           </a:p>
@@ -10104,15 +10077,15 @@
           <a:p>
             <a:pPr algn="ctr"/>
             <a:r>
-              <a:rPr lang="ru-RU" sz="1400" dirty="0" smtClean="0"/>
+              <a:rPr lang="ru-RU" sz="1400" dirty="0"/>
               <a:t>Основание ВМФ Бирмы(флот </a:t>
             </a:r>
             <a:r>
-              <a:rPr lang="ru-RU" sz="1400" dirty="0" err="1" smtClean="0"/>
+              <a:rPr lang="ru-RU" sz="1400" dirty="0" err="1"/>
               <a:t>бирмы</a:t>
             </a:r>
             <a:r>
-              <a:rPr lang="ru-RU" sz="1400" dirty="0" smtClean="0"/>
+              <a:rPr lang="ru-RU" sz="1400" dirty="0"/>
               <a:t> стартует с 5 эсминцами, 4 довоенных и 1 1936 года)</a:t>
             </a:r>
           </a:p>
@@ -10154,7 +10127,7 @@
           <a:p>
             <a:pPr algn="ctr"/>
             <a:r>
-              <a:rPr lang="ru-RU" sz="1400" dirty="0" smtClean="0"/>
+              <a:rPr lang="ru-RU" sz="1400" dirty="0"/>
               <a:t>Разработка  эсминцев</a:t>
             </a:r>
           </a:p>
@@ -10196,7 +10169,7 @@
           <a:p>
             <a:pPr algn="ctr"/>
             <a:r>
-              <a:rPr lang="ru-RU" sz="1400" dirty="0" smtClean="0"/>
+              <a:rPr lang="ru-RU" sz="1400" dirty="0"/>
               <a:t>Вербовка горных племён</a:t>
             </a:r>
           </a:p>
@@ -10276,7 +10249,7 @@
           <a:p>
             <a:pPr algn="ctr"/>
             <a:r>
-              <a:rPr lang="ru-RU" sz="1400" dirty="0" smtClean="0"/>
+              <a:rPr lang="ru-RU" sz="1400" dirty="0"/>
               <a:t>Военно-морской учебный центр</a:t>
             </a:r>
           </a:p>
@@ -10394,7 +10367,7 @@
           <a:p>
             <a:pPr algn="ctr"/>
             <a:r>
-              <a:rPr lang="ru-RU" sz="1400" dirty="0" smtClean="0"/>
+              <a:rPr lang="ru-RU" sz="1400" dirty="0"/>
               <a:t>Военно-морской штаб министерства обороны</a:t>
             </a:r>
           </a:p>
@@ -10475,11 +10448,7 @@
             <a:pPr algn="ctr"/>
             <a:r>
               <a:rPr lang="ru-RU" sz="1400" dirty="0"/>
-              <a:t>С</a:t>
-            </a:r>
-            <a:r>
-              <a:rPr lang="ru-RU" sz="1400" dirty="0" smtClean="0"/>
-              <a:t>оздание морских баз</a:t>
+              <a:t>Создание морских баз</a:t>
             </a:r>
           </a:p>
         </p:txBody>
@@ -10520,7 +10489,7 @@
           <a:p>
             <a:pPr algn="ctr"/>
             <a:r>
-              <a:rPr lang="ru-RU" sz="1400" dirty="0" smtClean="0"/>
+              <a:rPr lang="ru-RU" sz="1400" dirty="0"/>
               <a:t>Собственные верфи</a:t>
             </a:r>
           </a:p>
@@ -10710,7 +10679,7 @@
           <a:p>
             <a:pPr algn="ctr"/>
             <a:r>
-              <a:rPr lang="ru-RU" sz="1400" dirty="0" smtClean="0"/>
+              <a:rPr lang="ru-RU" sz="1400" dirty="0"/>
               <a:t>Введение собственной валюты (кьят) (не раньше отделения от Индии)</a:t>
             </a:r>
           </a:p>
@@ -10752,7 +10721,7 @@
           <a:p>
             <a:pPr algn="ctr"/>
             <a:r>
-              <a:rPr lang="ru-RU" sz="1400" dirty="0" smtClean="0"/>
+              <a:rPr lang="ru-RU" sz="1400" dirty="0"/>
               <a:t>Строительство Бирманской дороги</a:t>
             </a:r>
           </a:p>
@@ -10794,15 +10763,15 @@
           <a:p>
             <a:pPr algn="ctr"/>
             <a:r>
-              <a:rPr lang="ru-RU" sz="1400" dirty="0" smtClean="0"/>
+              <a:rPr lang="ru-RU" sz="1400" dirty="0"/>
               <a:t>Расширить добычу вольфрама в </a:t>
             </a:r>
             <a:r>
-              <a:rPr lang="ru-RU" sz="1400" dirty="0" err="1" smtClean="0"/>
+              <a:rPr lang="ru-RU" sz="1400" dirty="0" err="1"/>
               <a:t>Каренни</a:t>
             </a:r>
             <a:r>
-              <a:rPr lang="ru-RU" sz="1400" dirty="0" smtClean="0"/>
+              <a:rPr lang="ru-RU" sz="1400" dirty="0"/>
               <a:t> (решения на расширение шахт)</a:t>
             </a:r>
           </a:p>
@@ -10844,15 +10813,15 @@
           <a:p>
             <a:pPr algn="ctr"/>
             <a:r>
-              <a:rPr lang="ru-RU" sz="1400" dirty="0" smtClean="0"/>
+              <a:rPr lang="ru-RU" sz="1400" dirty="0"/>
               <a:t>Железная дорога </a:t>
             </a:r>
             <a:r>
-              <a:rPr lang="ru-RU" sz="1400" dirty="0" err="1" smtClean="0"/>
+              <a:rPr lang="ru-RU" sz="1400" dirty="0" err="1"/>
               <a:t>Юньнань</a:t>
             </a:r>
             <a:r>
-              <a:rPr lang="ru-RU" sz="1400" dirty="0" smtClean="0"/>
+              <a:rPr lang="ru-RU" sz="1400" dirty="0"/>
               <a:t> – Бирма</a:t>
             </a:r>
           </a:p>
@@ -10894,15 +10863,15 @@
           <a:p>
             <a:pPr algn="ctr"/>
             <a:r>
-              <a:rPr lang="ru-RU" sz="1400" dirty="0" smtClean="0"/>
+              <a:rPr lang="ru-RU" sz="1400" dirty="0"/>
               <a:t>Университет </a:t>
             </a:r>
             <a:r>
-              <a:rPr lang="ru-RU" sz="1400" dirty="0" err="1" smtClean="0"/>
+              <a:rPr lang="ru-RU" sz="1400" dirty="0" err="1"/>
               <a:t>Янгона</a:t>
             </a:r>
             <a:r>
-              <a:rPr lang="ru-RU" sz="1400" dirty="0" smtClean="0"/>
+              <a:rPr lang="ru-RU" sz="1400" dirty="0"/>
               <a:t>(забастовки не ведутся)</a:t>
             </a:r>
           </a:p>
@@ -10944,16 +10913,8 @@
           <a:p>
             <a:pPr algn="ctr"/>
             <a:r>
-              <a:rPr lang="ru-RU" sz="1400" dirty="0" smtClean="0"/>
-              <a:t>Комбинированная программа по машиностроению и </a:t>
-            </a:r>
-            <a:r>
               <a:rPr lang="ru-RU" sz="1400" dirty="0"/>
-              <a:t>э</a:t>
-            </a:r>
-            <a:r>
-              <a:rPr lang="ru-RU" sz="1400" dirty="0" smtClean="0"/>
-              <a:t>лектротехнике</a:t>
+              <a:t>Комбинированная программа по машиностроению и электротехнике</a:t>
             </a:r>
           </a:p>
         </p:txBody>
@@ -10994,7 +10955,7 @@
           <a:p>
             <a:pPr algn="ctr"/>
             <a:r>
-              <a:rPr lang="ru-RU" sz="1400" dirty="0" smtClean="0"/>
+              <a:rPr lang="ru-RU" sz="1400" dirty="0"/>
               <a:t>Присоединить сельскохозяйственный колледж к университету</a:t>
             </a:r>
           </a:p>
@@ -11220,7 +11181,7 @@
           <a:p>
             <a:pPr algn="ctr"/>
             <a:r>
-              <a:rPr lang="ru-RU" sz="1400" dirty="0" smtClean="0"/>
+              <a:rPr lang="ru-RU" sz="1400" dirty="0"/>
               <a:t>Заводы по производству карбида вольфрама</a:t>
             </a:r>
           </a:p>
@@ -11262,7 +11223,7 @@
           <a:p>
             <a:pPr algn="ctr"/>
             <a:r>
-              <a:rPr lang="ru-RU" sz="1400" dirty="0" smtClean="0"/>
+              <a:rPr lang="ru-RU" sz="1400" dirty="0"/>
               <a:t>Оружейные заводы</a:t>
             </a:r>
           </a:p>
@@ -11304,7 +11265,7 @@
           <a:p>
             <a:pPr algn="ctr"/>
             <a:r>
-              <a:rPr lang="ru-RU" sz="1400" dirty="0" smtClean="0"/>
+              <a:rPr lang="ru-RU" sz="1400" dirty="0"/>
               <a:t>Восстановить экспорт риса после кризиса</a:t>
             </a:r>
           </a:p>
@@ -11346,7 +11307,7 @@
           <a:p>
             <a:pPr algn="ctr"/>
             <a:r>
-              <a:rPr lang="ru-RU" sz="1400" dirty="0" smtClean="0"/>
+              <a:rPr lang="ru-RU" sz="1400" dirty="0"/>
               <a:t>Производство из тикового дерева</a:t>
             </a:r>
           </a:p>
@@ -11388,86 +11349,86 @@
           <a:p>
             <a:pPr algn="ctr"/>
             <a:r>
-              <a:rPr lang="ru-RU" sz="1400" dirty="0" smtClean="0"/>
+              <a:rPr lang="ru-RU" sz="1400" dirty="0"/>
               <a:t>Проект </a:t>
             </a:r>
             <a:r>
-              <a:rPr lang="ru-RU" sz="1400" dirty="0" err="1" smtClean="0"/>
+              <a:rPr lang="ru-RU" sz="1400" dirty="0" err="1"/>
               <a:t>Синмала</a:t>
             </a:r>
             <a:r>
-              <a:rPr lang="ru-RU" sz="1400" dirty="0" smtClean="0"/>
+              <a:rPr lang="ru-RU" sz="1400" dirty="0"/>
               <a:t> </a:t>
             </a:r>
             <a:r>
-              <a:rPr lang="ru-RU" sz="300" dirty="0" smtClean="0"/>
+              <a:rPr lang="ru-RU" sz="300" dirty="0"/>
               <a:t>(Во время войны временное правительство во главе с бирманским губернатором сержантом </a:t>
             </a:r>
             <a:r>
-              <a:rPr lang="ru-RU" sz="300" dirty="0" err="1" smtClean="0"/>
+              <a:rPr lang="ru-RU" sz="300" dirty="0" err="1"/>
               <a:t>Дорманом</a:t>
             </a:r>
             <a:r>
-              <a:rPr lang="ru-RU" sz="300" dirty="0" smtClean="0"/>
+              <a:rPr lang="ru-RU" sz="300" dirty="0"/>
               <a:t> Смитом из </a:t>
             </a:r>
             <a:r>
-              <a:rPr lang="ru-RU" sz="300" dirty="0" err="1" smtClean="0"/>
+              <a:rPr lang="ru-RU" sz="300" dirty="0" err="1"/>
               <a:t>Сималы</a:t>
             </a:r>
             <a:r>
-              <a:rPr lang="ru-RU" sz="300" dirty="0" smtClean="0"/>
+              <a:rPr lang="ru-RU" sz="300" dirty="0"/>
               <a:t>, Индия, начало рассматривать вопрос об образовании после 1942 года. Подполковник Александр </a:t>
             </a:r>
             <a:r>
-              <a:rPr lang="ru-RU" sz="300" dirty="0" err="1" smtClean="0"/>
+              <a:rPr lang="ru-RU" sz="300" dirty="0" err="1"/>
               <a:t>Кингве</a:t>
             </a:r>
             <a:r>
-              <a:rPr lang="ru-RU" sz="300" dirty="0" smtClean="0"/>
+              <a:rPr lang="ru-RU" sz="300" dirty="0"/>
               <a:t>, министр довоенного образования, который был назначен офицером по реформе образования, основанный на докладе 1936 г. под председательством его комитета, </a:t>
             </a:r>
             <a:r>
-              <a:rPr lang="ru-RU" sz="300" i="1" dirty="0" smtClean="0"/>
+              <a:rPr lang="ru-RU" sz="300" i="1" dirty="0"/>
               <a:t>и подготовил</a:t>
             </a:r>
             <a:r>
-              <a:rPr lang="ru-RU" sz="300" dirty="0" smtClean="0"/>
+              <a:rPr lang="ru-RU" sz="300" dirty="0"/>
               <a:t> доклад о реконструкции системы </a:t>
             </a:r>
             <a:r>
-              <a:rPr lang="ru-RU" sz="300" i="1" dirty="0" smtClean="0"/>
+              <a:rPr lang="ru-RU" sz="300" i="1" dirty="0"/>
               <a:t>образования Бирмы в 1942 г.</a:t>
             </a:r>
             <a:r>
-              <a:rPr lang="ru-RU" sz="300" dirty="0" smtClean="0"/>
+              <a:rPr lang="ru-RU" sz="300" dirty="0"/>
               <a:t> Представлено 30 октября. Из 69 пунктов в статье 12 были связаны с университетом. Хунта учредила Комитет по восстановлению образования под председательством сэра Тун </a:t>
             </a:r>
             <a:r>
-              <a:rPr lang="ru-RU" sz="300" dirty="0" err="1" smtClean="0"/>
+              <a:rPr lang="ru-RU" sz="300" dirty="0" err="1"/>
               <a:t>Аунг</a:t>
             </a:r>
             <a:r>
-              <a:rPr lang="ru-RU" sz="300" dirty="0" smtClean="0"/>
+              <a:rPr lang="ru-RU" sz="300" dirty="0"/>
               <a:t> </a:t>
             </a:r>
             <a:r>
-              <a:rPr lang="ru-RU" sz="300" dirty="0" err="1" smtClean="0"/>
+              <a:rPr lang="ru-RU" sz="300" dirty="0" err="1"/>
               <a:t>Кьяу</a:t>
             </a:r>
             <a:r>
-              <a:rPr lang="ru-RU" sz="300" dirty="0" smtClean="0"/>
+              <a:rPr lang="ru-RU" sz="300" dirty="0"/>
               <a:t>, чтобы рассмотреть документ короля Вея и комментарии отдельных лиц. Комитет принял рекомендации, содержащиеся в документе. Этот документ стал основой для образовательного плана хунты, который впоследствии назывался </a:t>
             </a:r>
             <a:r>
-              <a:rPr lang="ru-RU" sz="300" dirty="0" err="1" smtClean="0"/>
+              <a:rPr lang="ru-RU" sz="300" dirty="0" err="1"/>
               <a:t>Синмалинским</a:t>
             </a:r>
             <a:r>
-              <a:rPr lang="ru-RU" sz="300" dirty="0" smtClean="0"/>
+              <a:rPr lang="ru-RU" sz="300" dirty="0"/>
               <a:t> учебным планом.)</a:t>
             </a:r>
-            <a:endParaRPr lang="ru-RU" sz="1400" dirty="0" smtClean="0"/>
+            <a:endParaRPr lang="ru-RU" sz="1400" dirty="0"/>
           </a:p>
         </p:txBody>
       </p:sp>
@@ -11543,7 +11504,7 @@
           <a:p>
             <a:pPr algn="ctr"/>
             <a:r>
-              <a:rPr lang="ru-RU" sz="1400" dirty="0" smtClean="0"/>
+              <a:rPr lang="ru-RU" sz="1400" dirty="0"/>
               <a:t>Бирманская нефтяная компания (расширение добычи нефти)</a:t>
             </a:r>
           </a:p>
@@ -11585,7 +11546,7 @@
           <a:p>
             <a:pPr algn="ctr"/>
             <a:r>
-              <a:rPr lang="ru-RU" sz="1400" dirty="0" smtClean="0"/>
+              <a:rPr lang="ru-RU" sz="1400" dirty="0"/>
               <a:t>Открытие иностранных банков</a:t>
             </a:r>
           </a:p>
@@ -11627,7 +11588,7 @@
           <a:p>
             <a:pPr algn="ctr"/>
             <a:r>
-              <a:rPr lang="ru-RU" sz="1400" dirty="0" smtClean="0"/>
+              <a:rPr lang="ru-RU" sz="1400" dirty="0"/>
               <a:t>Текстильная промышленность</a:t>
             </a:r>
           </a:p>
@@ -11669,7 +11630,7 @@
           <a:p>
             <a:pPr algn="ctr"/>
             <a:r>
-              <a:rPr lang="ru-RU" sz="1400" dirty="0" smtClean="0"/>
+              <a:rPr lang="ru-RU" sz="1400" dirty="0"/>
               <a:t>Каучуковые плантации</a:t>
             </a:r>
           </a:p>
@@ -11711,7 +11672,7 @@
           <a:p>
             <a:pPr algn="ctr"/>
             <a:r>
-              <a:rPr lang="ru-RU" sz="1400" dirty="0" smtClean="0"/>
+              <a:rPr lang="ru-RU" sz="1400" dirty="0"/>
               <a:t>Строительные материалы и инструменты из тика</a:t>
             </a:r>
           </a:p>
@@ -11753,7 +11714,7 @@
           <a:p>
             <a:pPr algn="ctr"/>
             <a:r>
-              <a:rPr lang="ru-RU" sz="1400" dirty="0" smtClean="0"/>
+              <a:rPr lang="ru-RU" sz="1400" dirty="0"/>
               <a:t>Запрет на торговлю опиумом</a:t>
             </a:r>
           </a:p>
@@ -11795,7 +11756,7 @@
           <a:p>
             <a:pPr algn="ctr"/>
             <a:r>
-              <a:rPr lang="ru-RU" sz="1400" dirty="0" smtClean="0"/>
+              <a:rPr lang="ru-RU" sz="1400" dirty="0"/>
               <a:t>Договориться с опиумными торговцами</a:t>
             </a:r>
           </a:p>
@@ -12139,7 +12100,7 @@
           <a:p>
             <a:pPr algn="ctr"/>
             <a:r>
-              <a:rPr lang="ru-RU" sz="1400" dirty="0" smtClean="0"/>
+              <a:rPr lang="ru-RU" sz="1400" dirty="0"/>
               <a:t>Завод по производству снарядов</a:t>
             </a:r>
           </a:p>
@@ -12293,7 +12254,7 @@
           <a:p>
             <a:pPr algn="ctr"/>
             <a:r>
-              <a:rPr lang="ru-RU" sz="1400" dirty="0" smtClean="0"/>
+              <a:rPr lang="ru-RU" sz="1400" dirty="0"/>
               <a:t>Горнодобывающие кампании</a:t>
             </a:r>
           </a:p>
@@ -12670,7 +12631,7 @@
           <a:p>
             <a:pPr algn="ctr"/>
             <a:r>
-              <a:rPr lang="ru-RU" sz="1400" dirty="0" smtClean="0"/>
+              <a:rPr lang="ru-RU" sz="1400" dirty="0"/>
               <a:t>Новая конституция</a:t>
             </a:r>
           </a:p>
@@ -12809,11 +12770,11 @@
           <a:p>
             <a:pPr algn="ctr"/>
             <a:r>
-              <a:rPr lang="en-US" sz="1600" dirty="0" smtClean="0"/>
+              <a:rPr lang="en-US" sz="1600" dirty="0"/>
               <a:t>Chit </a:t>
             </a:r>
             <a:r>
-              <a:rPr lang="en-US" sz="1600" dirty="0" err="1" smtClean="0"/>
+              <a:rPr lang="en-US" sz="1600" dirty="0" err="1"/>
               <a:t>Hlaing</a:t>
             </a:r>
             <a:endParaRPr lang="en-US" sz="1600" dirty="0"/>
@@ -12862,7 +12823,7 @@
           <a:p>
             <a:pPr algn="ctr"/>
             <a:r>
-              <a:rPr lang="ru-RU" sz="1400" dirty="0" smtClean="0"/>
+              <a:rPr lang="ru-RU" sz="1400" dirty="0"/>
               <a:t>Возродить Молодёжные буддистские организации</a:t>
             </a:r>
           </a:p>
@@ -12910,7 +12871,7 @@
           <a:p>
             <a:pPr algn="ctr"/>
             <a:r>
-              <a:rPr lang="ru-RU" sz="1400" dirty="0" smtClean="0"/>
+              <a:rPr lang="ru-RU" sz="1400" dirty="0"/>
               <a:t>Отмена подушного налога</a:t>
             </a:r>
           </a:p>
@@ -12958,7 +12919,7 @@
           <a:p>
             <a:pPr algn="ctr"/>
             <a:r>
-              <a:rPr lang="ru-RU" sz="1400" dirty="0" smtClean="0"/>
+              <a:rPr lang="ru-RU" sz="1400" dirty="0"/>
               <a:t>Завоевать доверие малых народов (решения на то, чтобы вернуть контроль над страной)</a:t>
             </a:r>
           </a:p>
@@ -13006,7 +12967,7 @@
           <a:p>
             <a:pPr algn="ctr"/>
             <a:r>
-              <a:rPr lang="ru-RU" sz="1400" dirty="0" smtClean="0"/>
+              <a:rPr lang="ru-RU" sz="1400" dirty="0"/>
               <a:t>Провести референдумы в губернаторских провинциях</a:t>
             </a:r>
           </a:p>
@@ -13273,7 +13234,7 @@
           <a:p>
             <a:pPr algn="ctr"/>
             <a:r>
-              <a:rPr lang="ru-RU" sz="1400" dirty="0" smtClean="0"/>
+              <a:rPr lang="ru-RU" sz="1400" dirty="0"/>
               <a:t>Решить расовые конфликты в армии</a:t>
             </a:r>
           </a:p>
@@ -13321,7 +13282,7 @@
           <a:p>
             <a:pPr algn="ctr"/>
             <a:r>
-              <a:rPr lang="ru-RU" sz="1400" dirty="0" smtClean="0"/>
+              <a:rPr lang="ru-RU" sz="1400" dirty="0"/>
               <a:t>Потребовать статус доминиона</a:t>
             </a:r>
           </a:p>
@@ -13369,7 +13330,7 @@
           <a:p>
             <a:pPr algn="ctr"/>
             <a:r>
-              <a:rPr lang="ru-RU" sz="1400" dirty="0" smtClean="0"/>
+              <a:rPr lang="ru-RU" sz="1400" dirty="0"/>
               <a:t>Изменить конституцию на президентскую</a:t>
             </a:r>
           </a:p>
@@ -13417,14 +13378,9 @@
           <a:p>
             <a:pPr algn="ctr"/>
             <a:r>
-              <a:rPr lang="ru-RU" sz="1400" dirty="0" smtClean="0"/>
-              <a:t>Выкупить долги </a:t>
-            </a:r>
-            <a:r>
-              <a:rPr lang="ru-RU" sz="1400" smtClean="0"/>
-              <a:t>у ростовщиков</a:t>
-            </a:r>
-            <a:endParaRPr lang="ru-RU" sz="1400" dirty="0" smtClean="0"/>
+              <a:rPr lang="ru-RU" sz="1400" dirty="0"/>
+              <a:t>Выкупить долги у ростовщиков</a:t>
+            </a:r>
           </a:p>
         </p:txBody>
       </p:sp>
@@ -13616,7 +13572,7 @@
           <a:p>
             <a:pPr algn="ctr"/>
             <a:r>
-              <a:rPr lang="ru-RU" sz="1400" dirty="0" smtClean="0"/>
+              <a:rPr lang="ru-RU" sz="1400" dirty="0"/>
               <a:t>Защита буддистской религии</a:t>
             </a:r>
           </a:p>
@@ -13662,6 +13618,7 @@
         <p:nvCxnSpPr>
           <p:cNvPr id="410" name="Соединительная линия уступом 409"/>
           <p:cNvCxnSpPr>
+            <a:cxnSpLocks/>
             <a:stCxn id="365" idx="2"/>
             <a:endCxn id="394" idx="0"/>
           </p:cNvCxnSpPr>
@@ -13830,11 +13787,11 @@
           <a:p>
             <a:pPr algn="ctr"/>
             <a:r>
-              <a:rPr lang="en-US" sz="1600" dirty="0" err="1" smtClean="0"/>
+              <a:rPr lang="en-US" sz="1600" dirty="0" err="1"/>
               <a:t>Aung</a:t>
             </a:r>
             <a:r>
-              <a:rPr lang="en-US" sz="1600" dirty="0" smtClean="0"/>
+              <a:rPr lang="en-US" sz="1600" dirty="0"/>
               <a:t> San</a:t>
             </a:r>
             <a:endParaRPr lang="ru-RU" sz="1600" b="1" spc="300" dirty="0"/>
@@ -14034,10 +13991,10 @@
           <a:p>
             <a:pPr algn="ctr"/>
             <a:r>
-              <a:rPr lang="ru-RU" sz="1400" dirty="0" smtClean="0"/>
+              <a:rPr lang="ru-RU" sz="1400" dirty="0"/>
               <a:t>Книжный клуб «Красный Дракон»</a:t>
             </a:r>
-            <a:endParaRPr lang="ru-RU" sz="700" dirty="0" smtClean="0"/>
+            <a:endParaRPr lang="ru-RU" sz="700" dirty="0"/>
           </a:p>
         </p:txBody>
       </p:sp>
@@ -14620,10 +14577,10 @@
           <a:p>
             <a:pPr algn="ctr"/>
             <a:r>
-              <a:rPr lang="ru-RU" sz="1400" dirty="0" smtClean="0"/>
+              <a:rPr lang="ru-RU" sz="1400" dirty="0"/>
               <a:t>Всеобщая национализация (иностранцы покидают Бирму (около 100к))</a:t>
             </a:r>
-            <a:endParaRPr lang="ru-RU" sz="700" dirty="0" smtClean="0"/>
+            <a:endParaRPr lang="ru-RU" sz="700" dirty="0"/>
           </a:p>
         </p:txBody>
       </p:sp>
@@ -14744,7 +14701,7 @@
           <a:p>
             <a:pPr algn="ctr"/>
             <a:r>
-              <a:rPr lang="ru-RU" sz="1400" dirty="0" smtClean="0"/>
+              <a:rPr lang="ru-RU" sz="1400" dirty="0"/>
               <a:t>Аресты левых элементов</a:t>
             </a:r>
           </a:p>
@@ -14791,7 +14748,7 @@
           <a:p>
             <a:pPr algn="ctr"/>
             <a:r>
-              <a:rPr lang="ru-RU" sz="1400" dirty="0" smtClean="0"/>
+              <a:rPr lang="ru-RU" sz="1400" dirty="0"/>
               <a:t>Компромисс с У Со</a:t>
             </a:r>
           </a:p>
@@ -14914,7 +14871,7 @@
           <a:p>
             <a:pPr algn="ctr"/>
             <a:r>
-              <a:rPr lang="ru-RU" sz="1400" dirty="0" smtClean="0"/>
+              <a:rPr lang="ru-RU" sz="1400" dirty="0"/>
               <a:t>Арест Ба Мо</a:t>
             </a:r>
           </a:p>
@@ -15237,10 +15194,10 @@
           <a:p>
             <a:pPr algn="ctr"/>
             <a:r>
-              <a:rPr lang="ru-RU" sz="1400" dirty="0" smtClean="0"/>
+              <a:rPr lang="ru-RU" sz="1400" dirty="0"/>
               <a:t>Закон о защите браков бирманских женщин</a:t>
             </a:r>
-            <a:endParaRPr lang="ru-RU" sz="700" dirty="0" smtClean="0"/>
+            <a:endParaRPr lang="ru-RU" sz="700" dirty="0"/>
           </a:p>
         </p:txBody>
       </p:sp>
@@ -15321,7 +15278,7 @@
           <a:p>
             <a:pPr algn="ctr"/>
             <a:r>
-              <a:rPr lang="ru-RU" sz="1400" dirty="0" smtClean="0"/>
+              <a:rPr lang="ru-RU" sz="1400" dirty="0"/>
               <a:t>Газета «Сан»</a:t>
             </a:r>
           </a:p>
@@ -15404,7 +15361,7 @@
           <a:p>
             <a:pPr algn="ctr"/>
             <a:r>
-              <a:rPr lang="ru-RU" sz="1400" dirty="0" smtClean="0"/>
+              <a:rPr lang="ru-RU" sz="1400" dirty="0"/>
               <a:t>Перераспределение иностранной земли</a:t>
             </a:r>
           </a:p>
@@ -15523,7 +15480,7 @@
           <a:p>
             <a:pPr algn="ctr"/>
             <a:r>
-              <a:rPr lang="ru-RU" sz="1400" dirty="0" smtClean="0"/>
+              <a:rPr lang="ru-RU" sz="1400" dirty="0"/>
               <a:t>Реставрация старых храмов</a:t>
             </a:r>
           </a:p>
@@ -15570,7 +15527,7 @@
           <a:p>
             <a:pPr algn="ctr"/>
             <a:r>
-              <a:rPr lang="ru-RU" sz="1400" dirty="0" smtClean="0"/>
+              <a:rPr lang="ru-RU" sz="1400" dirty="0"/>
               <a:t>Милитаризация общества ( НД на прирост поддержки войны)</a:t>
             </a:r>
           </a:p>
@@ -15617,7 +15574,7 @@
           <a:p>
             <a:pPr algn="ctr"/>
             <a:r>
-              <a:rPr lang="ru-RU" sz="1400" dirty="0" smtClean="0"/>
+              <a:rPr lang="ru-RU" sz="1400" dirty="0"/>
               <a:t>Вернуть северный Сиам</a:t>
             </a:r>
           </a:p>
@@ -15664,15 +15621,15 @@
           <a:p>
             <a:pPr algn="ctr"/>
             <a:r>
-              <a:rPr lang="ru-RU" sz="1400" dirty="0" smtClean="0"/>
+              <a:rPr lang="ru-RU" sz="1400" dirty="0"/>
               <a:t>Союз с буддистами Индии (если в Индии </a:t>
             </a:r>
             <a:r>
-              <a:rPr lang="ru-RU" sz="1400" dirty="0" err="1" smtClean="0"/>
+              <a:rPr lang="ru-RU" sz="1400" dirty="0" err="1"/>
               <a:t>необуддисты</a:t>
             </a:r>
             <a:r>
-              <a:rPr lang="ru-RU" sz="1400" dirty="0" smtClean="0"/>
+              <a:rPr lang="ru-RU" sz="1400" dirty="0"/>
               <a:t>)</a:t>
             </a:r>
           </a:p>
@@ -15719,15 +15676,15 @@
           <a:p>
             <a:pPr algn="ctr"/>
             <a:r>
-              <a:rPr lang="ru-RU" sz="1400" dirty="0" smtClean="0"/>
+              <a:rPr lang="ru-RU" sz="1400" dirty="0"/>
               <a:t>Вступить в «Азиатскую сферу </a:t>
             </a:r>
             <a:r>
-              <a:rPr lang="ru-RU" sz="1400" dirty="0" err="1" smtClean="0"/>
+              <a:rPr lang="ru-RU" sz="1400" dirty="0" err="1"/>
               <a:t>сопроцветания</a:t>
             </a:r>
             <a:r>
-              <a:rPr lang="ru-RU" sz="1400" dirty="0" smtClean="0"/>
+              <a:rPr lang="ru-RU" sz="1400" dirty="0"/>
               <a:t>»</a:t>
             </a:r>
           </a:p>
@@ -15925,7 +15882,7 @@
           <a:p>
             <a:pPr algn="ctr"/>
             <a:r>
-              <a:rPr lang="ru-RU" sz="1400" dirty="0" smtClean="0"/>
+              <a:rPr lang="ru-RU" sz="1400" dirty="0"/>
               <a:t>Отомстить Индусам</a:t>
             </a:r>
           </a:p>
@@ -16048,7 +16005,7 @@
           <a:p>
             <a:pPr algn="ctr"/>
             <a:r>
-              <a:rPr lang="ru-RU" sz="1400" dirty="0" smtClean="0"/>
+              <a:rPr lang="ru-RU" sz="1400" dirty="0"/>
               <a:t>Вернуть западные земли Индокитая</a:t>
             </a:r>
           </a:p>
@@ -16095,7 +16052,7 @@
           <a:p>
             <a:pPr algn="ctr"/>
             <a:r>
-              <a:rPr lang="ru-RU" sz="1400" dirty="0" smtClean="0"/>
+              <a:rPr lang="ru-RU" sz="1400" dirty="0"/>
               <a:t>Захват Цейлона</a:t>
             </a:r>
           </a:p>
@@ -16142,7 +16099,7 @@
           <a:p>
             <a:pPr algn="ctr"/>
             <a:r>
-              <a:rPr lang="ru-RU" sz="1400" dirty="0" smtClean="0"/>
+              <a:rPr lang="ru-RU" sz="1400" dirty="0"/>
               <a:t>Захват Бутана</a:t>
             </a:r>
           </a:p>
@@ -16189,7 +16146,7 @@
           <a:p>
             <a:pPr algn="ctr"/>
             <a:r>
-              <a:rPr lang="ru-RU" sz="1400" dirty="0" smtClean="0"/>
+              <a:rPr lang="ru-RU" sz="1400" dirty="0"/>
               <a:t>Забрать Малайзию</a:t>
             </a:r>
           </a:p>
@@ -16312,7 +16269,7 @@
           <a:p>
             <a:pPr algn="ctr"/>
             <a:r>
-              <a:rPr lang="ru-RU" sz="1400" dirty="0" smtClean="0"/>
+              <a:rPr lang="ru-RU" sz="1400" dirty="0"/>
               <a:t>Захват Тибета</a:t>
             </a:r>
           </a:p>
@@ -16359,14 +16316,14 @@
           <a:p>
             <a:pPr algn="ctr"/>
             <a:r>
-              <a:rPr lang="ru-RU" sz="1400" dirty="0" smtClean="0"/>
+              <a:rPr lang="ru-RU" sz="1400" dirty="0"/>
               <a:t>Захват </a:t>
             </a:r>
             <a:r>
-              <a:rPr lang="ru-RU" sz="1400" dirty="0" err="1" smtClean="0"/>
+              <a:rPr lang="ru-RU" sz="1400" dirty="0" err="1"/>
               <a:t>Сиккима</a:t>
             </a:r>
-            <a:endParaRPr lang="ru-RU" sz="1400" dirty="0" smtClean="0"/>
+            <a:endParaRPr lang="ru-RU" sz="1400" dirty="0"/>
           </a:p>
         </p:txBody>
       </p:sp>
@@ -16411,7 +16368,7 @@
           <a:p>
             <a:pPr algn="ctr"/>
             <a:r>
-              <a:rPr lang="ru-RU" sz="1400" dirty="0" smtClean="0"/>
+              <a:rPr lang="ru-RU" sz="1400" dirty="0"/>
               <a:t>Захват Непала</a:t>
             </a:r>
           </a:p>
@@ -16642,7 +16599,7 @@
           <a:p>
             <a:pPr algn="ctr"/>
             <a:r>
-              <a:rPr lang="ru-RU" sz="1400" dirty="0" smtClean="0"/>
+              <a:rPr lang="ru-RU" sz="1400" dirty="0"/>
               <a:t>Собственный альянс</a:t>
             </a:r>
           </a:p>
@@ -16727,15 +16684,15 @@
           <a:p>
             <a:pPr algn="ctr"/>
             <a:r>
-              <a:rPr lang="ru-RU" sz="1400" dirty="0" smtClean="0"/>
+              <a:rPr lang="ru-RU" sz="1400" dirty="0"/>
               <a:t>Укрепиться в Океании (война с Голландской </a:t>
             </a:r>
             <a:r>
-              <a:rPr lang="ru-RU" sz="1400" dirty="0" err="1" smtClean="0"/>
+              <a:rPr lang="ru-RU" sz="1400" dirty="0" err="1"/>
               <a:t>Ост-Индией</a:t>
             </a:r>
             <a:r>
-              <a:rPr lang="ru-RU" sz="1400" dirty="0" smtClean="0"/>
+              <a:rPr lang="ru-RU" sz="1400" dirty="0"/>
               <a:t>)</a:t>
             </a:r>
           </a:p>
@@ -16782,7 +16739,7 @@
           <a:p>
             <a:pPr algn="ctr"/>
             <a:r>
-              <a:rPr lang="ru-RU" sz="1400" dirty="0" smtClean="0"/>
+              <a:rPr lang="ru-RU" sz="1400" dirty="0"/>
               <a:t>Вторжение в Китай</a:t>
             </a:r>
           </a:p>
@@ -16959,7 +16916,7 @@
           <a:p>
             <a:pPr algn="ctr"/>
             <a:r>
-              <a:rPr lang="en-US" sz="1600" dirty="0" smtClean="0"/>
+              <a:rPr lang="en-US" sz="1600" dirty="0"/>
               <a:t>U Nu</a:t>
             </a:r>
             <a:endParaRPr lang="ru-RU" sz="1600" b="1" spc="300" dirty="0"/>
@@ -17005,7 +16962,7 @@
           <a:p>
             <a:pPr algn="ctr"/>
             <a:r>
-              <a:rPr lang="ru-RU" sz="1400" dirty="0" smtClean="0"/>
+              <a:rPr lang="ru-RU" sz="1400" dirty="0"/>
               <a:t>Духовное лидерство</a:t>
             </a:r>
           </a:p>
@@ -17050,14 +17007,14 @@
           <a:p>
             <a:pPr algn="ctr"/>
             <a:r>
-              <a:rPr lang="ru-RU" sz="1400" dirty="0" smtClean="0"/>
+              <a:rPr lang="ru-RU" sz="1400" dirty="0"/>
               <a:t>«Буддистское перемирие»</a:t>
             </a:r>
             <a:r>
-              <a:rPr lang="en-US" sz="1400" dirty="0" smtClean="0"/>
+              <a:rPr lang="en-US" sz="1400" dirty="0"/>
               <a:t> </a:t>
             </a:r>
-            <a:endParaRPr lang="ru-RU" sz="1400" dirty="0" smtClean="0"/>
+            <a:endParaRPr lang="ru-RU" sz="1400" dirty="0"/>
           </a:p>
         </p:txBody>
       </p:sp>
@@ -17100,7 +17057,7 @@
           <a:p>
             <a:pPr algn="ctr"/>
             <a:r>
-              <a:rPr lang="ru-RU" sz="1400" dirty="0" smtClean="0"/>
+              <a:rPr lang="ru-RU" sz="1400" dirty="0"/>
               <a:t>Закон о государственном поощрении буддизма</a:t>
             </a:r>
           </a:p>
@@ -17145,7 +17102,7 @@
           <a:p>
             <a:pPr algn="ctr"/>
             <a:r>
-              <a:rPr lang="ru-RU" sz="1400" dirty="0" smtClean="0"/>
+              <a:rPr lang="ru-RU" sz="1400" dirty="0"/>
               <a:t>Массовая организация</a:t>
             </a:r>
           </a:p>
@@ -17190,7 +17147,7 @@
           <a:p>
             <a:pPr algn="ctr"/>
             <a:r>
-              <a:rPr lang="ru-RU" sz="1400" dirty="0" smtClean="0"/>
+              <a:rPr lang="ru-RU" sz="1400" dirty="0"/>
               <a:t>Кадровая политика</a:t>
             </a:r>
           </a:p>
@@ -17273,14 +17230,14 @@
           <a:p>
             <a:pPr algn="ctr"/>
             <a:r>
-              <a:rPr lang="ru-RU" sz="1400" dirty="0" smtClean="0"/>
+              <a:rPr lang="ru-RU" sz="1400" dirty="0"/>
               <a:t>План </a:t>
             </a:r>
             <a:r>
-              <a:rPr lang="ru-RU" sz="1400" dirty="0" err="1" smtClean="0"/>
+              <a:rPr lang="ru-RU" sz="1400" dirty="0" err="1"/>
               <a:t>Пиидавты</a:t>
             </a:r>
-            <a:endParaRPr lang="ru-RU" sz="1400" dirty="0" smtClean="0"/>
+            <a:endParaRPr lang="ru-RU" sz="1400" dirty="0"/>
           </a:p>
         </p:txBody>
       </p:sp>
@@ -17323,7 +17280,7 @@
           <a:p>
             <a:pPr algn="ctr"/>
             <a:r>
-              <a:rPr lang="ru-RU" sz="1400" dirty="0" smtClean="0"/>
+              <a:rPr lang="ru-RU" sz="1400" dirty="0"/>
               <a:t>Ресурсный контракт с США</a:t>
             </a:r>
           </a:p>
@@ -17368,7 +17325,7 @@
           <a:p>
             <a:pPr algn="ctr"/>
             <a:r>
-              <a:rPr lang="ru-RU" sz="1400" dirty="0" smtClean="0"/>
+              <a:rPr lang="ru-RU" sz="1400" dirty="0"/>
               <a:t>Развитие приграничных и неразвитых территорий</a:t>
             </a:r>
           </a:p>
@@ -17413,7 +17370,7 @@
           <a:p>
             <a:pPr algn="ctr"/>
             <a:r>
-              <a:rPr lang="ru-RU" sz="1400" dirty="0" smtClean="0"/>
+              <a:rPr lang="ru-RU" sz="1400" dirty="0"/>
               <a:t>Финансирование социальных услуг</a:t>
             </a:r>
           </a:p>
@@ -17458,7 +17415,7 @@
           <a:p>
             <a:pPr algn="ctr"/>
             <a:r>
-              <a:rPr lang="ru-RU" sz="1400" dirty="0" smtClean="0"/>
+              <a:rPr lang="ru-RU" sz="1400" dirty="0"/>
               <a:t>Вложения в инфраструктуру страны</a:t>
             </a:r>
           </a:p>
@@ -17503,7 +17460,7 @@
           <a:p>
             <a:pPr algn="ctr"/>
             <a:r>
-              <a:rPr lang="ru-RU" sz="1400" dirty="0" smtClean="0"/>
+              <a:rPr lang="ru-RU" sz="1400" dirty="0"/>
               <a:t>Огромные вложения в промышленность</a:t>
             </a:r>
           </a:p>
@@ -17700,10 +17657,9 @@
           <a:p>
             <a:pPr algn="ctr" fontAlgn="base"/>
             <a:r>
-              <a:rPr lang="ru-RU" sz="1400" dirty="0" smtClean="0"/>
+              <a:rPr lang="ru-RU" sz="1400" dirty="0"/>
               <a:t>Государство всеобщего благосостояния</a:t>
             </a:r>
-            <a:endParaRPr lang="ru-RU" sz="1400" dirty="0"/>
           </a:p>
         </p:txBody>
       </p:sp>
@@ -17784,13 +17740,10 @@
           <a:p>
             <a:pPr algn="ctr"/>
             <a:r>
-              <a:rPr lang="ru-RU" sz="1400" dirty="0" smtClean="0"/>
-              <a:t>Установить военный режим </a:t>
-            </a:r>
-            <a:r>
-              <a:rPr lang="ru-RU" sz="400" dirty="0" smtClean="0"/>
-              <a:t>(</a:t>
-            </a:r>
+              <a:rPr lang="ru-RU" sz="1400" dirty="0"/>
+              <a:t>Установить военный режим</a:t>
+            </a:r>
+            <a:endParaRPr lang="ru-RU" sz="400" dirty="0"/>
           </a:p>
         </p:txBody>
       </p:sp>
@@ -17927,7 +17880,7 @@
           <a:p>
             <a:pPr algn="ctr"/>
             <a:r>
-              <a:rPr lang="en-US" sz="1600" dirty="0" smtClean="0"/>
+              <a:rPr lang="en-US" sz="1600" dirty="0"/>
               <a:t>Ne Win</a:t>
             </a:r>
             <a:endParaRPr lang="ru-RU" sz="1600" b="1" spc="300" dirty="0"/>
@@ -18014,6 +17967,7 @@
         <p:nvCxnSpPr>
           <p:cNvPr id="578" name="Соединительная линия уступом 577"/>
           <p:cNvCxnSpPr>
+            <a:cxnSpLocks/>
             <a:stCxn id="440" idx="2"/>
             <a:endCxn id="441" idx="0"/>
           </p:cNvCxnSpPr>
@@ -18353,7 +18307,7 @@
           <a:p>
             <a:pPr algn="ctr"/>
             <a:r>
-              <a:rPr lang="ru-RU" sz="1400" dirty="0" smtClean="0"/>
+              <a:rPr lang="ru-RU" sz="1400" dirty="0"/>
               <a:t>Провести политическое воспитание</a:t>
             </a:r>
           </a:p>
@@ -18436,7 +18390,7 @@
           <a:p>
             <a:pPr algn="ctr"/>
             <a:r>
-              <a:rPr lang="ru-RU" sz="1400" dirty="0" smtClean="0"/>
+              <a:rPr lang="ru-RU" sz="1400" dirty="0"/>
               <a:t>Система государственных больниц</a:t>
             </a:r>
           </a:p>
@@ -18483,7 +18437,7 @@
           <a:p>
             <a:pPr algn="ctr"/>
             <a:r>
-              <a:rPr lang="ru-RU" sz="1400" dirty="0" smtClean="0"/>
+              <a:rPr lang="ru-RU" sz="1400" dirty="0"/>
               <a:t>Центральная военная подготовка</a:t>
             </a:r>
           </a:p>
@@ -18564,7 +18518,7 @@
           <a:p>
             <a:pPr algn="ctr"/>
             <a:r>
-              <a:rPr lang="ru-RU" sz="1400" dirty="0" smtClean="0"/>
+              <a:rPr lang="ru-RU" sz="1400" dirty="0"/>
               <a:t>Привести социализм в монастыри</a:t>
             </a:r>
           </a:p>
@@ -18957,10 +18911,10 @@
           <a:p>
             <a:pPr algn="ctr"/>
             <a:r>
-              <a:rPr lang="ru-RU" sz="1400" dirty="0" smtClean="0"/>
+              <a:rPr lang="ru-RU" sz="1400" dirty="0"/>
               <a:t>Подчинить южные клики Китая</a:t>
             </a:r>
-            <a:endParaRPr lang="ru-RU" sz="700" dirty="0" smtClean="0"/>
+            <a:endParaRPr lang="ru-RU" sz="700" dirty="0"/>
           </a:p>
         </p:txBody>
       </p:sp>
@@ -19313,10 +19267,10 @@
           <a:p>
             <a:pPr algn="ctr"/>
             <a:r>
-              <a:rPr lang="ru-RU" sz="1400" dirty="0" smtClean="0"/>
+              <a:rPr lang="ru-RU" sz="1400" dirty="0"/>
               <a:t>Подчинить Сиам</a:t>
             </a:r>
-            <a:endParaRPr lang="ru-RU" sz="700" dirty="0" smtClean="0"/>
+            <a:endParaRPr lang="ru-RU" sz="700" dirty="0"/>
           </a:p>
         </p:txBody>
       </p:sp>
@@ -19633,10 +19587,10 @@
           <a:p>
             <a:pPr algn="ctr"/>
             <a:r>
-              <a:rPr lang="ru-RU" sz="1400" dirty="0" smtClean="0"/>
+              <a:rPr lang="ru-RU" sz="1400" dirty="0"/>
               <a:t>Подчинить Индию</a:t>
             </a:r>
-            <a:endParaRPr lang="ru-RU" sz="700" dirty="0" smtClean="0"/>
+            <a:endParaRPr lang="ru-RU" sz="700" dirty="0"/>
           </a:p>
         </p:txBody>
       </p:sp>
@@ -19719,7 +19673,7 @@
           <a:p>
             <a:pPr algn="ctr"/>
             <a:r>
-              <a:rPr lang="ru-RU" sz="1400" dirty="0" smtClean="0"/>
+              <a:rPr lang="ru-RU" sz="1400" dirty="0"/>
               <a:t>Построение автаркии</a:t>
             </a:r>
           </a:p>
@@ -19838,7 +19792,7 @@
           <a:p>
             <a:pPr algn="ctr"/>
             <a:r>
-              <a:rPr lang="ru-RU" sz="1400" dirty="0" smtClean="0"/>
+              <a:rPr lang="ru-RU" sz="1400" dirty="0"/>
               <a:t>Новые выборы</a:t>
             </a:r>
           </a:p>
@@ -20053,15 +20007,15 @@
           <a:p>
             <a:pPr algn="ctr"/>
             <a:r>
-              <a:rPr lang="en-US" sz="1600" dirty="0" err="1" smtClean="0"/>
+              <a:rPr lang="en-US" sz="1600" dirty="0" err="1"/>
               <a:t>Kyaw</a:t>
             </a:r>
             <a:r>
-              <a:rPr lang="en-US" sz="1600" dirty="0" smtClean="0"/>
+              <a:rPr lang="en-US" sz="1600" dirty="0"/>
               <a:t> </a:t>
             </a:r>
             <a:r>
-              <a:rPr lang="en-US" sz="1600" dirty="0" err="1" smtClean="0"/>
+              <a:rPr lang="en-US" sz="1600" dirty="0" err="1"/>
               <a:t>Nyein</a:t>
             </a:r>
             <a:endParaRPr lang="ru-RU" sz="1600" b="1" spc="300" dirty="0"/>
@@ -20107,14 +20061,14 @@
           <a:p>
             <a:pPr algn="ctr"/>
             <a:r>
-              <a:rPr lang="ru-RU" sz="1400" dirty="0" smtClean="0"/>
+              <a:rPr lang="ru-RU" sz="1400" dirty="0"/>
               <a:t>Постепенное </a:t>
             </a:r>
             <a:r>
-              <a:rPr lang="ru-RU" sz="1400" dirty="0" err="1" smtClean="0"/>
+              <a:rPr lang="ru-RU" sz="1400" dirty="0" err="1"/>
               <a:t>импортозамещение</a:t>
             </a:r>
-            <a:endParaRPr lang="ru-RU" sz="1400" dirty="0" smtClean="0"/>
+            <a:endParaRPr lang="ru-RU" sz="1400" dirty="0"/>
           </a:p>
         </p:txBody>
       </p:sp>
@@ -20157,7 +20111,7 @@
           <a:p>
             <a:pPr algn="ctr"/>
             <a:r>
-              <a:rPr lang="ru-RU" sz="1400" dirty="0" smtClean="0"/>
+              <a:rPr lang="ru-RU" sz="1400" dirty="0"/>
               <a:t>Активная индустриализация страны</a:t>
             </a:r>
           </a:p>
@@ -20276,7 +20230,7 @@
           <a:p>
             <a:pPr algn="ctr"/>
             <a:r>
-              <a:rPr lang="ru-RU" sz="1400" dirty="0" smtClean="0"/>
+              <a:rPr lang="ru-RU" sz="1400" dirty="0"/>
               <a:t>Ставка на кооперативы</a:t>
             </a:r>
           </a:p>
@@ -20469,7 +20423,7 @@
           <a:p>
             <a:pPr algn="ctr"/>
             <a:r>
-              <a:rPr lang="ru-RU" sz="1400" dirty="0" smtClean="0"/>
+              <a:rPr lang="ru-RU" sz="1400" dirty="0"/>
               <a:t>Революция в военной промышленности</a:t>
             </a:r>
           </a:p>
@@ -20491,7 +20445,7 @@
           </a:xfrm>
           <a:prstGeom prst="bentConnector3">
             <a:avLst>
-              <a:gd name="adj1" fmla="val 23599"/>
+              <a:gd name="adj1" fmla="val -103773"/>
             </a:avLst>
           </a:prstGeom>
           <a:ln w="28575">
@@ -20599,28 +20553,20 @@
           <a:p>
             <a:pPr algn="ctr"/>
             <a:r>
-              <a:rPr lang="ru-RU" sz="1400" dirty="0" smtClean="0"/>
+              <a:rPr lang="ru-RU" sz="1400" dirty="0"/>
               <a:t>Манифест </a:t>
             </a:r>
             <a:r>
               <a:rPr lang="ru-RU" sz="1400" dirty="0" err="1"/>
-              <a:t>И</a:t>
-            </a:r>
-            <a:r>
-              <a:rPr lang="ru-RU" sz="1400" dirty="0" err="1" smtClean="0"/>
-              <a:t>нсейна</a:t>
-            </a:r>
-            <a:r>
-              <a:rPr lang="ru-RU" sz="1400" dirty="0" smtClean="0"/>
+              <a:t>Инсейна</a:t>
+            </a:r>
+            <a:r>
+              <a:rPr lang="ru-RU" sz="1400" dirty="0"/>
               <a:t> </a:t>
             </a:r>
             <a:r>
-              <a:rPr lang="ru-RU" sz="600" dirty="0" smtClean="0"/>
-              <a:t>(</a:t>
-            </a:r>
-            <a:r>
               <a:rPr lang="ru-RU" sz="600" dirty="0"/>
-              <a:t>Находясь в тюрьме </a:t>
+              <a:t>(Находясь в тюрьме </a:t>
             </a:r>
             <a:r>
               <a:rPr lang="ru-RU" sz="600" dirty="0" err="1"/>
@@ -20666,11 +20612,7 @@
             </a:r>
             <a:r>
               <a:rPr lang="ru-RU" sz="600" dirty="0"/>
-              <a:t> </a:t>
-            </a:r>
-            <a:r>
-              <a:rPr lang="ru-RU" sz="600" dirty="0" smtClean="0"/>
-              <a:t>.)</a:t>
+              <a:t> .)</a:t>
             </a:r>
           </a:p>
         </p:txBody>
@@ -20871,10 +20813,10 @@
           <a:p>
             <a:pPr algn="ctr"/>
             <a:r>
-              <a:rPr lang="ru-RU" sz="1400" dirty="0" smtClean="0"/>
+              <a:rPr lang="ru-RU" sz="1400" dirty="0"/>
               <a:t>Повернуть на линию Народного фронта</a:t>
             </a:r>
-            <a:endParaRPr lang="ru-RU" sz="900" dirty="0" smtClean="0"/>
+            <a:endParaRPr lang="ru-RU" sz="900" dirty="0"/>
           </a:p>
         </p:txBody>
       </p:sp>
@@ -20917,18 +20859,10 @@
           <a:p>
             <a:pPr algn="ctr"/>
             <a:r>
-              <a:rPr lang="ru-RU" sz="1400" dirty="0" smtClean="0"/>
-              <a:t>Союз культиваторов </a:t>
-            </a:r>
-            <a:r>
               <a:rPr lang="ru-RU" sz="1400" dirty="0"/>
-              <a:t>Красного </a:t>
-            </a:r>
-            <a:r>
-              <a:rPr lang="ru-RU" sz="1400" dirty="0" smtClean="0"/>
-              <a:t>Флага</a:t>
-            </a:r>
-            <a:endParaRPr lang="ru-RU" sz="600" dirty="0" smtClean="0"/>
+              <a:t>Союз культиваторов Красного Флага</a:t>
+            </a:r>
+            <a:endParaRPr lang="ru-RU" sz="600" dirty="0"/>
           </a:p>
         </p:txBody>
       </p:sp>
@@ -20971,10 +20905,9 @@
           <a:p>
             <a:pPr algn="ctr"/>
             <a:r>
-              <a:rPr lang="ru-RU" sz="1400" dirty="0" smtClean="0"/>
+              <a:rPr lang="ru-RU" sz="1400" dirty="0"/>
               <a:t>Поднять Белый Флаг</a:t>
             </a:r>
-            <a:endParaRPr lang="ru-RU" sz="1400" dirty="0"/>
           </a:p>
         </p:txBody>
       </p:sp>
@@ -21017,10 +20950,9 @@
           <a:p>
             <a:pPr algn="ctr"/>
             <a:r>
-              <a:rPr lang="ru-RU" sz="1400" dirty="0" smtClean="0"/>
+              <a:rPr lang="ru-RU" sz="1400" dirty="0"/>
               <a:t>Поднять Красный Флаг</a:t>
             </a:r>
-            <a:endParaRPr lang="ru-RU" sz="1400" dirty="0"/>
           </a:p>
         </p:txBody>
       </p:sp>
@@ -21157,15 +21089,15 @@
           <a:p>
             <a:pPr fontAlgn="base"/>
             <a:r>
-              <a:rPr lang="en-US" sz="1600" b="1" dirty="0" err="1" smtClean="0"/>
+              <a:rPr lang="en-US" sz="1600" b="1" dirty="0" err="1"/>
               <a:t>Thakin</a:t>
             </a:r>
             <a:r>
-              <a:rPr lang="en-US" sz="1600" b="1" dirty="0" smtClean="0"/>
+              <a:rPr lang="en-US" sz="1600" b="1" dirty="0"/>
               <a:t> </a:t>
             </a:r>
             <a:r>
-              <a:rPr lang="en-US" sz="1600" b="1" dirty="0" err="1" smtClean="0"/>
+              <a:rPr lang="en-US" sz="1600" b="1" dirty="0" err="1"/>
               <a:t>Soe</a:t>
             </a:r>
             <a:endParaRPr lang="en-US" sz="1600" b="1" dirty="0"/>
@@ -21220,10 +21152,10 @@
           <a:p>
             <a:pPr algn="ctr"/>
             <a:r>
-              <a:rPr lang="ru-RU" sz="1400" dirty="0" smtClean="0"/>
+              <a:rPr lang="ru-RU" sz="1400" dirty="0"/>
               <a:t>Культурная революция (избавление от большей части оппозиции)</a:t>
             </a:r>
-            <a:endParaRPr lang="ru-RU" sz="600" dirty="0" smtClean="0"/>
+            <a:endParaRPr lang="ru-RU" sz="600" dirty="0"/>
           </a:p>
         </p:txBody>
       </p:sp>
@@ -21360,11 +21292,11 @@
           <a:p>
             <a:pPr algn="ctr"/>
             <a:r>
-              <a:rPr lang="en-US" sz="1600" dirty="0" err="1" smtClean="0"/>
+              <a:rPr lang="en-US" sz="1600" dirty="0" err="1"/>
               <a:t>Aung</a:t>
             </a:r>
             <a:r>
-              <a:rPr lang="en-US" sz="1600" dirty="0" smtClean="0"/>
+              <a:rPr lang="en-US" sz="1600" dirty="0"/>
               <a:t> San</a:t>
             </a:r>
             <a:endParaRPr lang="ru-RU" sz="1600" b="1" spc="300" dirty="0"/>
@@ -21410,7 +21342,7 @@
           <a:p>
             <a:pPr algn="ctr"/>
             <a:r>
-              <a:rPr lang="ru-RU" sz="1400" dirty="0" smtClean="0"/>
+              <a:rPr lang="ru-RU" sz="1400" dirty="0"/>
               <a:t>Создать народную организацию добровольцев</a:t>
             </a:r>
             <a:endParaRPr lang="ru-RU" sz="800" dirty="0"/>
@@ -21456,18 +21388,17 @@
           <a:p>
             <a:pPr algn="ctr"/>
             <a:r>
-              <a:rPr lang="ru-RU" sz="1400" dirty="0" smtClean="0"/>
+              <a:rPr lang="ru-RU" sz="1400" dirty="0"/>
               <a:t>Закрепить </a:t>
             </a:r>
             <a:r>
-              <a:rPr lang="ru-RU" sz="1400" dirty="0" err="1" smtClean="0"/>
+              <a:rPr lang="ru-RU" sz="1400" dirty="0" err="1"/>
               <a:t>Пангалонское</a:t>
             </a:r>
             <a:r>
-              <a:rPr lang="ru-RU" sz="1400" dirty="0" smtClean="0"/>
+              <a:rPr lang="ru-RU" sz="1400" dirty="0"/>
               <a:t> соглашение</a:t>
             </a:r>
-            <a:endParaRPr lang="ru-RU" sz="1400" dirty="0"/>
           </a:p>
         </p:txBody>
       </p:sp>
@@ -21510,10 +21441,9 @@
           <a:p>
             <a:pPr algn="ctr"/>
             <a:r>
-              <a:rPr lang="ru-RU" sz="1400" dirty="0" smtClean="0"/>
+              <a:rPr lang="ru-RU" sz="1400" dirty="0"/>
               <a:t>Самостоятельная подготовка генералитета</a:t>
             </a:r>
-            <a:endParaRPr lang="ru-RU" sz="1400" dirty="0"/>
           </a:p>
         </p:txBody>
       </p:sp>
@@ -21556,18 +21486,17 @@
           <a:p>
             <a:pPr algn="ctr"/>
             <a:r>
-              <a:rPr lang="ru-RU" sz="1400" dirty="0" smtClean="0"/>
+              <a:rPr lang="ru-RU" sz="1400" dirty="0"/>
               <a:t>Спровоцировать </a:t>
             </a:r>
             <a:r>
-              <a:rPr lang="ru-RU" sz="1400" dirty="0" err="1" smtClean="0"/>
+              <a:rPr lang="ru-RU" sz="1400" dirty="0" err="1"/>
               <a:t>Каренских</a:t>
             </a:r>
             <a:r>
-              <a:rPr lang="ru-RU" sz="1400" dirty="0" smtClean="0"/>
+              <a:rPr lang="ru-RU" sz="1400" dirty="0"/>
               <a:t> националистов</a:t>
             </a:r>
-            <a:endParaRPr lang="ru-RU" sz="1400" dirty="0"/>
           </a:p>
         </p:txBody>
       </p:sp>
@@ -22178,10 +22107,9 @@
           <a:p>
             <a:pPr algn="ctr"/>
             <a:r>
-              <a:rPr lang="ru-RU" sz="1400" dirty="0" smtClean="0"/>
+              <a:rPr lang="ru-RU" sz="1400" dirty="0"/>
               <a:t>Экстренные вложения в военную промышленность</a:t>
             </a:r>
-            <a:endParaRPr lang="ru-RU" sz="1400" dirty="0"/>
           </a:p>
         </p:txBody>
       </p:sp>
@@ -22224,10 +22152,9 @@
           <a:p>
             <a:pPr algn="ctr"/>
             <a:r>
-              <a:rPr lang="ru-RU" sz="1400" dirty="0" smtClean="0"/>
+              <a:rPr lang="ru-RU" sz="1400" dirty="0"/>
               <a:t>Раздавить сепаратистов</a:t>
             </a:r>
-            <a:endParaRPr lang="ru-RU" sz="1400" dirty="0"/>
           </a:p>
         </p:txBody>
       </p:sp>
@@ -22345,10 +22272,9 @@
           <a:p>
             <a:pPr algn="ctr"/>
             <a:r>
-              <a:rPr lang="ru-RU" sz="1400" dirty="0" smtClean="0"/>
+              <a:rPr lang="ru-RU" sz="1400" dirty="0"/>
               <a:t>Аграрная реформа</a:t>
             </a:r>
-            <a:endParaRPr lang="ru-RU" sz="1400" dirty="0"/>
           </a:p>
         </p:txBody>
       </p:sp>
@@ -22391,10 +22317,9 @@
           <a:p>
             <a:pPr algn="ctr"/>
             <a:r>
-              <a:rPr lang="ru-RU" sz="1400" dirty="0" smtClean="0"/>
+              <a:rPr lang="ru-RU" sz="1400" dirty="0"/>
               <a:t>Развить культ личности</a:t>
             </a:r>
-            <a:endParaRPr lang="ru-RU" sz="1400" dirty="0"/>
           </a:p>
         </p:txBody>
       </p:sp>
@@ -22437,10 +22362,9 @@
           <a:p>
             <a:pPr algn="ctr"/>
             <a:r>
-              <a:rPr lang="ru-RU" sz="1400" dirty="0" smtClean="0"/>
+              <a:rPr lang="ru-RU" sz="1400" dirty="0"/>
               <a:t>Восстановление после гражданской войны</a:t>
             </a:r>
-            <a:endParaRPr lang="ru-RU" sz="1400" dirty="0"/>
           </a:p>
         </p:txBody>
       </p:sp>
@@ -22627,10 +22551,9 @@
           <a:p>
             <a:pPr algn="ctr"/>
             <a:r>
-              <a:rPr lang="ru-RU" sz="1400" dirty="0" smtClean="0"/>
+              <a:rPr lang="ru-RU" sz="1400" dirty="0"/>
               <a:t>Интеграция малых народов</a:t>
             </a:r>
-            <a:endParaRPr lang="ru-RU" sz="1400" dirty="0"/>
           </a:p>
         </p:txBody>
       </p:sp>
@@ -22673,10 +22596,9 @@
           <a:p>
             <a:pPr algn="ctr"/>
             <a:r>
-              <a:rPr lang="ru-RU" sz="1400" dirty="0" smtClean="0"/>
+              <a:rPr lang="ru-RU" sz="1400" dirty="0"/>
               <a:t>Искать поддержки у Коммунистического Китая</a:t>
             </a:r>
-            <a:endParaRPr lang="ru-RU" sz="1400" dirty="0"/>
           </a:p>
         </p:txBody>
       </p:sp>
@@ -22791,10 +22713,9 @@
           <a:p>
             <a:pPr algn="ctr"/>
             <a:r>
-              <a:rPr lang="ru-RU" sz="1400" dirty="0" smtClean="0"/>
+              <a:rPr lang="ru-RU" sz="1400" dirty="0"/>
               <a:t>Союз с СССР</a:t>
             </a:r>
-            <a:endParaRPr lang="ru-RU" sz="1400" dirty="0"/>
           </a:p>
         </p:txBody>
       </p:sp>
@@ -23149,10 +23070,10 @@
           <a:p>
             <a:pPr algn="ctr"/>
             <a:r>
-              <a:rPr lang="ru-RU" sz="1400" dirty="0" smtClean="0"/>
+              <a:rPr lang="ru-RU" sz="1400" dirty="0"/>
               <a:t>Подчинить туземные княжества Индии</a:t>
             </a:r>
-            <a:endParaRPr lang="ru-RU" sz="700" dirty="0" smtClean="0"/>
+            <a:endParaRPr lang="ru-RU" sz="700" dirty="0"/>
           </a:p>
         </p:txBody>
       </p:sp>
@@ -23545,10 +23466,10 @@
           <a:p>
             <a:pPr algn="ctr"/>
             <a:r>
-              <a:rPr lang="ru-RU" sz="1400" dirty="0" smtClean="0"/>
+              <a:rPr lang="ru-RU" sz="1400" dirty="0"/>
               <a:t>Подчинить Индокитай</a:t>
             </a:r>
-            <a:endParaRPr lang="ru-RU" sz="700" dirty="0" smtClean="0"/>
+            <a:endParaRPr lang="ru-RU" sz="700" dirty="0"/>
           </a:p>
         </p:txBody>
       </p:sp>
@@ -23741,13 +23662,8 @@
             <a:pPr algn="ctr"/>
             <a:r>
               <a:rPr lang="ru-RU" sz="1400" dirty="0"/>
-              <a:t>Сформировать </a:t>
-            </a:r>
-            <a:r>
-              <a:rPr lang="ru-RU" sz="1400" dirty="0" smtClean="0"/>
-              <a:t>правительство</a:t>
-            </a:r>
-            <a:endParaRPr lang="ru-RU" sz="1400" dirty="0"/>
+              <a:t>Сформировать правительство</a:t>
+            </a:r>
           </a:p>
         </p:txBody>
       </p:sp>
@@ -23825,7 +23741,7 @@
           <a:p>
             <a:pPr algn="ctr"/>
             <a:r>
-              <a:rPr lang="ru-RU" sz="1400" dirty="0" smtClean="0"/>
+              <a:rPr lang="ru-RU" sz="1400" dirty="0"/>
               <a:t>Заручиться поддержкой королевской семьи</a:t>
             </a:r>
           </a:p>
@@ -23867,18 +23783,9 @@
           <a:p>
             <a:pPr algn="ctr"/>
             <a:r>
-              <a:rPr lang="ru-RU" sz="1400" dirty="0" smtClean="0"/>
-              <a:t>Объединить Союз </a:t>
-            </a:r>
-            <a:r>
               <a:rPr lang="ru-RU" sz="1400" dirty="0"/>
-              <a:t>Пяти </a:t>
-            </a:r>
-            <a:r>
-              <a:rPr lang="ru-RU" sz="1400" dirty="0" smtClean="0"/>
-              <a:t>Цветков</a:t>
-            </a:r>
-            <a:endParaRPr lang="ru-RU" sz="1400" dirty="0"/>
+              <a:t>Объединить Союз Пяти Цветков</a:t>
+            </a:r>
           </a:p>
         </p:txBody>
       </p:sp>
@@ -23918,7 +23825,7 @@
           <a:p>
             <a:pPr algn="ctr"/>
             <a:r>
-              <a:rPr lang="ru-RU" sz="1400" dirty="0" smtClean="0"/>
+              <a:rPr lang="ru-RU" sz="1400" dirty="0"/>
               <a:t>Заручиться поддержкой крупных промышленников</a:t>
             </a:r>
           </a:p>
@@ -24074,7 +23981,7 @@
           <a:p>
             <a:pPr algn="ctr"/>
             <a:r>
-              <a:rPr lang="ru-RU" sz="1400" dirty="0" smtClean="0"/>
+              <a:rPr lang="ru-RU" sz="1400" dirty="0"/>
               <a:t>Проведение реформ</a:t>
             </a:r>
           </a:p>
@@ -24116,7 +24023,7 @@
           <a:p>
             <a:pPr algn="ctr"/>
             <a:r>
-              <a:rPr lang="ru-RU" sz="1400" dirty="0" smtClean="0"/>
+              <a:rPr lang="ru-RU" sz="1400" dirty="0"/>
               <a:t>Новые фабрики</a:t>
             </a:r>
           </a:p>
@@ -24158,7 +24065,7 @@
           <a:p>
             <a:pPr algn="ctr"/>
             <a:r>
-              <a:rPr lang="ru-RU" sz="1400" dirty="0" smtClean="0"/>
+              <a:rPr lang="ru-RU" sz="1400" dirty="0"/>
               <a:t>Ускоренная Индустриализация</a:t>
             </a:r>
           </a:p>
@@ -24450,7 +24357,7 @@
           </a:xfrm>
           <a:prstGeom prst="bentConnector3">
             <a:avLst>
-              <a:gd name="adj1" fmla="val 50000"/>
+              <a:gd name="adj1" fmla="val 37583"/>
             </a:avLst>
           </a:prstGeom>
           <a:ln w="28575">
@@ -24480,7 +24387,7 @@
         </p:nvSpPr>
         <p:spPr>
           <a:xfrm>
-            <a:off x="53160428" y="9944872"/>
+            <a:off x="53221312" y="9910306"/>
             <a:ext cx="2115918" cy="1080000"/>
           </a:xfrm>
           <a:prstGeom prst="rect">
@@ -24512,7 +24419,7 @@
               <a:t>Обелить имя короля </a:t>
             </a:r>
             <a:r>
-              <a:rPr lang="ru-RU" sz="1400" dirty="0" err="1" smtClean="0"/>
+              <a:rPr lang="ru-RU" sz="1400" dirty="0" err="1"/>
               <a:t>Тибо</a:t>
             </a:r>
             <a:endParaRPr lang="ru-RU" sz="1400" dirty="0"/>
@@ -24604,12 +24511,12 @@
         </p:nvCxnSpPr>
         <p:spPr>
           <a:xfrm rot="16200000" flipH="1">
-            <a:off x="51820579" y="7547063"/>
-            <a:ext cx="2331181" cy="2464436"/>
+            <a:off x="51868304" y="7499338"/>
+            <a:ext cx="2296615" cy="2525320"/>
           </a:xfrm>
           <a:prstGeom prst="bentConnector3">
             <a:avLst>
-              <a:gd name="adj1" fmla="val 13117"/>
+              <a:gd name="adj1" fmla="val 12280"/>
             </a:avLst>
           </a:prstGeom>
           <a:ln w="28575">
@@ -24703,10 +24610,9 @@
           <a:p>
             <a:pPr algn="ctr"/>
             <a:r>
-              <a:rPr lang="ru-RU" sz="1400" dirty="0" smtClean="0"/>
+              <a:rPr lang="ru-RU" sz="1400" dirty="0"/>
               <a:t>Отменить упразднение трона Бирмы</a:t>
             </a:r>
-            <a:endParaRPr lang="ru-RU" sz="1400" dirty="0"/>
           </a:p>
         </p:txBody>
       </p:sp>
@@ -24726,7 +24632,7 @@
           </a:xfrm>
           <a:prstGeom prst="bentConnector3">
             <a:avLst>
-              <a:gd name="adj1" fmla="val 50000"/>
+              <a:gd name="adj1" fmla="val 35915"/>
             </a:avLst>
           </a:prstGeom>
           <a:ln w="28575">
@@ -24759,12 +24665,12 @@
         </p:nvCxnSpPr>
         <p:spPr>
           <a:xfrm rot="5400000">
-            <a:off x="52701422" y="10077401"/>
-            <a:ext cx="569495" cy="2464436"/>
+            <a:off x="52714581" y="10029676"/>
+            <a:ext cx="604061" cy="2525320"/>
           </a:xfrm>
           <a:prstGeom prst="bentConnector3">
             <a:avLst>
-              <a:gd name="adj1" fmla="val 50000"/>
+              <a:gd name="adj1" fmla="val 26098"/>
             </a:avLst>
           </a:prstGeom>
           <a:ln w="28575">
@@ -24955,11 +24861,11 @@
           <a:p>
             <a:pPr algn="ctr"/>
             <a:r>
-              <a:rPr lang="en-US" sz="1600" dirty="0" smtClean="0"/>
+              <a:rPr lang="en-US" sz="1600" dirty="0"/>
               <a:t>U Ba </a:t>
             </a:r>
             <a:r>
-              <a:rPr lang="en-US" sz="1600" dirty="0" err="1" smtClean="0"/>
+              <a:rPr lang="en-US" sz="1600" dirty="0" err="1"/>
               <a:t>Phe</a:t>
             </a:r>
             <a:endParaRPr lang="ru-RU" sz="1600" b="1" spc="300" dirty="0"/>
@@ -25005,10 +24911,9 @@
           <a:p>
             <a:pPr algn="ctr"/>
             <a:r>
-              <a:rPr lang="ru-RU" sz="1400" dirty="0" smtClean="0"/>
+              <a:rPr lang="ru-RU" sz="1400" dirty="0"/>
               <a:t>Провозгласить дуалистическую монархию</a:t>
             </a:r>
-            <a:endParaRPr lang="ru-RU" sz="1400" dirty="0"/>
           </a:p>
         </p:txBody>
       </p:sp>
@@ -25277,10 +25182,9 @@
           <a:p>
             <a:pPr algn="ctr"/>
             <a:r>
-              <a:rPr lang="ru-RU" sz="1400" dirty="0" smtClean="0"/>
+              <a:rPr lang="ru-RU" sz="1400" dirty="0"/>
               <a:t>Изгнать индийских ростовщиков</a:t>
             </a:r>
-            <a:endParaRPr lang="ru-RU" sz="1400" dirty="0"/>
           </a:p>
         </p:txBody>
       </p:sp>
@@ -25442,18 +25346,17 @@
           <a:p>
             <a:pPr algn="ctr"/>
             <a:r>
-              <a:rPr lang="ru-RU" sz="1400" dirty="0" smtClean="0"/>
+              <a:rPr lang="ru-RU" sz="1400" dirty="0"/>
               <a:t>Вернуть империю! (решение на формирование империю </a:t>
             </a:r>
             <a:r>
-              <a:rPr lang="ru-RU" sz="1400" dirty="0" err="1" smtClean="0"/>
+              <a:rPr lang="ru-RU" sz="1400" dirty="0" err="1"/>
               <a:t>Таунгу</a:t>
             </a:r>
             <a:r>
-              <a:rPr lang="ru-RU" sz="1400" dirty="0" smtClean="0"/>
+              <a:rPr lang="ru-RU" sz="1400" dirty="0"/>
               <a:t>)</a:t>
             </a:r>
-            <a:endParaRPr lang="ru-RU" sz="1400" dirty="0"/>
           </a:p>
         </p:txBody>
       </p:sp>
@@ -25496,10 +25399,9 @@
           <a:p>
             <a:pPr algn="ctr"/>
             <a:r>
-              <a:rPr lang="ru-RU" sz="1400" dirty="0" smtClean="0"/>
+              <a:rPr lang="ru-RU" sz="1400" dirty="0"/>
               <a:t>Захватить Сиам</a:t>
             </a:r>
-            <a:endParaRPr lang="ru-RU" sz="1400" dirty="0"/>
           </a:p>
         </p:txBody>
       </p:sp>
@@ -25542,26 +25444,9 @@
           <a:p>
             <a:pPr algn="ctr"/>
             <a:r>
-              <a:rPr lang="ru-RU" sz="1400" dirty="0" smtClean="0"/>
-              <a:t>Захватить </a:t>
-            </a:r>
-            <a:r>
               <a:rPr lang="ru-RU" sz="1400" dirty="0"/>
-              <a:t>з</a:t>
-            </a:r>
-            <a:r>
-              <a:rPr lang="ru-RU" sz="1400" dirty="0" smtClean="0"/>
-              <a:t>ападный </a:t>
-            </a:r>
-            <a:r>
-              <a:rPr lang="ru-RU" sz="1400" dirty="0"/>
-              <a:t>И</a:t>
-            </a:r>
-            <a:r>
-              <a:rPr lang="ru-RU" sz="1400" dirty="0" smtClean="0"/>
-              <a:t>ндокитай</a:t>
-            </a:r>
-            <a:endParaRPr lang="ru-RU" sz="1400" dirty="0"/>
+              <a:t>Захватить западный Индокитай</a:t>
+            </a:r>
           </a:p>
         </p:txBody>
       </p:sp>
@@ -25604,18 +25489,17 @@
           <a:p>
             <a:pPr algn="ctr"/>
             <a:r>
-              <a:rPr lang="ru-RU" sz="1400" dirty="0" smtClean="0"/>
+              <a:rPr lang="ru-RU" sz="1400" dirty="0"/>
               <a:t>Вернуть </a:t>
             </a:r>
             <a:r>
-              <a:rPr lang="ru-RU" sz="1400" dirty="0" err="1" smtClean="0"/>
+              <a:rPr lang="ru-RU" sz="1400" dirty="0" err="1"/>
               <a:t>Минипур</a:t>
             </a:r>
             <a:r>
-              <a:rPr lang="ru-RU" sz="1400" dirty="0" smtClean="0"/>
+              <a:rPr lang="ru-RU" sz="1400" dirty="0"/>
               <a:t> (провинция Индии</a:t>
             </a:r>
-            <a:endParaRPr lang="ru-RU" sz="1400" dirty="0"/>
           </a:p>
         </p:txBody>
       </p:sp>
@@ -25658,26 +25542,25 @@
           <a:p>
             <a:pPr algn="ctr"/>
             <a:r>
-              <a:rPr lang="ru-RU" sz="1400" dirty="0" smtClean="0"/>
+              <a:rPr lang="ru-RU" sz="1400" dirty="0"/>
               <a:t>Вернуть </a:t>
             </a:r>
             <a:r>
-              <a:rPr lang="ru-RU" sz="1400" dirty="0" err="1" smtClean="0"/>
+              <a:rPr lang="ru-RU" sz="1400" dirty="0" err="1"/>
               <a:t>Кошанпай</a:t>
             </a:r>
             <a:r>
-              <a:rPr lang="ru-RU" sz="1400" dirty="0" smtClean="0"/>
+              <a:rPr lang="ru-RU" sz="1400" dirty="0"/>
               <a:t> (юг </a:t>
             </a:r>
             <a:r>
-              <a:rPr lang="ru-RU" sz="1400" dirty="0" err="1" smtClean="0"/>
+              <a:rPr lang="ru-RU" sz="1400" dirty="0" err="1"/>
               <a:t>Юньаня</a:t>
             </a:r>
             <a:r>
-              <a:rPr lang="ru-RU" sz="1400" dirty="0" smtClean="0"/>
+              <a:rPr lang="ru-RU" sz="1400" dirty="0"/>
               <a:t>)</a:t>
             </a:r>
-            <a:endParaRPr lang="ru-RU" sz="1400" dirty="0"/>
           </a:p>
         </p:txBody>
       </p:sp>
@@ -26074,11 +25957,11 @@
           <a:p>
             <a:pPr algn="ctr"/>
             <a:r>
-              <a:rPr lang="en-US" sz="1600" dirty="0" smtClean="0"/>
+              <a:rPr lang="en-US" sz="1600" dirty="0"/>
               <a:t>U </a:t>
             </a:r>
             <a:r>
-              <a:rPr lang="en-US" sz="1600" dirty="0" err="1" smtClean="0"/>
+              <a:rPr lang="en-US" sz="1600" dirty="0" err="1"/>
               <a:t>Ottama</a:t>
             </a:r>
             <a:endParaRPr lang="en-US" sz="1600" dirty="0"/>
@@ -26124,7 +26007,7 @@
           <a:p>
             <a:pPr algn="ctr"/>
             <a:r>
-              <a:rPr lang="ru-RU" sz="1400" dirty="0" smtClean="0"/>
+              <a:rPr lang="ru-RU" sz="1400" dirty="0"/>
               <a:t>Ставка на политически активных буддистов</a:t>
             </a:r>
           </a:p>
@@ -26169,12 +26052,8 @@
           <a:p>
             <a:pPr algn="ctr"/>
             <a:r>
-              <a:rPr lang="ru-RU" sz="1400" dirty="0" smtClean="0"/>
-              <a:t>Ассоциации </a:t>
-            </a:r>
-            <a:r>
               <a:rPr lang="ru-RU" sz="1400" dirty="0"/>
-              <a:t>«</a:t>
+              <a:t>Ассоциации «</a:t>
             </a:r>
             <a:r>
               <a:rPr lang="ru-RU" sz="1400" dirty="0" err="1"/>
@@ -26184,7 +26063,6 @@
               <a:rPr lang="ru-RU" sz="1400" dirty="0"/>
               <a:t>»</a:t>
             </a:r>
-            <a:endParaRPr lang="ru-RU" sz="1400" dirty="0" smtClean="0"/>
           </a:p>
         </p:txBody>
       </p:sp>
@@ -26227,14 +26105,14 @@
           <a:p>
             <a:pPr algn="ctr"/>
             <a:r>
-              <a:rPr lang="ru-RU" sz="1400" dirty="0" smtClean="0"/>
+              <a:rPr lang="ru-RU" sz="1400" dirty="0"/>
               <a:t>Распространить создание союзов </a:t>
             </a:r>
             <a:r>
-              <a:rPr lang="ru-RU" sz="1400" dirty="0" err="1" smtClean="0"/>
+              <a:rPr lang="ru-RU" sz="1400" dirty="0" err="1"/>
               <a:t>Сангхи</a:t>
             </a:r>
-            <a:endParaRPr lang="ru-RU" sz="1400" dirty="0" smtClean="0"/>
+            <a:endParaRPr lang="ru-RU" sz="1400" dirty="0"/>
           </a:p>
         </p:txBody>
       </p:sp>
@@ -26351,7 +26229,7 @@
           <a:p>
             <a:pPr algn="ctr"/>
             <a:r>
-              <a:rPr lang="ru-RU" sz="1400" dirty="0" smtClean="0"/>
+              <a:rPr lang="ru-RU" sz="1400" dirty="0"/>
               <a:t>Бойкотировать индийских ростовщиков</a:t>
             </a:r>
           </a:p>
@@ -26510,7 +26388,7 @@
           <a:p>
             <a:pPr algn="ctr"/>
             <a:r>
-              <a:rPr lang="ru-RU" sz="1400" dirty="0" smtClean="0"/>
+              <a:rPr lang="ru-RU" sz="1400" dirty="0"/>
               <a:t>Долой индусов!</a:t>
             </a:r>
           </a:p>
@@ -26591,7 +26469,7 @@
           <a:p>
             <a:pPr algn="ctr"/>
             <a:r>
-              <a:rPr lang="ru-RU" sz="1400" dirty="0" smtClean="0"/>
+              <a:rPr lang="ru-RU" sz="1400" dirty="0"/>
               <a:t>Долой британцев!</a:t>
             </a:r>
           </a:p>
@@ -26649,7 +26527,7 @@
           </a:xfrm>
           <a:prstGeom prst="bentConnector3">
             <a:avLst>
-              <a:gd name="adj1" fmla="val 50000"/>
+              <a:gd name="adj1" fmla="val 37936"/>
             </a:avLst>
           </a:prstGeom>
           <a:ln w="28575">
@@ -26687,7 +26565,7 @@
           </a:xfrm>
           <a:prstGeom prst="bentConnector3">
             <a:avLst>
-              <a:gd name="adj1" fmla="val 50000"/>
+              <a:gd name="adj1" fmla="val 23554"/>
             </a:avLst>
           </a:prstGeom>
           <a:ln w="28575">
@@ -26751,23 +26629,23 @@
           <a:p>
             <a:pPr algn="ctr"/>
             <a:r>
-              <a:rPr lang="ru-RU" sz="1400" dirty="0" smtClean="0"/>
+              <a:rPr lang="ru-RU" sz="1400" dirty="0"/>
               <a:t>Речь перед монастырём (у </a:t>
             </a:r>
             <a:r>
-              <a:rPr lang="ru-RU" sz="1400" dirty="0" err="1" smtClean="0"/>
+              <a:rPr lang="ru-RU" sz="1400" dirty="0" err="1"/>
               <a:t>оттама</a:t>
             </a:r>
             <a:r>
-              <a:rPr lang="ru-RU" sz="1400" dirty="0" smtClean="0"/>
+              <a:rPr lang="ru-RU" sz="1400" dirty="0"/>
               <a:t> будет иметь </a:t>
             </a:r>
             <a:r>
-              <a:rPr lang="ru-RU" sz="1400" dirty="0" err="1" smtClean="0"/>
+              <a:rPr lang="ru-RU" sz="1400" dirty="0" err="1"/>
               <a:t>трейт</a:t>
             </a:r>
             <a:r>
-              <a:rPr lang="ru-RU" sz="1400" dirty="0" smtClean="0"/>
+              <a:rPr lang="ru-RU" sz="1400" dirty="0"/>
               <a:t> «Бирманский Ганди»)</a:t>
             </a:r>
           </a:p>
@@ -26812,15 +26690,15 @@
           <a:p>
             <a:pPr algn="ctr"/>
             <a:r>
-              <a:rPr lang="ru-RU" sz="1400" dirty="0" smtClean="0"/>
+              <a:rPr lang="ru-RU" sz="1400" dirty="0"/>
               <a:t>Поддержка газеты «</a:t>
             </a:r>
             <a:r>
-              <a:rPr lang="ru-RU" sz="1400" dirty="0" err="1" smtClean="0"/>
+              <a:rPr lang="ru-RU" sz="1400" dirty="0" err="1"/>
               <a:t>Сурия</a:t>
             </a:r>
             <a:r>
-              <a:rPr lang="ru-RU" sz="1400" dirty="0" smtClean="0"/>
+              <a:rPr lang="ru-RU" sz="1400" dirty="0"/>
               <a:t>»</a:t>
             </a:r>
           </a:p>
@@ -26935,7 +26813,7 @@
           <a:p>
             <a:pPr algn="ctr"/>
             <a:r>
-              <a:rPr lang="ru-RU" sz="1400" dirty="0" smtClean="0"/>
+              <a:rPr lang="ru-RU" sz="1400" dirty="0"/>
               <a:t>Поддержка ручного производства</a:t>
             </a:r>
           </a:p>
@@ -26983,7 +26861,7 @@
           <a:p>
             <a:pPr algn="ctr"/>
             <a:r>
-              <a:rPr lang="ru-RU" sz="1400" dirty="0" smtClean="0"/>
+              <a:rPr lang="ru-RU" sz="1400" dirty="0"/>
               <a:t>Альянс Дхармы</a:t>
             </a:r>
           </a:p>
@@ -27031,7 +26909,7 @@
           <a:p>
             <a:pPr algn="ctr"/>
             <a:r>
-              <a:rPr lang="ru-RU" sz="1400" dirty="0" smtClean="0"/>
+              <a:rPr lang="ru-RU" sz="1400" dirty="0"/>
               <a:t>Выбрать нейтральную сторону</a:t>
             </a:r>
           </a:p>
@@ -27079,7 +26957,7 @@
           <a:p>
             <a:pPr algn="ctr"/>
             <a:r>
-              <a:rPr lang="ru-RU" sz="1400" dirty="0" smtClean="0"/>
+              <a:rPr lang="ru-RU" sz="1400" dirty="0"/>
               <a:t>Возродить буддистскую ассоциацию молодёжи</a:t>
             </a:r>
           </a:p>
@@ -27435,13 +27313,9 @@
             <a:pPr algn="ctr"/>
             <a:r>
               <a:rPr lang="ru-RU" sz="1400" dirty="0"/>
-              <a:t>Ассоциация </a:t>
-            </a:r>
-            <a:r>
-              <a:rPr lang="ru-RU" sz="1400" dirty="0" smtClean="0"/>
-              <a:t>Бирма-Япония</a:t>
-            </a:r>
-            <a:endParaRPr lang="ru-RU" sz="500" dirty="0" smtClean="0"/>
+              <a:t>Ассоциация Бирма-Япония</a:t>
+            </a:r>
+            <a:endParaRPr lang="ru-RU" sz="500" dirty="0"/>
           </a:p>
         </p:txBody>
       </p:sp>
@@ -27559,15 +27433,15 @@
           <a:p>
             <a:pPr algn="ctr"/>
             <a:r>
-              <a:rPr lang="ru-RU" sz="1400" dirty="0" smtClean="0"/>
+              <a:rPr lang="ru-RU" sz="1400" dirty="0"/>
               <a:t>Подчинить малые нации (</a:t>
             </a:r>
             <a:r>
-              <a:rPr lang="ru-RU" sz="1400" dirty="0" err="1" smtClean="0"/>
+              <a:rPr lang="ru-RU" sz="1400" dirty="0" err="1"/>
               <a:t>коризация</a:t>
             </a:r>
             <a:r>
-              <a:rPr lang="ru-RU" sz="1400" dirty="0" smtClean="0"/>
+              <a:rPr lang="ru-RU" sz="1400" dirty="0"/>
               <a:t> отдалённых регионов)</a:t>
             </a:r>
           </a:p>
@@ -27706,7 +27580,7 @@
           <a:p>
             <a:pPr algn="ctr"/>
             <a:r>
-              <a:rPr lang="ru-RU" sz="1600" dirty="0" smtClean="0"/>
+              <a:rPr lang="ru-RU" sz="1600" dirty="0"/>
               <a:t>У Со</a:t>
             </a:r>
             <a:endParaRPr lang="ru-RU" sz="1600" b="1" spc="300" dirty="0"/>
@@ -27981,10 +27855,9 @@
           <a:p>
             <a:pPr algn="ctr"/>
             <a:r>
-              <a:rPr lang="ru-RU" sz="1400" dirty="0" smtClean="0"/>
+              <a:rPr lang="ru-RU" sz="1400" dirty="0"/>
               <a:t>Сохранить автономию штатов</a:t>
             </a:r>
-            <a:endParaRPr lang="ru-RU" sz="1400" dirty="0"/>
           </a:p>
         </p:txBody>
       </p:sp>
@@ -28144,10 +28017,9 @@
           <a:p>
             <a:pPr algn="ctr"/>
             <a:r>
-              <a:rPr lang="ru-RU" sz="1400" dirty="0" smtClean="0"/>
+              <a:rPr lang="ru-RU" sz="1400" dirty="0"/>
               <a:t>Объявить войну империалистам!</a:t>
             </a:r>
-            <a:endParaRPr lang="ru-RU" sz="1400" dirty="0"/>
           </a:p>
         </p:txBody>
       </p:sp>
@@ -28278,13 +28150,6 @@
   <p:clrMapOvr>
     <a:masterClrMapping/>
   </p:clrMapOvr>
-  <p:timing>
-    <p:tnLst>
-      <p:par>
-        <p:cTn id="1" dur="indefinite" restart="never" nodeType="tmRoot"/>
-      </p:par>
-    </p:tnLst>
-  </p:timing>
 </p:sld>
 </file>
 

--- a/Наработки/диздоки/Бирма/Бирма.pptx
+++ b/Наработки/диздоки/Бирма/Бирма.pptx
@@ -209,7 +209,7 @@
             <a:fld id="{33E3D7F9-E251-484C-A6FF-FA958879DF69}" type="datetimeFigureOut">
               <a:rPr lang="ru-RU" smtClean="0"/>
               <a:pPr/>
-              <a:t>17.03.2022</a:t>
+              <a:t>18.03.2022</a:t>
             </a:fld>
             <a:endParaRPr lang="ru-RU"/>
           </a:p>
@@ -699,7 +699,7 @@
             <a:fld id="{85A5DE44-605B-4D3B-B2B7-94543DF81A36}" type="datetimeFigureOut">
               <a:rPr lang="ru-RU" smtClean="0"/>
               <a:pPr/>
-              <a:t>17.03.2022</a:t>
+              <a:t>18.03.2022</a:t>
             </a:fld>
             <a:endParaRPr lang="ru-RU"/>
           </a:p>
@@ -871,7 +871,7 @@
             <a:fld id="{85A5DE44-605B-4D3B-B2B7-94543DF81A36}" type="datetimeFigureOut">
               <a:rPr lang="ru-RU" smtClean="0"/>
               <a:pPr/>
-              <a:t>17.03.2022</a:t>
+              <a:t>18.03.2022</a:t>
             </a:fld>
             <a:endParaRPr lang="ru-RU"/>
           </a:p>
@@ -1053,7 +1053,7 @@
             <a:fld id="{85A5DE44-605B-4D3B-B2B7-94543DF81A36}" type="datetimeFigureOut">
               <a:rPr lang="ru-RU" smtClean="0"/>
               <a:pPr/>
-              <a:t>17.03.2022</a:t>
+              <a:t>18.03.2022</a:t>
             </a:fld>
             <a:endParaRPr lang="ru-RU"/>
           </a:p>
@@ -1225,7 +1225,7 @@
             <a:fld id="{85A5DE44-605B-4D3B-B2B7-94543DF81A36}" type="datetimeFigureOut">
               <a:rPr lang="ru-RU" smtClean="0"/>
               <a:pPr/>
-              <a:t>17.03.2022</a:t>
+              <a:t>18.03.2022</a:t>
             </a:fld>
             <a:endParaRPr lang="ru-RU"/>
           </a:p>
@@ -1473,7 +1473,7 @@
             <a:fld id="{85A5DE44-605B-4D3B-B2B7-94543DF81A36}" type="datetimeFigureOut">
               <a:rPr lang="ru-RU" smtClean="0"/>
               <a:pPr/>
-              <a:t>17.03.2022</a:t>
+              <a:t>18.03.2022</a:t>
             </a:fld>
             <a:endParaRPr lang="ru-RU"/>
           </a:p>
@@ -1707,7 +1707,7 @@
             <a:fld id="{85A5DE44-605B-4D3B-B2B7-94543DF81A36}" type="datetimeFigureOut">
               <a:rPr lang="ru-RU" smtClean="0"/>
               <a:pPr/>
-              <a:t>17.03.2022</a:t>
+              <a:t>18.03.2022</a:t>
             </a:fld>
             <a:endParaRPr lang="ru-RU"/>
           </a:p>
@@ -2076,7 +2076,7 @@
             <a:fld id="{85A5DE44-605B-4D3B-B2B7-94543DF81A36}" type="datetimeFigureOut">
               <a:rPr lang="ru-RU" smtClean="0"/>
               <a:pPr/>
-              <a:t>17.03.2022</a:t>
+              <a:t>18.03.2022</a:t>
             </a:fld>
             <a:endParaRPr lang="ru-RU"/>
           </a:p>
@@ -2196,7 +2196,7 @@
             <a:fld id="{85A5DE44-605B-4D3B-B2B7-94543DF81A36}" type="datetimeFigureOut">
               <a:rPr lang="ru-RU" smtClean="0"/>
               <a:pPr/>
-              <a:t>17.03.2022</a:t>
+              <a:t>18.03.2022</a:t>
             </a:fld>
             <a:endParaRPr lang="ru-RU"/>
           </a:p>
@@ -2293,7 +2293,7 @@
             <a:fld id="{85A5DE44-605B-4D3B-B2B7-94543DF81A36}" type="datetimeFigureOut">
               <a:rPr lang="ru-RU" smtClean="0"/>
               <a:pPr/>
-              <a:t>17.03.2022</a:t>
+              <a:t>18.03.2022</a:t>
             </a:fld>
             <a:endParaRPr lang="ru-RU"/>
           </a:p>
@@ -2572,7 +2572,7 @@
             <a:fld id="{85A5DE44-605B-4D3B-B2B7-94543DF81A36}" type="datetimeFigureOut">
               <a:rPr lang="ru-RU" smtClean="0"/>
               <a:pPr/>
-              <a:t>17.03.2022</a:t>
+              <a:t>18.03.2022</a:t>
             </a:fld>
             <a:endParaRPr lang="ru-RU"/>
           </a:p>
@@ -2831,7 +2831,7 @@
             <a:fld id="{85A5DE44-605B-4D3B-B2B7-94543DF81A36}" type="datetimeFigureOut">
               <a:rPr lang="ru-RU" smtClean="0"/>
               <a:pPr/>
-              <a:t>17.03.2022</a:t>
+              <a:t>18.03.2022</a:t>
             </a:fld>
             <a:endParaRPr lang="ru-RU"/>
           </a:p>
@@ -3046,7 +3046,7 @@
             <a:fld id="{85A5DE44-605B-4D3B-B2B7-94543DF81A36}" type="datetimeFigureOut">
               <a:rPr lang="ru-RU" smtClean="0"/>
               <a:pPr/>
-              <a:t>17.03.2022</a:t>
+              <a:t>18.03.2022</a:t>
             </a:fld>
             <a:endParaRPr lang="ru-RU"/>
           </a:p>
@@ -20433,6 +20433,7 @@
         <p:nvCxnSpPr>
           <p:cNvPr id="462" name="Соединительная линия уступом 461"/>
           <p:cNvCxnSpPr>
+            <a:cxnSpLocks/>
             <a:stCxn id="424" idx="2"/>
             <a:endCxn id="451" idx="0"/>
           </p:cNvCxnSpPr>
@@ -20445,7 +20446,7 @@
           </a:xfrm>
           <a:prstGeom prst="bentConnector3">
             <a:avLst>
-              <a:gd name="adj1" fmla="val -103773"/>
+              <a:gd name="adj1" fmla="val 21170"/>
             </a:avLst>
           </a:prstGeom>
           <a:ln w="28575">

--- a/Наработки/диздоки/Бирма/Бирма.pptx
+++ b/Наработки/диздоки/Бирма/Бирма.pptx
@@ -209,7 +209,7 @@
             <a:fld id="{33E3D7F9-E251-484C-A6FF-FA958879DF69}" type="datetimeFigureOut">
               <a:rPr lang="ru-RU" smtClean="0"/>
               <a:pPr/>
-              <a:t>18.03.2022</a:t>
+              <a:t>20.03.2022</a:t>
             </a:fld>
             <a:endParaRPr lang="ru-RU"/>
           </a:p>
@@ -699,7 +699,7 @@
             <a:fld id="{85A5DE44-605B-4D3B-B2B7-94543DF81A36}" type="datetimeFigureOut">
               <a:rPr lang="ru-RU" smtClean="0"/>
               <a:pPr/>
-              <a:t>18.03.2022</a:t>
+              <a:t>20.03.2022</a:t>
             </a:fld>
             <a:endParaRPr lang="ru-RU"/>
           </a:p>
@@ -871,7 +871,7 @@
             <a:fld id="{85A5DE44-605B-4D3B-B2B7-94543DF81A36}" type="datetimeFigureOut">
               <a:rPr lang="ru-RU" smtClean="0"/>
               <a:pPr/>
-              <a:t>18.03.2022</a:t>
+              <a:t>20.03.2022</a:t>
             </a:fld>
             <a:endParaRPr lang="ru-RU"/>
           </a:p>
@@ -1053,7 +1053,7 @@
             <a:fld id="{85A5DE44-605B-4D3B-B2B7-94543DF81A36}" type="datetimeFigureOut">
               <a:rPr lang="ru-RU" smtClean="0"/>
               <a:pPr/>
-              <a:t>18.03.2022</a:t>
+              <a:t>20.03.2022</a:t>
             </a:fld>
             <a:endParaRPr lang="ru-RU"/>
           </a:p>
@@ -1225,7 +1225,7 @@
             <a:fld id="{85A5DE44-605B-4D3B-B2B7-94543DF81A36}" type="datetimeFigureOut">
               <a:rPr lang="ru-RU" smtClean="0"/>
               <a:pPr/>
-              <a:t>18.03.2022</a:t>
+              <a:t>20.03.2022</a:t>
             </a:fld>
             <a:endParaRPr lang="ru-RU"/>
           </a:p>
@@ -1473,7 +1473,7 @@
             <a:fld id="{85A5DE44-605B-4D3B-B2B7-94543DF81A36}" type="datetimeFigureOut">
               <a:rPr lang="ru-RU" smtClean="0"/>
               <a:pPr/>
-              <a:t>18.03.2022</a:t>
+              <a:t>20.03.2022</a:t>
             </a:fld>
             <a:endParaRPr lang="ru-RU"/>
           </a:p>
@@ -1707,7 +1707,7 @@
             <a:fld id="{85A5DE44-605B-4D3B-B2B7-94543DF81A36}" type="datetimeFigureOut">
               <a:rPr lang="ru-RU" smtClean="0"/>
               <a:pPr/>
-              <a:t>18.03.2022</a:t>
+              <a:t>20.03.2022</a:t>
             </a:fld>
             <a:endParaRPr lang="ru-RU"/>
           </a:p>
@@ -2076,7 +2076,7 @@
             <a:fld id="{85A5DE44-605B-4D3B-B2B7-94543DF81A36}" type="datetimeFigureOut">
               <a:rPr lang="ru-RU" smtClean="0"/>
               <a:pPr/>
-              <a:t>18.03.2022</a:t>
+              <a:t>20.03.2022</a:t>
             </a:fld>
             <a:endParaRPr lang="ru-RU"/>
           </a:p>
@@ -2196,7 +2196,7 @@
             <a:fld id="{85A5DE44-605B-4D3B-B2B7-94543DF81A36}" type="datetimeFigureOut">
               <a:rPr lang="ru-RU" smtClean="0"/>
               <a:pPr/>
-              <a:t>18.03.2022</a:t>
+              <a:t>20.03.2022</a:t>
             </a:fld>
             <a:endParaRPr lang="ru-RU"/>
           </a:p>
@@ -2293,7 +2293,7 @@
             <a:fld id="{85A5DE44-605B-4D3B-B2B7-94543DF81A36}" type="datetimeFigureOut">
               <a:rPr lang="ru-RU" smtClean="0"/>
               <a:pPr/>
-              <a:t>18.03.2022</a:t>
+              <a:t>20.03.2022</a:t>
             </a:fld>
             <a:endParaRPr lang="ru-RU"/>
           </a:p>
@@ -2572,7 +2572,7 @@
             <a:fld id="{85A5DE44-605B-4D3B-B2B7-94543DF81A36}" type="datetimeFigureOut">
               <a:rPr lang="ru-RU" smtClean="0"/>
               <a:pPr/>
-              <a:t>18.03.2022</a:t>
+              <a:t>20.03.2022</a:t>
             </a:fld>
             <a:endParaRPr lang="ru-RU"/>
           </a:p>
@@ -2831,7 +2831,7 @@
             <a:fld id="{85A5DE44-605B-4D3B-B2B7-94543DF81A36}" type="datetimeFigureOut">
               <a:rPr lang="ru-RU" smtClean="0"/>
               <a:pPr/>
-              <a:t>18.03.2022</a:t>
+              <a:t>20.03.2022</a:t>
             </a:fld>
             <a:endParaRPr lang="ru-RU"/>
           </a:p>
@@ -3046,7 +3046,7 @@
             <a:fld id="{85A5DE44-605B-4D3B-B2B7-94543DF81A36}" type="datetimeFigureOut">
               <a:rPr lang="ru-RU" smtClean="0"/>
               <a:pPr/>
-              <a:t>18.03.2022</a:t>
+              <a:t>20.03.2022</a:t>
             </a:fld>
             <a:endParaRPr lang="ru-RU"/>
           </a:p>

--- a/Наработки/диздоки/Бирма/Бирма.pptx
+++ b/Наработки/диздоки/Бирма/Бирма.pptx
@@ -209,7 +209,7 @@
             <a:fld id="{33E3D7F9-E251-484C-A6FF-FA958879DF69}" type="datetimeFigureOut">
               <a:rPr lang="ru-RU" smtClean="0"/>
               <a:pPr/>
-              <a:t>20.03.2022</a:t>
+              <a:t>09.06.2022</a:t>
             </a:fld>
             <a:endParaRPr lang="ru-RU"/>
           </a:p>
@@ -699,7 +699,7 @@
             <a:fld id="{85A5DE44-605B-4D3B-B2B7-94543DF81A36}" type="datetimeFigureOut">
               <a:rPr lang="ru-RU" smtClean="0"/>
               <a:pPr/>
-              <a:t>20.03.2022</a:t>
+              <a:t>09.06.2022</a:t>
             </a:fld>
             <a:endParaRPr lang="ru-RU"/>
           </a:p>
@@ -871,7 +871,7 @@
             <a:fld id="{85A5DE44-605B-4D3B-B2B7-94543DF81A36}" type="datetimeFigureOut">
               <a:rPr lang="ru-RU" smtClean="0"/>
               <a:pPr/>
-              <a:t>20.03.2022</a:t>
+              <a:t>09.06.2022</a:t>
             </a:fld>
             <a:endParaRPr lang="ru-RU"/>
           </a:p>
@@ -1053,7 +1053,7 @@
             <a:fld id="{85A5DE44-605B-4D3B-B2B7-94543DF81A36}" type="datetimeFigureOut">
               <a:rPr lang="ru-RU" smtClean="0"/>
               <a:pPr/>
-              <a:t>20.03.2022</a:t>
+              <a:t>09.06.2022</a:t>
             </a:fld>
             <a:endParaRPr lang="ru-RU"/>
           </a:p>
@@ -1225,7 +1225,7 @@
             <a:fld id="{85A5DE44-605B-4D3B-B2B7-94543DF81A36}" type="datetimeFigureOut">
               <a:rPr lang="ru-RU" smtClean="0"/>
               <a:pPr/>
-              <a:t>20.03.2022</a:t>
+              <a:t>09.06.2022</a:t>
             </a:fld>
             <a:endParaRPr lang="ru-RU"/>
           </a:p>
@@ -1473,7 +1473,7 @@
             <a:fld id="{85A5DE44-605B-4D3B-B2B7-94543DF81A36}" type="datetimeFigureOut">
               <a:rPr lang="ru-RU" smtClean="0"/>
               <a:pPr/>
-              <a:t>20.03.2022</a:t>
+              <a:t>09.06.2022</a:t>
             </a:fld>
             <a:endParaRPr lang="ru-RU"/>
           </a:p>
@@ -1707,7 +1707,7 @@
             <a:fld id="{85A5DE44-605B-4D3B-B2B7-94543DF81A36}" type="datetimeFigureOut">
               <a:rPr lang="ru-RU" smtClean="0"/>
               <a:pPr/>
-              <a:t>20.03.2022</a:t>
+              <a:t>09.06.2022</a:t>
             </a:fld>
             <a:endParaRPr lang="ru-RU"/>
           </a:p>
@@ -2076,7 +2076,7 @@
             <a:fld id="{85A5DE44-605B-4D3B-B2B7-94543DF81A36}" type="datetimeFigureOut">
               <a:rPr lang="ru-RU" smtClean="0"/>
               <a:pPr/>
-              <a:t>20.03.2022</a:t>
+              <a:t>09.06.2022</a:t>
             </a:fld>
             <a:endParaRPr lang="ru-RU"/>
           </a:p>
@@ -2196,7 +2196,7 @@
             <a:fld id="{85A5DE44-605B-4D3B-B2B7-94543DF81A36}" type="datetimeFigureOut">
               <a:rPr lang="ru-RU" smtClean="0"/>
               <a:pPr/>
-              <a:t>20.03.2022</a:t>
+              <a:t>09.06.2022</a:t>
             </a:fld>
             <a:endParaRPr lang="ru-RU"/>
           </a:p>
@@ -2293,7 +2293,7 @@
             <a:fld id="{85A5DE44-605B-4D3B-B2B7-94543DF81A36}" type="datetimeFigureOut">
               <a:rPr lang="ru-RU" smtClean="0"/>
               <a:pPr/>
-              <a:t>20.03.2022</a:t>
+              <a:t>09.06.2022</a:t>
             </a:fld>
             <a:endParaRPr lang="ru-RU"/>
           </a:p>
@@ -2572,7 +2572,7 @@
             <a:fld id="{85A5DE44-605B-4D3B-B2B7-94543DF81A36}" type="datetimeFigureOut">
               <a:rPr lang="ru-RU" smtClean="0"/>
               <a:pPr/>
-              <a:t>20.03.2022</a:t>
+              <a:t>09.06.2022</a:t>
             </a:fld>
             <a:endParaRPr lang="ru-RU"/>
           </a:p>
@@ -2831,7 +2831,7 @@
             <a:fld id="{85A5DE44-605B-4D3B-B2B7-94543DF81A36}" type="datetimeFigureOut">
               <a:rPr lang="ru-RU" smtClean="0"/>
               <a:pPr/>
-              <a:t>20.03.2022</a:t>
+              <a:t>09.06.2022</a:t>
             </a:fld>
             <a:endParaRPr lang="ru-RU"/>
           </a:p>
@@ -3046,7 +3046,7 @@
             <a:fld id="{85A5DE44-605B-4D3B-B2B7-94543DF81A36}" type="datetimeFigureOut">
               <a:rPr lang="ru-RU" smtClean="0"/>
               <a:pPr/>
-              <a:t>20.03.2022</a:t>
+              <a:t>09.06.2022</a:t>
             </a:fld>
             <a:endParaRPr lang="ru-RU"/>
           </a:p>

--- a/Наработки/диздоки/Бирма/Бирма.pptx
+++ b/Наработки/диздоки/Бирма/Бирма.pptx
@@ -209,7 +209,7 @@
             <a:fld id="{33E3D7F9-E251-484C-A6FF-FA958879DF69}" type="datetimeFigureOut">
               <a:rPr lang="ru-RU" smtClean="0"/>
               <a:pPr/>
-              <a:t>09.06.2022</a:t>
+              <a:t>06.07.2022</a:t>
             </a:fld>
             <a:endParaRPr lang="ru-RU"/>
           </a:p>
@@ -699,7 +699,7 @@
             <a:fld id="{85A5DE44-605B-4D3B-B2B7-94543DF81A36}" type="datetimeFigureOut">
               <a:rPr lang="ru-RU" smtClean="0"/>
               <a:pPr/>
-              <a:t>09.06.2022</a:t>
+              <a:t>06.07.2022</a:t>
             </a:fld>
             <a:endParaRPr lang="ru-RU"/>
           </a:p>
@@ -871,7 +871,7 @@
             <a:fld id="{85A5DE44-605B-4D3B-B2B7-94543DF81A36}" type="datetimeFigureOut">
               <a:rPr lang="ru-RU" smtClean="0"/>
               <a:pPr/>
-              <a:t>09.06.2022</a:t>
+              <a:t>06.07.2022</a:t>
             </a:fld>
             <a:endParaRPr lang="ru-RU"/>
           </a:p>
@@ -1053,7 +1053,7 @@
             <a:fld id="{85A5DE44-605B-4D3B-B2B7-94543DF81A36}" type="datetimeFigureOut">
               <a:rPr lang="ru-RU" smtClean="0"/>
               <a:pPr/>
-              <a:t>09.06.2022</a:t>
+              <a:t>06.07.2022</a:t>
             </a:fld>
             <a:endParaRPr lang="ru-RU"/>
           </a:p>
@@ -1225,7 +1225,7 @@
             <a:fld id="{85A5DE44-605B-4D3B-B2B7-94543DF81A36}" type="datetimeFigureOut">
               <a:rPr lang="ru-RU" smtClean="0"/>
               <a:pPr/>
-              <a:t>09.06.2022</a:t>
+              <a:t>06.07.2022</a:t>
             </a:fld>
             <a:endParaRPr lang="ru-RU"/>
           </a:p>
@@ -1473,7 +1473,7 @@
             <a:fld id="{85A5DE44-605B-4D3B-B2B7-94543DF81A36}" type="datetimeFigureOut">
               <a:rPr lang="ru-RU" smtClean="0"/>
               <a:pPr/>
-              <a:t>09.06.2022</a:t>
+              <a:t>06.07.2022</a:t>
             </a:fld>
             <a:endParaRPr lang="ru-RU"/>
           </a:p>
@@ -1707,7 +1707,7 @@
             <a:fld id="{85A5DE44-605B-4D3B-B2B7-94543DF81A36}" type="datetimeFigureOut">
               <a:rPr lang="ru-RU" smtClean="0"/>
               <a:pPr/>
-              <a:t>09.06.2022</a:t>
+              <a:t>06.07.2022</a:t>
             </a:fld>
             <a:endParaRPr lang="ru-RU"/>
           </a:p>
@@ -2076,7 +2076,7 @@
             <a:fld id="{85A5DE44-605B-4D3B-B2B7-94543DF81A36}" type="datetimeFigureOut">
               <a:rPr lang="ru-RU" smtClean="0"/>
               <a:pPr/>
-              <a:t>09.06.2022</a:t>
+              <a:t>06.07.2022</a:t>
             </a:fld>
             <a:endParaRPr lang="ru-RU"/>
           </a:p>
@@ -2196,7 +2196,7 @@
             <a:fld id="{85A5DE44-605B-4D3B-B2B7-94543DF81A36}" type="datetimeFigureOut">
               <a:rPr lang="ru-RU" smtClean="0"/>
               <a:pPr/>
-              <a:t>09.06.2022</a:t>
+              <a:t>06.07.2022</a:t>
             </a:fld>
             <a:endParaRPr lang="ru-RU"/>
           </a:p>
@@ -2293,7 +2293,7 @@
             <a:fld id="{85A5DE44-605B-4D3B-B2B7-94543DF81A36}" type="datetimeFigureOut">
               <a:rPr lang="ru-RU" smtClean="0"/>
               <a:pPr/>
-              <a:t>09.06.2022</a:t>
+              <a:t>06.07.2022</a:t>
             </a:fld>
             <a:endParaRPr lang="ru-RU"/>
           </a:p>
@@ -2572,7 +2572,7 @@
             <a:fld id="{85A5DE44-605B-4D3B-B2B7-94543DF81A36}" type="datetimeFigureOut">
               <a:rPr lang="ru-RU" smtClean="0"/>
               <a:pPr/>
-              <a:t>09.06.2022</a:t>
+              <a:t>06.07.2022</a:t>
             </a:fld>
             <a:endParaRPr lang="ru-RU"/>
           </a:p>
@@ -2831,7 +2831,7 @@
             <a:fld id="{85A5DE44-605B-4D3B-B2B7-94543DF81A36}" type="datetimeFigureOut">
               <a:rPr lang="ru-RU" smtClean="0"/>
               <a:pPr/>
-              <a:t>09.06.2022</a:t>
+              <a:t>06.07.2022</a:t>
             </a:fld>
             <a:endParaRPr lang="ru-RU"/>
           </a:p>
@@ -3046,7 +3046,7 @@
             <a:fld id="{85A5DE44-605B-4D3B-B2B7-94543DF81A36}" type="datetimeFigureOut">
               <a:rPr lang="ru-RU" smtClean="0"/>
               <a:pPr/>
-              <a:t>09.06.2022</a:t>
+              <a:t>06.07.2022</a:t>
             </a:fld>
             <a:endParaRPr lang="ru-RU"/>
           </a:p>
@@ -23756,7 +23756,7 @@
         </p:nvSpPr>
         <p:spPr>
           <a:xfrm>
-            <a:off x="48166620" y="8220393"/>
+            <a:off x="48166620" y="8177861"/>
             <a:ext cx="2115918" cy="1080000"/>
           </a:xfrm>
           <a:prstGeom prst="rect">
@@ -23954,7 +23954,7 @@
         </p:nvSpPr>
         <p:spPr>
           <a:xfrm>
-            <a:off x="48170672" y="9944872"/>
+            <a:off x="48170672" y="9934239"/>
             <a:ext cx="2115918" cy="1080000"/>
           </a:xfrm>
           <a:prstGeom prst="rect">
@@ -24353,12 +24353,12 @@
         </p:nvCxnSpPr>
         <p:spPr>
           <a:xfrm rot="16200000" flipH="1">
-            <a:off x="50166263" y="8358709"/>
-            <a:ext cx="646005" cy="2529372"/>
+            <a:off x="50144997" y="8337443"/>
+            <a:ext cx="688537" cy="2529372"/>
           </a:xfrm>
           <a:prstGeom prst="bentConnector3">
             <a:avLst>
-              <a:gd name="adj1" fmla="val 37583"/>
+              <a:gd name="adj1" fmla="val 50000"/>
             </a:avLst>
           </a:prstGeom>
           <a:ln w="28575">
@@ -24438,8 +24438,8 @@
         </p:nvCxnSpPr>
         <p:spPr>
           <a:xfrm>
-            <a:off x="49224579" y="9300393"/>
-            <a:ext cx="4052" cy="644479"/>
+            <a:off x="49224579" y="9257861"/>
+            <a:ext cx="4052" cy="676378"/>
           </a:xfrm>
           <a:prstGeom prst="straightConnector1">
             <a:avLst/>
@@ -24467,6 +24467,7 @@
         <p:nvCxnSpPr>
           <p:cNvPr id="569" name="Соединительная линия уступом 568"/>
           <p:cNvCxnSpPr>
+            <a:cxnSpLocks/>
             <a:stCxn id="536" idx="2"/>
             <a:endCxn id="538" idx="0"/>
           </p:cNvCxnSpPr>
@@ -24474,8 +24475,8 @@
         </p:nvCxnSpPr>
         <p:spPr>
           <a:xfrm rot="5400000">
-            <a:off x="47672268" y="10051651"/>
-            <a:ext cx="583143" cy="2529585"/>
+            <a:off x="47666951" y="10046335"/>
+            <a:ext cx="593776" cy="2529585"/>
           </a:xfrm>
           <a:prstGeom prst="bentConnector3">
             <a:avLst>
@@ -24517,7 +24518,7 @@
           </a:xfrm>
           <a:prstGeom prst="bentConnector3">
             <a:avLst>
-              <a:gd name="adj1" fmla="val 12280"/>
+              <a:gd name="adj1" fmla="val 12500"/>
             </a:avLst>
           </a:prstGeom>
           <a:ln w="28575">
@@ -24628,12 +24629,12 @@
         </p:nvCxnSpPr>
         <p:spPr>
           <a:xfrm rot="16200000" flipH="1">
-            <a:off x="50206544" y="10046959"/>
-            <a:ext cx="569495" cy="2525320"/>
+            <a:off x="50201227" y="10041643"/>
+            <a:ext cx="580128" cy="2525320"/>
           </a:xfrm>
           <a:prstGeom prst="bentConnector3">
             <a:avLst>
-              <a:gd name="adj1" fmla="val 35915"/>
+              <a:gd name="adj1" fmla="val 50000"/>
             </a:avLst>
           </a:prstGeom>
           <a:ln w="28575">
@@ -24671,7 +24672,7 @@
           </a:xfrm>
           <a:prstGeom prst="bentConnector3">
             <a:avLst>
-              <a:gd name="adj1" fmla="val 26098"/>
+              <a:gd name="adj1" fmla="val 50000"/>
             </a:avLst>
           </a:prstGeom>
           <a:ln w="28575">
@@ -24967,8 +24968,8 @@
         </p:nvCxnSpPr>
         <p:spPr>
           <a:xfrm>
-            <a:off x="49228631" y="11024872"/>
-            <a:ext cx="8050" cy="2039331"/>
+            <a:off x="49228631" y="11014239"/>
+            <a:ext cx="8050" cy="2049964"/>
           </a:xfrm>
           <a:prstGeom prst="straightConnector1">
             <a:avLst/>
@@ -26278,19 +26279,20 @@
         <p:nvCxnSpPr>
           <p:cNvPr id="690" name="Соединительная линия уступом 689"/>
           <p:cNvCxnSpPr>
-            <a:stCxn id="502" idx="2"/>
+            <a:cxnSpLocks/>
+            <a:stCxn id="516" idx="2"/>
             <a:endCxn id="520" idx="0"/>
           </p:cNvCxnSpPr>
           <p:nvPr/>
         </p:nvCxnSpPr>
         <p:spPr>
-          <a:xfrm rot="16200000" flipH="1">
-            <a:off x="46895243" y="5891056"/>
-            <a:ext cx="2139567" cy="2519106"/>
+          <a:xfrm rot="5400000">
+            <a:off x="50207180" y="6631090"/>
+            <a:ext cx="564170" cy="2529372"/>
           </a:xfrm>
           <a:prstGeom prst="bentConnector3">
             <a:avLst>
-              <a:gd name="adj1" fmla="val 11090"/>
+              <a:gd name="adj1" fmla="val 50000"/>
             </a:avLst>
           </a:prstGeom>
           <a:ln w="28575">
@@ -26528,7 +26530,7 @@
           </a:xfrm>
           <a:prstGeom prst="bentConnector3">
             <a:avLst>
-              <a:gd name="adj1" fmla="val 37936"/>
+              <a:gd name="adj1" fmla="val 50000"/>
             </a:avLst>
           </a:prstGeom>
           <a:ln w="28575">
@@ -26566,7 +26568,7 @@
           </a:xfrm>
           <a:prstGeom prst="bentConnector3">
             <a:avLst>
-              <a:gd name="adj1" fmla="val 23554"/>
+              <a:gd name="adj1" fmla="val 50000"/>
             </a:avLst>
           </a:prstGeom>
           <a:ln w="28575">

--- a/Наработки/диздоки/Бирма/Бирма.pptx
+++ b/Наработки/диздоки/Бирма/Бирма.pptx
@@ -109,7 +109,7 @@
   </p:defaultTextStyle>
   <p:extLst>
     <p:ext uri="{EFAFB233-063F-42B5-8137-9DF3F51BA10A}">
-      <p15:sldGuideLst xmlns:p15="http://schemas.microsoft.com/office/powerpoint/2012/main">
+      <p15:sldGuideLst xmlns:p15="http://schemas.microsoft.com/office/powerpoint/2012/main" xmlns="">
         <p15:guide id="1" orient="horz" pos="11344">
           <p15:clr>
             <a:srgbClr val="A4A3A4"/>
@@ -209,7 +209,7 @@
             <a:fld id="{33E3D7F9-E251-484C-A6FF-FA958879DF69}" type="datetimeFigureOut">
               <a:rPr lang="ru-RU" smtClean="0"/>
               <a:pPr/>
-              <a:t>06.07.2022</a:t>
+              <a:t>10.11.2023</a:t>
             </a:fld>
             <a:endParaRPr lang="ru-RU"/>
           </a:p>
@@ -699,7 +699,7 @@
             <a:fld id="{85A5DE44-605B-4D3B-B2B7-94543DF81A36}" type="datetimeFigureOut">
               <a:rPr lang="ru-RU" smtClean="0"/>
               <a:pPr/>
-              <a:t>06.07.2022</a:t>
+              <a:t>10.11.2023</a:t>
             </a:fld>
             <a:endParaRPr lang="ru-RU"/>
           </a:p>
@@ -871,7 +871,7 @@
             <a:fld id="{85A5DE44-605B-4D3B-B2B7-94543DF81A36}" type="datetimeFigureOut">
               <a:rPr lang="ru-RU" smtClean="0"/>
               <a:pPr/>
-              <a:t>06.07.2022</a:t>
+              <a:t>10.11.2023</a:t>
             </a:fld>
             <a:endParaRPr lang="ru-RU"/>
           </a:p>
@@ -1053,7 +1053,7 @@
             <a:fld id="{85A5DE44-605B-4D3B-B2B7-94543DF81A36}" type="datetimeFigureOut">
               <a:rPr lang="ru-RU" smtClean="0"/>
               <a:pPr/>
-              <a:t>06.07.2022</a:t>
+              <a:t>10.11.2023</a:t>
             </a:fld>
             <a:endParaRPr lang="ru-RU"/>
           </a:p>
@@ -1225,7 +1225,7 @@
             <a:fld id="{85A5DE44-605B-4D3B-B2B7-94543DF81A36}" type="datetimeFigureOut">
               <a:rPr lang="ru-RU" smtClean="0"/>
               <a:pPr/>
-              <a:t>06.07.2022</a:t>
+              <a:t>10.11.2023</a:t>
             </a:fld>
             <a:endParaRPr lang="ru-RU"/>
           </a:p>
@@ -1473,7 +1473,7 @@
             <a:fld id="{85A5DE44-605B-4D3B-B2B7-94543DF81A36}" type="datetimeFigureOut">
               <a:rPr lang="ru-RU" smtClean="0"/>
               <a:pPr/>
-              <a:t>06.07.2022</a:t>
+              <a:t>10.11.2023</a:t>
             </a:fld>
             <a:endParaRPr lang="ru-RU"/>
           </a:p>
@@ -1707,7 +1707,7 @@
             <a:fld id="{85A5DE44-605B-4D3B-B2B7-94543DF81A36}" type="datetimeFigureOut">
               <a:rPr lang="ru-RU" smtClean="0"/>
               <a:pPr/>
-              <a:t>06.07.2022</a:t>
+              <a:t>10.11.2023</a:t>
             </a:fld>
             <a:endParaRPr lang="ru-RU"/>
           </a:p>
@@ -2076,7 +2076,7 @@
             <a:fld id="{85A5DE44-605B-4D3B-B2B7-94543DF81A36}" type="datetimeFigureOut">
               <a:rPr lang="ru-RU" smtClean="0"/>
               <a:pPr/>
-              <a:t>06.07.2022</a:t>
+              <a:t>10.11.2023</a:t>
             </a:fld>
             <a:endParaRPr lang="ru-RU"/>
           </a:p>
@@ -2196,7 +2196,7 @@
             <a:fld id="{85A5DE44-605B-4D3B-B2B7-94543DF81A36}" type="datetimeFigureOut">
               <a:rPr lang="ru-RU" smtClean="0"/>
               <a:pPr/>
-              <a:t>06.07.2022</a:t>
+              <a:t>10.11.2023</a:t>
             </a:fld>
             <a:endParaRPr lang="ru-RU"/>
           </a:p>
@@ -2293,7 +2293,7 @@
             <a:fld id="{85A5DE44-605B-4D3B-B2B7-94543DF81A36}" type="datetimeFigureOut">
               <a:rPr lang="ru-RU" smtClean="0"/>
               <a:pPr/>
-              <a:t>06.07.2022</a:t>
+              <a:t>10.11.2023</a:t>
             </a:fld>
             <a:endParaRPr lang="ru-RU"/>
           </a:p>
@@ -2572,7 +2572,7 @@
             <a:fld id="{85A5DE44-605B-4D3B-B2B7-94543DF81A36}" type="datetimeFigureOut">
               <a:rPr lang="ru-RU" smtClean="0"/>
               <a:pPr/>
-              <a:t>06.07.2022</a:t>
+              <a:t>10.11.2023</a:t>
             </a:fld>
             <a:endParaRPr lang="ru-RU"/>
           </a:p>
@@ -2831,7 +2831,7 @@
             <a:fld id="{85A5DE44-605B-4D3B-B2B7-94543DF81A36}" type="datetimeFigureOut">
               <a:rPr lang="ru-RU" smtClean="0"/>
               <a:pPr/>
-              <a:t>06.07.2022</a:t>
+              <a:t>10.11.2023</a:t>
             </a:fld>
             <a:endParaRPr lang="ru-RU"/>
           </a:p>
@@ -3046,7 +3046,7 @@
             <a:fld id="{85A5DE44-605B-4D3B-B2B7-94543DF81A36}" type="datetimeFigureOut">
               <a:rPr lang="ru-RU" smtClean="0"/>
               <a:pPr/>
-              <a:t>06.07.2022</a:t>
+              <a:t>10.11.2023</a:t>
             </a:fld>
             <a:endParaRPr lang="ru-RU"/>
           </a:p>
@@ -10680,8 +10680,13 @@
             <a:pPr algn="ctr"/>
             <a:r>
               <a:rPr lang="ru-RU" sz="1400" dirty="0"/>
-              <a:t>Введение собственной валюты (кьят) (не раньше отделения от Индии)</a:t>
-            </a:r>
+              <a:t>Введение собственной </a:t>
+            </a:r>
+            <a:r>
+              <a:rPr lang="ru-RU" sz="1400" dirty="0" smtClean="0"/>
+              <a:t>валюты (апрель 1937)</a:t>
+            </a:r>
+            <a:endParaRPr lang="ru-RU" sz="1400" dirty="0"/>
           </a:p>
         </p:txBody>
       </p:sp>
@@ -10767,13 +10772,10 @@
               <a:t>Расширить добычу вольфрама в </a:t>
             </a:r>
             <a:r>
-              <a:rPr lang="ru-RU" sz="1400" dirty="0" err="1"/>
+              <a:rPr lang="ru-RU" sz="1400" dirty="0" err="1" smtClean="0"/>
               <a:t>Каренни</a:t>
             </a:r>
-            <a:r>
-              <a:rPr lang="ru-RU" sz="1400" dirty="0"/>
-              <a:t> (решения на расширение шахт)</a:t>
-            </a:r>
+            <a:endParaRPr lang="ru-RU" sz="1400" dirty="0"/>
           </a:p>
         </p:txBody>
       </p:sp>
@@ -10867,13 +10869,10 @@
               <a:t>Университет </a:t>
             </a:r>
             <a:r>
-              <a:rPr lang="ru-RU" sz="1400" dirty="0" err="1"/>
+              <a:rPr lang="ru-RU" sz="1400" dirty="0" smtClean="0"/>
               <a:t>Янгона</a:t>
             </a:r>
-            <a:r>
-              <a:rPr lang="ru-RU" sz="1400" dirty="0"/>
-              <a:t>(забастовки не ведутся)</a:t>
-            </a:r>
+            <a:endParaRPr lang="ru-RU" sz="1400" dirty="0"/>
           </a:p>
         </p:txBody>
       </p:sp>
@@ -11353,80 +11352,8 @@
               <a:t>Проект </a:t>
             </a:r>
             <a:r>
-              <a:rPr lang="ru-RU" sz="1400" dirty="0" err="1"/>
+              <a:rPr lang="ru-RU" sz="1400" dirty="0" err="1" smtClean="0"/>
               <a:t>Синмала</a:t>
-            </a:r>
-            <a:r>
-              <a:rPr lang="ru-RU" sz="1400" dirty="0"/>
-              <a:t> </a:t>
-            </a:r>
-            <a:r>
-              <a:rPr lang="ru-RU" sz="300" dirty="0"/>
-              <a:t>(Во время войны временное правительство во главе с бирманским губернатором сержантом </a:t>
-            </a:r>
-            <a:r>
-              <a:rPr lang="ru-RU" sz="300" dirty="0" err="1"/>
-              <a:t>Дорманом</a:t>
-            </a:r>
-            <a:r>
-              <a:rPr lang="ru-RU" sz="300" dirty="0"/>
-              <a:t> Смитом из </a:t>
-            </a:r>
-            <a:r>
-              <a:rPr lang="ru-RU" sz="300" dirty="0" err="1"/>
-              <a:t>Сималы</a:t>
-            </a:r>
-            <a:r>
-              <a:rPr lang="ru-RU" sz="300" dirty="0"/>
-              <a:t>, Индия, начало рассматривать вопрос об образовании после 1942 года. Подполковник Александр </a:t>
-            </a:r>
-            <a:r>
-              <a:rPr lang="ru-RU" sz="300" dirty="0" err="1"/>
-              <a:t>Кингве</a:t>
-            </a:r>
-            <a:r>
-              <a:rPr lang="ru-RU" sz="300" dirty="0"/>
-              <a:t>, министр довоенного образования, который был назначен офицером по реформе образования, основанный на докладе 1936 г. под председательством его комитета, </a:t>
-            </a:r>
-            <a:r>
-              <a:rPr lang="ru-RU" sz="300" i="1" dirty="0"/>
-              <a:t>и подготовил</a:t>
-            </a:r>
-            <a:r>
-              <a:rPr lang="ru-RU" sz="300" dirty="0"/>
-              <a:t> доклад о реконструкции системы </a:t>
-            </a:r>
-            <a:r>
-              <a:rPr lang="ru-RU" sz="300" i="1" dirty="0"/>
-              <a:t>образования Бирмы в 1942 г.</a:t>
-            </a:r>
-            <a:r>
-              <a:rPr lang="ru-RU" sz="300" dirty="0"/>
-              <a:t> Представлено 30 октября. Из 69 пунктов в статье 12 были связаны с университетом. Хунта учредила Комитет по восстановлению образования под председательством сэра Тун </a:t>
-            </a:r>
-            <a:r>
-              <a:rPr lang="ru-RU" sz="300" dirty="0" err="1"/>
-              <a:t>Аунг</a:t>
-            </a:r>
-            <a:r>
-              <a:rPr lang="ru-RU" sz="300" dirty="0"/>
-              <a:t> </a:t>
-            </a:r>
-            <a:r>
-              <a:rPr lang="ru-RU" sz="300" dirty="0" err="1"/>
-              <a:t>Кьяу</a:t>
-            </a:r>
-            <a:r>
-              <a:rPr lang="ru-RU" sz="300" dirty="0"/>
-              <a:t>, чтобы рассмотреть документ короля Вея и комментарии отдельных лиц. Комитет принял рекомендации, содержащиеся в документе. Этот документ стал основой для образовательного плана хунты, который впоследствии назывался </a:t>
-            </a:r>
-            <a:r>
-              <a:rPr lang="ru-RU" sz="300" dirty="0" err="1"/>
-              <a:t>Синмалинским</a:t>
-            </a:r>
-            <a:r>
-              <a:rPr lang="ru-RU" sz="300" dirty="0"/>
-              <a:t> учебным планом.)</a:t>
             </a:r>
             <a:endParaRPr lang="ru-RU" sz="1400" dirty="0"/>
           </a:p>
@@ -11505,8 +11432,13 @@
             <a:pPr algn="ctr"/>
             <a:r>
               <a:rPr lang="ru-RU" sz="1400" dirty="0"/>
-              <a:t>Бирманская нефтяная компания (расширение добычи нефти)</a:t>
-            </a:r>
+              <a:t>Бирманская нефтяная </a:t>
+            </a:r>
+            <a:r>
+              <a:rPr lang="ru-RU" sz="1400" dirty="0" smtClean="0"/>
+              <a:t>компания</a:t>
+            </a:r>
+            <a:endParaRPr lang="ru-RU" sz="1400" dirty="0"/>
           </a:p>
         </p:txBody>
       </p:sp>
@@ -28411,7 +28343,7 @@
   <a:extraClrSchemeLst/>
   <a:extLst>
     <a:ext uri="{05A4C25C-085E-4340-85A3-A5531E510DB2}">
-      <thm15:themeFamily xmlns:thm15="http://schemas.microsoft.com/office/thememl/2012/main" name="Office Theme" id="{62F939B6-93AF-4DB8-9C6B-D6C7DFDC589F}" vid="{4A3C46E8-61CC-4603-A589-7422A47A8E4A}"/>
+      <thm15:themeFamily xmlns:thm15="http://schemas.microsoft.com/office/thememl/2012/main" xmlns="" name="Office Theme" id="{62F939B6-93AF-4DB8-9C6B-D6C7DFDC589F}" vid="{4A3C46E8-61CC-4603-A589-7422A47A8E4A}"/>
     </a:ext>
   </a:extLst>
 </a:theme>
@@ -28672,7 +28604,7 @@
   <a:extraClrSchemeLst/>
   <a:extLst>
     <a:ext uri="{05A4C25C-085E-4340-85A3-A5531E510DB2}">
-      <thm15:themeFamily xmlns:thm15="http://schemas.microsoft.com/office/thememl/2012/main" name="Office Theme" id="{62F939B6-93AF-4DB8-9C6B-D6C7DFDC589F}" vid="{4A3C46E8-61CC-4603-A589-7422A47A8E4A}"/>
+      <thm15:themeFamily xmlns:thm15="http://schemas.microsoft.com/office/thememl/2012/main" xmlns="" name="Office Theme" id="{62F939B6-93AF-4DB8-9C6B-D6C7DFDC589F}" vid="{4A3C46E8-61CC-4603-A589-7422A47A8E4A}"/>
     </a:ext>
   </a:extLst>
 </a:theme>

--- a/Наработки/диздоки/Бирма/Бирма.pptx
+++ b/Наработки/диздоки/Бирма/Бирма.pptx
@@ -109,7 +109,7 @@
   </p:defaultTextStyle>
   <p:extLst>
     <p:ext uri="{EFAFB233-063F-42B5-8137-9DF3F51BA10A}">
-      <p15:sldGuideLst xmlns:p15="http://schemas.microsoft.com/office/powerpoint/2012/main" xmlns="">
+      <p15:sldGuideLst xmlns="" xmlns:p15="http://schemas.microsoft.com/office/powerpoint/2012/main">
         <p15:guide id="1" orient="horz" pos="11344">
           <p15:clr>
             <a:srgbClr val="A4A3A4"/>
@@ -209,7 +209,7 @@
             <a:fld id="{33E3D7F9-E251-484C-A6FF-FA958879DF69}" type="datetimeFigureOut">
               <a:rPr lang="ru-RU" smtClean="0"/>
               <a:pPr/>
-              <a:t>10.11.2023</a:t>
+              <a:t>13.11.2023</a:t>
             </a:fld>
             <a:endParaRPr lang="ru-RU"/>
           </a:p>
@@ -699,7 +699,7 @@
             <a:fld id="{85A5DE44-605B-4D3B-B2B7-94543DF81A36}" type="datetimeFigureOut">
               <a:rPr lang="ru-RU" smtClean="0"/>
               <a:pPr/>
-              <a:t>10.11.2023</a:t>
+              <a:t>13.11.2023</a:t>
             </a:fld>
             <a:endParaRPr lang="ru-RU"/>
           </a:p>
@@ -871,7 +871,7 @@
             <a:fld id="{85A5DE44-605B-4D3B-B2B7-94543DF81A36}" type="datetimeFigureOut">
               <a:rPr lang="ru-RU" smtClean="0"/>
               <a:pPr/>
-              <a:t>10.11.2023</a:t>
+              <a:t>13.11.2023</a:t>
             </a:fld>
             <a:endParaRPr lang="ru-RU"/>
           </a:p>
@@ -1053,7 +1053,7 @@
             <a:fld id="{85A5DE44-605B-4D3B-B2B7-94543DF81A36}" type="datetimeFigureOut">
               <a:rPr lang="ru-RU" smtClean="0"/>
               <a:pPr/>
-              <a:t>10.11.2023</a:t>
+              <a:t>13.11.2023</a:t>
             </a:fld>
             <a:endParaRPr lang="ru-RU"/>
           </a:p>
@@ -1225,7 +1225,7 @@
             <a:fld id="{85A5DE44-605B-4D3B-B2B7-94543DF81A36}" type="datetimeFigureOut">
               <a:rPr lang="ru-RU" smtClean="0"/>
               <a:pPr/>
-              <a:t>10.11.2023</a:t>
+              <a:t>13.11.2023</a:t>
             </a:fld>
             <a:endParaRPr lang="ru-RU"/>
           </a:p>
@@ -1473,7 +1473,7 @@
             <a:fld id="{85A5DE44-605B-4D3B-B2B7-94543DF81A36}" type="datetimeFigureOut">
               <a:rPr lang="ru-RU" smtClean="0"/>
               <a:pPr/>
-              <a:t>10.11.2023</a:t>
+              <a:t>13.11.2023</a:t>
             </a:fld>
             <a:endParaRPr lang="ru-RU"/>
           </a:p>
@@ -1707,7 +1707,7 @@
             <a:fld id="{85A5DE44-605B-4D3B-B2B7-94543DF81A36}" type="datetimeFigureOut">
               <a:rPr lang="ru-RU" smtClean="0"/>
               <a:pPr/>
-              <a:t>10.11.2023</a:t>
+              <a:t>13.11.2023</a:t>
             </a:fld>
             <a:endParaRPr lang="ru-RU"/>
           </a:p>
@@ -2076,7 +2076,7 @@
             <a:fld id="{85A5DE44-605B-4D3B-B2B7-94543DF81A36}" type="datetimeFigureOut">
               <a:rPr lang="ru-RU" smtClean="0"/>
               <a:pPr/>
-              <a:t>10.11.2023</a:t>
+              <a:t>13.11.2023</a:t>
             </a:fld>
             <a:endParaRPr lang="ru-RU"/>
           </a:p>
@@ -2196,7 +2196,7 @@
             <a:fld id="{85A5DE44-605B-4D3B-B2B7-94543DF81A36}" type="datetimeFigureOut">
               <a:rPr lang="ru-RU" smtClean="0"/>
               <a:pPr/>
-              <a:t>10.11.2023</a:t>
+              <a:t>13.11.2023</a:t>
             </a:fld>
             <a:endParaRPr lang="ru-RU"/>
           </a:p>
@@ -2293,7 +2293,7 @@
             <a:fld id="{85A5DE44-605B-4D3B-B2B7-94543DF81A36}" type="datetimeFigureOut">
               <a:rPr lang="ru-RU" smtClean="0"/>
               <a:pPr/>
-              <a:t>10.11.2023</a:t>
+              <a:t>13.11.2023</a:t>
             </a:fld>
             <a:endParaRPr lang="ru-RU"/>
           </a:p>
@@ -2572,7 +2572,7 @@
             <a:fld id="{85A5DE44-605B-4D3B-B2B7-94543DF81A36}" type="datetimeFigureOut">
               <a:rPr lang="ru-RU" smtClean="0"/>
               <a:pPr/>
-              <a:t>10.11.2023</a:t>
+              <a:t>13.11.2023</a:t>
             </a:fld>
             <a:endParaRPr lang="ru-RU"/>
           </a:p>
@@ -2831,7 +2831,7 @@
             <a:fld id="{85A5DE44-605B-4D3B-B2B7-94543DF81A36}" type="datetimeFigureOut">
               <a:rPr lang="ru-RU" smtClean="0"/>
               <a:pPr/>
-              <a:t>10.11.2023</a:t>
+              <a:t>13.11.2023</a:t>
             </a:fld>
             <a:endParaRPr lang="ru-RU"/>
           </a:p>
@@ -3046,7 +3046,7 @@
             <a:fld id="{85A5DE44-605B-4D3B-B2B7-94543DF81A36}" type="datetimeFigureOut">
               <a:rPr lang="ru-RU" smtClean="0"/>
               <a:pPr/>
-              <a:t>10.11.2023</a:t>
+              <a:t>13.11.2023</a:t>
             </a:fld>
             <a:endParaRPr lang="ru-RU"/>
           </a:p>
@@ -27369,15 +27369,23 @@
             <a:pPr algn="ctr"/>
             <a:r>
               <a:rPr lang="ru-RU" sz="1400" dirty="0"/>
-              <a:t>Подчинить малые нации (</a:t>
-            </a:r>
-            <a:r>
-              <a:rPr lang="ru-RU" sz="1400" dirty="0" err="1"/>
+              <a:t>Подчинить малые нации </a:t>
+            </a:r>
+            <a:r>
+              <a:rPr lang="ru-RU" sz="1400" dirty="0" smtClean="0"/>
+              <a:t>Бирмы (</a:t>
+            </a:r>
+            <a:r>
+              <a:rPr lang="ru-RU" sz="1400" dirty="0" err="1" smtClean="0"/>
               <a:t>коризация</a:t>
             </a:r>
             <a:r>
+              <a:rPr lang="ru-RU" sz="1400" dirty="0" smtClean="0"/>
+              <a:t> </a:t>
+            </a:r>
+            <a:r>
               <a:rPr lang="ru-RU" sz="1400" dirty="0"/>
-              <a:t> отдалённых регионов)</a:t>
+              <a:t>отдалённых регионов)</a:t>
             </a:r>
           </a:p>
         </p:txBody>
@@ -28057,6 +28065,100 @@
           </a:prstGeom>
           <a:ln w="28575">
             <a:prstDash val="dash"/>
+            <a:tailEnd type="arrow"/>
+          </a:ln>
+        </p:spPr>
+        <p:style>
+          <a:lnRef idx="1">
+            <a:schemeClr val="accent1"/>
+          </a:lnRef>
+          <a:fillRef idx="0">
+            <a:schemeClr val="accent1"/>
+          </a:fillRef>
+          <a:effectRef idx="0">
+            <a:schemeClr val="accent1"/>
+          </a:effectRef>
+          <a:fontRef idx="minor">
+            <a:schemeClr val="tx1"/>
+          </a:fontRef>
+        </p:style>
+      </p:cxnSp>
+      <p:sp>
+        <p:nvSpPr>
+          <p:cNvPr id="483" name="Прямоугольник 482"/>
+          <p:cNvSpPr/>
+          <p:nvPr/>
+        </p:nvSpPr>
+        <p:spPr>
+          <a:xfrm>
+            <a:off x="37510536" y="11608016"/>
+            <a:ext cx="2115918" cy="1080000"/>
+          </a:xfrm>
+          <a:prstGeom prst="rect">
+            <a:avLst/>
+          </a:prstGeom>
+          <a:solidFill>
+            <a:schemeClr val="accent2">
+              <a:lumMod val="75000"/>
+            </a:schemeClr>
+          </a:solidFill>
+          <a:ln w="28575"/>
+        </p:spPr>
+        <p:style>
+          <a:lnRef idx="2">
+            <a:schemeClr val="accent1"/>
+          </a:lnRef>
+          <a:fillRef idx="1">
+            <a:schemeClr val="lt1"/>
+          </a:fillRef>
+          <a:effectRef idx="0">
+            <a:schemeClr val="accent1"/>
+          </a:effectRef>
+          <a:fontRef idx="minor">
+            <a:schemeClr val="dk1"/>
+          </a:fontRef>
+        </p:style>
+        <p:txBody>
+          <a:bodyPr lIns="124733" tIns="62367" rIns="124733" bIns="62367" rtlCol="0" anchor="ctr"/>
+          <a:lstStyle/>
+          <a:p>
+            <a:pPr algn="ctr"/>
+            <a:r>
+              <a:rPr lang="ru-RU" sz="1400" dirty="0" smtClean="0"/>
+              <a:t>Подчинить чужие нации (</a:t>
+            </a:r>
+            <a:r>
+              <a:rPr lang="ru-RU" sz="1400" dirty="0" err="1" smtClean="0"/>
+              <a:t>коризация</a:t>
+            </a:r>
+            <a:r>
+              <a:rPr lang="ru-RU" sz="1400" dirty="0" smtClean="0"/>
+              <a:t> стран которые можно завоевать по фокусам)</a:t>
+            </a:r>
+            <a:endParaRPr lang="ru-RU" sz="1400" dirty="0"/>
+          </a:p>
+        </p:txBody>
+      </p:sp>
+      <p:cxnSp>
+        <p:nvCxnSpPr>
+          <p:cNvPr id="484" name="Соединительная линия уступом 483"/>
+          <p:cNvCxnSpPr>
+            <a:stCxn id="639" idx="2"/>
+            <a:endCxn id="483" idx="0"/>
+          </p:cNvCxnSpPr>
+          <p:nvPr/>
+        </p:nvCxnSpPr>
+        <p:spPr>
+          <a:xfrm rot="16200000" flipH="1">
+            <a:off x="37680662" y="10720183"/>
+            <a:ext cx="572610" cy="1203055"/>
+          </a:xfrm>
+          <a:prstGeom prst="bentConnector3">
+            <a:avLst>
+              <a:gd name="adj1" fmla="val 50000"/>
+            </a:avLst>
+          </a:prstGeom>
+          <a:ln w="28575">
             <a:tailEnd type="arrow"/>
           </a:ln>
         </p:spPr>
@@ -28343,7 +28445,7 @@
   <a:extraClrSchemeLst/>
   <a:extLst>
     <a:ext uri="{05A4C25C-085E-4340-85A3-A5531E510DB2}">
-      <thm15:themeFamily xmlns:thm15="http://schemas.microsoft.com/office/thememl/2012/main" xmlns="" name="Office Theme" id="{62F939B6-93AF-4DB8-9C6B-D6C7DFDC589F}" vid="{4A3C46E8-61CC-4603-A589-7422A47A8E4A}"/>
+      <thm15:themeFamily xmlns="" xmlns:thm15="http://schemas.microsoft.com/office/thememl/2012/main" name="Office Theme" id="{62F939B6-93AF-4DB8-9C6B-D6C7DFDC589F}" vid="{4A3C46E8-61CC-4603-A589-7422A47A8E4A}"/>
     </a:ext>
   </a:extLst>
 </a:theme>
@@ -28604,7 +28706,7 @@
   <a:extraClrSchemeLst/>
   <a:extLst>
     <a:ext uri="{05A4C25C-085E-4340-85A3-A5531E510DB2}">
-      <thm15:themeFamily xmlns:thm15="http://schemas.microsoft.com/office/thememl/2012/main" xmlns="" name="Office Theme" id="{62F939B6-93AF-4DB8-9C6B-D6C7DFDC589F}" vid="{4A3C46E8-61CC-4603-A589-7422A47A8E4A}"/>
+      <thm15:themeFamily xmlns="" xmlns:thm15="http://schemas.microsoft.com/office/thememl/2012/main" name="Office Theme" id="{62F939B6-93AF-4DB8-9C6B-D6C7DFDC589F}" vid="{4A3C46E8-61CC-4603-A589-7422A47A8E4A}"/>
     </a:ext>
   </a:extLst>
 </a:theme>

--- a/Наработки/диздоки/Бирма/Бирма.pptx
+++ b/Наработки/диздоки/Бирма/Бирма.pptx
@@ -109,7 +109,7 @@
   </p:defaultTextStyle>
   <p:extLst>
     <p:ext uri="{EFAFB233-063F-42B5-8137-9DF3F51BA10A}">
-      <p15:sldGuideLst xmlns="" xmlns:p15="http://schemas.microsoft.com/office/powerpoint/2012/main">
+      <p15:sldGuideLst xmlns:p15="http://schemas.microsoft.com/office/powerpoint/2012/main" xmlns="">
         <p15:guide id="1" orient="horz" pos="11344">
           <p15:clr>
             <a:srgbClr val="A4A3A4"/>
@@ -209,7 +209,7 @@
             <a:fld id="{33E3D7F9-E251-484C-A6FF-FA958879DF69}" type="datetimeFigureOut">
               <a:rPr lang="ru-RU" smtClean="0"/>
               <a:pPr/>
-              <a:t>13.11.2023</a:t>
+              <a:t>15.11.2023</a:t>
             </a:fld>
             <a:endParaRPr lang="ru-RU"/>
           </a:p>
@@ -699,7 +699,7 @@
             <a:fld id="{85A5DE44-605B-4D3B-B2B7-94543DF81A36}" type="datetimeFigureOut">
               <a:rPr lang="ru-RU" smtClean="0"/>
               <a:pPr/>
-              <a:t>13.11.2023</a:t>
+              <a:t>15.11.2023</a:t>
             </a:fld>
             <a:endParaRPr lang="ru-RU"/>
           </a:p>
@@ -871,7 +871,7 @@
             <a:fld id="{85A5DE44-605B-4D3B-B2B7-94543DF81A36}" type="datetimeFigureOut">
               <a:rPr lang="ru-RU" smtClean="0"/>
               <a:pPr/>
-              <a:t>13.11.2023</a:t>
+              <a:t>15.11.2023</a:t>
             </a:fld>
             <a:endParaRPr lang="ru-RU"/>
           </a:p>
@@ -1053,7 +1053,7 @@
             <a:fld id="{85A5DE44-605B-4D3B-B2B7-94543DF81A36}" type="datetimeFigureOut">
               <a:rPr lang="ru-RU" smtClean="0"/>
               <a:pPr/>
-              <a:t>13.11.2023</a:t>
+              <a:t>15.11.2023</a:t>
             </a:fld>
             <a:endParaRPr lang="ru-RU"/>
           </a:p>
@@ -1225,7 +1225,7 @@
             <a:fld id="{85A5DE44-605B-4D3B-B2B7-94543DF81A36}" type="datetimeFigureOut">
               <a:rPr lang="ru-RU" smtClean="0"/>
               <a:pPr/>
-              <a:t>13.11.2023</a:t>
+              <a:t>15.11.2023</a:t>
             </a:fld>
             <a:endParaRPr lang="ru-RU"/>
           </a:p>
@@ -1473,7 +1473,7 @@
             <a:fld id="{85A5DE44-605B-4D3B-B2B7-94543DF81A36}" type="datetimeFigureOut">
               <a:rPr lang="ru-RU" smtClean="0"/>
               <a:pPr/>
-              <a:t>13.11.2023</a:t>
+              <a:t>15.11.2023</a:t>
             </a:fld>
             <a:endParaRPr lang="ru-RU"/>
           </a:p>
@@ -1707,7 +1707,7 @@
             <a:fld id="{85A5DE44-605B-4D3B-B2B7-94543DF81A36}" type="datetimeFigureOut">
               <a:rPr lang="ru-RU" smtClean="0"/>
               <a:pPr/>
-              <a:t>13.11.2023</a:t>
+              <a:t>15.11.2023</a:t>
             </a:fld>
             <a:endParaRPr lang="ru-RU"/>
           </a:p>
@@ -2076,7 +2076,7 @@
             <a:fld id="{85A5DE44-605B-4D3B-B2B7-94543DF81A36}" type="datetimeFigureOut">
               <a:rPr lang="ru-RU" smtClean="0"/>
               <a:pPr/>
-              <a:t>13.11.2023</a:t>
+              <a:t>15.11.2023</a:t>
             </a:fld>
             <a:endParaRPr lang="ru-RU"/>
           </a:p>
@@ -2196,7 +2196,7 @@
             <a:fld id="{85A5DE44-605B-4D3B-B2B7-94543DF81A36}" type="datetimeFigureOut">
               <a:rPr lang="ru-RU" smtClean="0"/>
               <a:pPr/>
-              <a:t>13.11.2023</a:t>
+              <a:t>15.11.2023</a:t>
             </a:fld>
             <a:endParaRPr lang="ru-RU"/>
           </a:p>
@@ -2293,7 +2293,7 @@
             <a:fld id="{85A5DE44-605B-4D3B-B2B7-94543DF81A36}" type="datetimeFigureOut">
               <a:rPr lang="ru-RU" smtClean="0"/>
               <a:pPr/>
-              <a:t>13.11.2023</a:t>
+              <a:t>15.11.2023</a:t>
             </a:fld>
             <a:endParaRPr lang="ru-RU"/>
           </a:p>
@@ -2572,7 +2572,7 @@
             <a:fld id="{85A5DE44-605B-4D3B-B2B7-94543DF81A36}" type="datetimeFigureOut">
               <a:rPr lang="ru-RU" smtClean="0"/>
               <a:pPr/>
-              <a:t>13.11.2023</a:t>
+              <a:t>15.11.2023</a:t>
             </a:fld>
             <a:endParaRPr lang="ru-RU"/>
           </a:p>
@@ -2831,7 +2831,7 @@
             <a:fld id="{85A5DE44-605B-4D3B-B2B7-94543DF81A36}" type="datetimeFigureOut">
               <a:rPr lang="ru-RU" smtClean="0"/>
               <a:pPr/>
-              <a:t>13.11.2023</a:t>
+              <a:t>15.11.2023</a:t>
             </a:fld>
             <a:endParaRPr lang="ru-RU"/>
           </a:p>
@@ -3046,7 +3046,7 @@
             <a:fld id="{85A5DE44-605B-4D3B-B2B7-94543DF81A36}" type="datetimeFigureOut">
               <a:rPr lang="ru-RU" smtClean="0"/>
               <a:pPr/>
-              <a:t>13.11.2023</a:t>
+              <a:t>15.11.2023</a:t>
             </a:fld>
             <a:endParaRPr lang="ru-RU"/>
           </a:p>
@@ -7146,8 +7146,13 @@
             <a:pPr algn="ctr"/>
             <a:r>
               <a:rPr lang="ru-RU" sz="1400" dirty="0"/>
-              <a:t>Создание и расширение полицейских подразделений (при независимости)</a:t>
-            </a:r>
+              <a:t>Создание и расширение полицейских </a:t>
+            </a:r>
+            <a:r>
+              <a:rPr lang="ru-RU" sz="1400" dirty="0" smtClean="0"/>
+              <a:t>подразделений</a:t>
+            </a:r>
+            <a:endParaRPr lang="ru-RU" sz="1400" dirty="0"/>
           </a:p>
         </p:txBody>
       </p:sp>
@@ -7314,12 +7319,13 @@
             <a:pPr algn="ctr"/>
             <a:r>
               <a:rPr lang="ru-RU" sz="1400" dirty="0"/>
-              <a:t>Создать союзную военную полицию </a:t>
-            </a:r>
-            <a:r>
-              <a:rPr lang="ru-RU" sz="1200" dirty="0"/>
-              <a:t>(Объединить полицию, пограничные службы и внутреннюю безопасность, при независимости) </a:t>
-            </a:r>
+              <a:t>Создать союзную военную </a:t>
+            </a:r>
+            <a:r>
+              <a:rPr lang="ru-RU" sz="1400" dirty="0" smtClean="0"/>
+              <a:t>полицию</a:t>
+            </a:r>
+            <a:endParaRPr lang="ru-RU" sz="1200" dirty="0"/>
           </a:p>
         </p:txBody>
       </p:sp>
@@ -8530,21 +8536,10 @@
               <a:t> </a:t>
             </a:r>
             <a:r>
-              <a:rPr lang="ru-RU" sz="1400" dirty="0" err="1"/>
+              <a:rPr lang="ru-RU" sz="1400" dirty="0" err="1" smtClean="0"/>
               <a:t>Асиайон</a:t>
             </a:r>
-            <a:r>
-              <a:rPr lang="ru-RU" sz="1400" dirty="0"/>
-              <a:t> (их представляла партия </a:t>
-            </a:r>
-            <a:r>
-              <a:rPr lang="ru-RU" sz="1400" dirty="0" err="1"/>
-              <a:t>Комин-кочин</a:t>
-            </a:r>
-            <a:r>
-              <a:rPr lang="ru-RU" sz="1400" dirty="0"/>
-              <a:t>)</a:t>
-            </a:r>
+            <a:endParaRPr lang="ru-RU" sz="1400" dirty="0"/>
           </a:p>
         </p:txBody>
       </p:sp>
@@ -8588,8 +8583,13 @@
             <a:pPr algn="ctr"/>
             <a:r>
               <a:rPr lang="ru-RU" sz="1400" dirty="0"/>
-              <a:t>Коммунистическая партия Бирмы (коммунистическая партия белого флага)</a:t>
-            </a:r>
+              <a:t>Коммунистическая партия </a:t>
+            </a:r>
+            <a:r>
+              <a:rPr lang="ru-RU" sz="1400" dirty="0" smtClean="0"/>
+              <a:t>Бирмы</a:t>
+            </a:r>
+            <a:endParaRPr lang="ru-RU" sz="1400" dirty="0"/>
           </a:p>
         </p:txBody>
       </p:sp>
@@ -8681,8 +8681,13 @@
             <a:pPr algn="ctr"/>
             <a:r>
               <a:rPr lang="ru-RU" sz="1400" dirty="0"/>
-              <a:t>Генеральный совет Бирманских ассоциаций (доминион, отмена подушного налога)</a:t>
-            </a:r>
+              <a:t>Генеральный совет Бирманских </a:t>
+            </a:r>
+            <a:r>
+              <a:rPr lang="ru-RU" sz="1400" dirty="0" smtClean="0"/>
+              <a:t>ассоциаций</a:t>
+            </a:r>
+            <a:endParaRPr lang="ru-RU" sz="1400" dirty="0"/>
           </a:p>
         </p:txBody>
       </p:sp>
@@ -8991,8 +8996,13 @@
             <a:pPr algn="ctr"/>
             <a:r>
               <a:rPr lang="ru-RU" sz="1400" dirty="0"/>
-              <a:t>Прогнать индийцев и мусульман (В Бирме жило более 1 млн. индийцев)</a:t>
-            </a:r>
+              <a:t>Прогнать индийцев и </a:t>
+            </a:r>
+            <a:r>
+              <a:rPr lang="ru-RU" sz="1400" dirty="0" smtClean="0"/>
+              <a:t>мусульман</a:t>
+            </a:r>
+            <a:endParaRPr lang="ru-RU" sz="1400" dirty="0"/>
           </a:p>
         </p:txBody>
       </p:sp>
@@ -9089,15 +9099,7 @@
             </a:r>
             <a:r>
               <a:rPr lang="ru-RU" sz="1400" dirty="0"/>
-              <a:t> Тат (Частная армия </a:t>
-            </a:r>
-            <a:r>
-              <a:rPr lang="ru-RU" sz="1400" dirty="0" err="1"/>
-              <a:t>галонов</a:t>
-            </a:r>
-            <a:r>
-              <a:rPr lang="ru-RU" sz="1400" dirty="0"/>
-              <a:t>)</a:t>
+              <a:t> Тат </a:t>
             </a:r>
           </a:p>
         </p:txBody>
@@ -9140,27 +9142,11 @@
             <a:pPr algn="ctr"/>
             <a:r>
               <a:rPr lang="ru-RU" sz="1400" dirty="0"/>
-              <a:t>Последний Голодный марш(Попытка активных действий и выстрелы -</a:t>
-            </a:r>
-            <a:r>
-              <a:rPr lang="en-US" sz="1400" dirty="0"/>
-              <a:t>&gt; </a:t>
-            </a:r>
-            <a:r>
-              <a:rPr lang="ru-RU" sz="1400" dirty="0"/>
-              <a:t>гражданская война, </a:t>
-            </a:r>
-            <a:r>
-              <a:rPr lang="en-US" sz="1400" dirty="0"/>
-              <a:t>Bo Let </a:t>
-            </a:r>
-            <a:r>
-              <a:rPr lang="en-US" sz="1400" dirty="0" err="1"/>
-              <a:t>Ya</a:t>
-            </a:r>
-            <a:r>
-              <a:rPr lang="ru-RU" sz="1400" dirty="0"/>
-              <a:t> станет генералом)</a:t>
+              <a:t>Последний Голодный </a:t>
+            </a:r>
+            <a:r>
+              <a:rPr lang="ru-RU" sz="1400" dirty="0" smtClean="0"/>
+              <a:t>марш</a:t>
             </a:r>
             <a:endParaRPr lang="ru-RU" sz="700" dirty="0"/>
           </a:p>
@@ -10036,8 +10022,13 @@
             <a:pPr algn="ctr"/>
             <a:r>
               <a:rPr lang="ru-RU" sz="1400" dirty="0"/>
-              <a:t>Закон об обороне Бирмы (репрессии всех националистов)</a:t>
-            </a:r>
+              <a:t>Закон об обороне </a:t>
+            </a:r>
+            <a:r>
+              <a:rPr lang="ru-RU" sz="1400" dirty="0" smtClean="0"/>
+              <a:t>Бирмы</a:t>
+            </a:r>
+            <a:endParaRPr lang="ru-RU" sz="1400" dirty="0"/>
           </a:p>
         </p:txBody>
       </p:sp>
@@ -12852,8 +12843,13 @@
             <a:pPr algn="ctr"/>
             <a:r>
               <a:rPr lang="ru-RU" sz="1400" dirty="0"/>
-              <a:t>Завоевать доверие малых народов (решения на то, чтобы вернуть контроль над страной)</a:t>
-            </a:r>
+              <a:t>Завоевать доверие малых </a:t>
+            </a:r>
+            <a:r>
+              <a:rPr lang="ru-RU" sz="1400" dirty="0" smtClean="0"/>
+              <a:t>народов</a:t>
+            </a:r>
+            <a:endParaRPr lang="ru-RU" sz="1400" dirty="0"/>
           </a:p>
         </p:txBody>
       </p:sp>
@@ -14510,7 +14506,11 @@
             <a:pPr algn="ctr"/>
             <a:r>
               <a:rPr lang="ru-RU" sz="1400" dirty="0"/>
-              <a:t>Всеобщая национализация (иностранцы покидают Бирму (около 100к))</a:t>
+              <a:t>Всеобщая </a:t>
+            </a:r>
+            <a:r>
+              <a:rPr lang="ru-RU" sz="1400" dirty="0" smtClean="0"/>
+              <a:t>национализация</a:t>
             </a:r>
             <a:endParaRPr lang="ru-RU" sz="700" dirty="0"/>
           </a:p>
@@ -15460,8 +15460,13 @@
             <a:pPr algn="ctr"/>
             <a:r>
               <a:rPr lang="ru-RU" sz="1400" dirty="0"/>
-              <a:t>Милитаризация общества ( НД на прирост поддержки войны)</a:t>
-            </a:r>
+              <a:t>Милитаризация </a:t>
+            </a:r>
+            <a:r>
+              <a:rPr lang="ru-RU" sz="1400" dirty="0" smtClean="0"/>
+              <a:t>общества</a:t>
+            </a:r>
+            <a:endParaRPr lang="ru-RU" sz="1400" dirty="0"/>
           </a:p>
         </p:txBody>
       </p:sp>
@@ -15554,16 +15559,13 @@
             <a:pPr algn="ctr"/>
             <a:r>
               <a:rPr lang="ru-RU" sz="1400" dirty="0"/>
-              <a:t>Союз с буддистами Индии (если в Индии </a:t>
-            </a:r>
-            <a:r>
-              <a:rPr lang="ru-RU" sz="1400" dirty="0" err="1"/>
-              <a:t>необуддисты</a:t>
-            </a:r>
-            <a:r>
-              <a:rPr lang="ru-RU" sz="1400" dirty="0"/>
-              <a:t>)</a:t>
-            </a:r>
+              <a:t>Союз с буддистами </a:t>
+            </a:r>
+            <a:r>
+              <a:rPr lang="ru-RU" sz="1400" dirty="0" smtClean="0"/>
+              <a:t>Индии</a:t>
+            </a:r>
+            <a:endParaRPr lang="ru-RU" sz="1400" dirty="0"/>
           </a:p>
         </p:txBody>
       </p:sp>
@@ -16617,16 +16619,13 @@
             <a:pPr algn="ctr"/>
             <a:r>
               <a:rPr lang="ru-RU" sz="1400" dirty="0"/>
-              <a:t>Укрепиться в Океании (война с Голландской </a:t>
-            </a:r>
-            <a:r>
-              <a:rPr lang="ru-RU" sz="1400" dirty="0" err="1"/>
-              <a:t>Ост-Индией</a:t>
-            </a:r>
-            <a:r>
-              <a:rPr lang="ru-RU" sz="1400" dirty="0"/>
-              <a:t>)</a:t>
-            </a:r>
+              <a:t>Укрепиться в </a:t>
+            </a:r>
+            <a:r>
+              <a:rPr lang="ru-RU" sz="1400" dirty="0" smtClean="0"/>
+              <a:t>Океании</a:t>
+            </a:r>
+            <a:endParaRPr lang="ru-RU" sz="1400" dirty="0"/>
           </a:p>
         </p:txBody>
       </p:sp>
@@ -21086,7 +21085,11 @@
             <a:pPr algn="ctr"/>
             <a:r>
               <a:rPr lang="ru-RU" sz="1400" dirty="0"/>
-              <a:t>Культурная революция (избавление от большей части оппозиции)</a:t>
+              <a:t>Культурная </a:t>
+            </a:r>
+            <a:r>
+              <a:rPr lang="ru-RU" sz="1400" dirty="0" smtClean="0"/>
+              <a:t>революция</a:t>
             </a:r>
             <a:endParaRPr lang="ru-RU" sz="600" dirty="0"/>
           </a:p>
@@ -25427,13 +25430,10 @@
               <a:t>Вернуть </a:t>
             </a:r>
             <a:r>
-              <a:rPr lang="ru-RU" sz="1400" dirty="0" err="1"/>
+              <a:rPr lang="ru-RU" sz="1400" dirty="0" err="1" smtClean="0"/>
               <a:t>Минипур</a:t>
             </a:r>
-            <a:r>
-              <a:rPr lang="ru-RU" sz="1400" dirty="0"/>
-              <a:t> (провинция Индии</a:t>
-            </a:r>
+            <a:endParaRPr lang="ru-RU" sz="1400" dirty="0"/>
           </a:p>
         </p:txBody>
       </p:sp>
@@ -26565,24 +26565,13 @@
             <a:pPr algn="ctr"/>
             <a:r>
               <a:rPr lang="ru-RU" sz="1400" dirty="0"/>
-              <a:t>Речь перед монастырём (у </a:t>
-            </a:r>
-            <a:r>
-              <a:rPr lang="ru-RU" sz="1400" dirty="0" err="1"/>
-              <a:t>оттама</a:t>
-            </a:r>
-            <a:r>
-              <a:rPr lang="ru-RU" sz="1400" dirty="0"/>
-              <a:t> будет иметь </a:t>
-            </a:r>
-            <a:r>
-              <a:rPr lang="ru-RU" sz="1400" dirty="0" err="1"/>
-              <a:t>трейт</a:t>
-            </a:r>
-            <a:r>
-              <a:rPr lang="ru-RU" sz="1400" dirty="0"/>
-              <a:t> «Бирманский Ганди»)</a:t>
-            </a:r>
+              <a:t>Речь перед </a:t>
+            </a:r>
+            <a:r>
+              <a:rPr lang="ru-RU" sz="1400" dirty="0" smtClean="0"/>
+              <a:t>монастырём</a:t>
+            </a:r>
+            <a:endParaRPr lang="ru-RU" sz="1400" dirty="0"/>
           </a:p>
         </p:txBody>
       </p:sp>
@@ -27373,20 +27362,9 @@
             </a:r>
             <a:r>
               <a:rPr lang="ru-RU" sz="1400" dirty="0" smtClean="0"/>
-              <a:t>Бирмы (</a:t>
-            </a:r>
-            <a:r>
-              <a:rPr lang="ru-RU" sz="1400" dirty="0" err="1" smtClean="0"/>
-              <a:t>коризация</a:t>
-            </a:r>
-            <a:r>
-              <a:rPr lang="ru-RU" sz="1400" dirty="0" smtClean="0"/>
-              <a:t> </a:t>
-            </a:r>
-            <a:r>
-              <a:rPr lang="ru-RU" sz="1400" dirty="0"/>
-              <a:t>отдалённых регионов)</a:t>
-            </a:r>
+              <a:t>Бирмы</a:t>
+            </a:r>
+            <a:endParaRPr lang="ru-RU" sz="1400" dirty="0"/>
           </a:p>
         </p:txBody>
       </p:sp>
@@ -28125,15 +28103,11 @@
             <a:pPr algn="ctr"/>
             <a:r>
               <a:rPr lang="ru-RU" sz="1400" dirty="0" smtClean="0"/>
-              <a:t>Подчинить чужие нации (</a:t>
-            </a:r>
-            <a:r>
-              <a:rPr lang="ru-RU" sz="1400" dirty="0" err="1" smtClean="0"/>
-              <a:t>коризация</a:t>
+              <a:t>Подчинить чужие </a:t>
             </a:r>
             <a:r>
               <a:rPr lang="ru-RU" sz="1400" dirty="0" smtClean="0"/>
-              <a:t> стран которые можно завоевать по фокусам)</a:t>
+              <a:t>нации</a:t>
             </a:r>
             <a:endParaRPr lang="ru-RU" sz="1400" dirty="0"/>
           </a:p>
@@ -28445,7 +28419,7 @@
   <a:extraClrSchemeLst/>
   <a:extLst>
     <a:ext uri="{05A4C25C-085E-4340-85A3-A5531E510DB2}">
-      <thm15:themeFamily xmlns="" xmlns:thm15="http://schemas.microsoft.com/office/thememl/2012/main" name="Office Theme" id="{62F939B6-93AF-4DB8-9C6B-D6C7DFDC589F}" vid="{4A3C46E8-61CC-4603-A589-7422A47A8E4A}"/>
+      <thm15:themeFamily xmlns:thm15="http://schemas.microsoft.com/office/thememl/2012/main" xmlns="" name="Office Theme" id="{62F939B6-93AF-4DB8-9C6B-D6C7DFDC589F}" vid="{4A3C46E8-61CC-4603-A589-7422A47A8E4A}"/>
     </a:ext>
   </a:extLst>
 </a:theme>
@@ -28706,7 +28680,7 @@
   <a:extraClrSchemeLst/>
   <a:extLst>
     <a:ext uri="{05A4C25C-085E-4340-85A3-A5531E510DB2}">
-      <thm15:themeFamily xmlns="" xmlns:thm15="http://schemas.microsoft.com/office/thememl/2012/main" name="Office Theme" id="{62F939B6-93AF-4DB8-9C6B-D6C7DFDC589F}" vid="{4A3C46E8-61CC-4603-A589-7422A47A8E4A}"/>
+      <thm15:themeFamily xmlns:thm15="http://schemas.microsoft.com/office/thememl/2012/main" xmlns="" name="Office Theme" id="{62F939B6-93AF-4DB8-9C6B-D6C7DFDC589F}" vid="{4A3C46E8-61CC-4603-A589-7422A47A8E4A}"/>
     </a:ext>
   </a:extLst>
 </a:theme>

--- a/Наработки/диздоки/Бирма/Бирма.pptx
+++ b/Наработки/диздоки/Бирма/Бирма.pptx
@@ -109,7 +109,7 @@
   </p:defaultTextStyle>
   <p:extLst>
     <p:ext uri="{EFAFB233-063F-42B5-8137-9DF3F51BA10A}">
-      <p15:sldGuideLst xmlns:p15="http://schemas.microsoft.com/office/powerpoint/2012/main" xmlns="">
+      <p15:sldGuideLst xmlns="" xmlns:p15="http://schemas.microsoft.com/office/powerpoint/2012/main">
         <p15:guide id="1" orient="horz" pos="11344">
           <p15:clr>
             <a:srgbClr val="A4A3A4"/>
@@ -209,7 +209,7 @@
             <a:fld id="{33E3D7F9-E251-484C-A6FF-FA958879DF69}" type="datetimeFigureOut">
               <a:rPr lang="ru-RU" smtClean="0"/>
               <a:pPr/>
-              <a:t>15.11.2023</a:t>
+              <a:t>16.11.2023</a:t>
             </a:fld>
             <a:endParaRPr lang="ru-RU"/>
           </a:p>
@@ -699,7 +699,7 @@
             <a:fld id="{85A5DE44-605B-4D3B-B2B7-94543DF81A36}" type="datetimeFigureOut">
               <a:rPr lang="ru-RU" smtClean="0"/>
               <a:pPr/>
-              <a:t>15.11.2023</a:t>
+              <a:t>16.11.2023</a:t>
             </a:fld>
             <a:endParaRPr lang="ru-RU"/>
           </a:p>
@@ -871,7 +871,7 @@
             <a:fld id="{85A5DE44-605B-4D3B-B2B7-94543DF81A36}" type="datetimeFigureOut">
               <a:rPr lang="ru-RU" smtClean="0"/>
               <a:pPr/>
-              <a:t>15.11.2023</a:t>
+              <a:t>16.11.2023</a:t>
             </a:fld>
             <a:endParaRPr lang="ru-RU"/>
           </a:p>
@@ -1053,7 +1053,7 @@
             <a:fld id="{85A5DE44-605B-4D3B-B2B7-94543DF81A36}" type="datetimeFigureOut">
               <a:rPr lang="ru-RU" smtClean="0"/>
               <a:pPr/>
-              <a:t>15.11.2023</a:t>
+              <a:t>16.11.2023</a:t>
             </a:fld>
             <a:endParaRPr lang="ru-RU"/>
           </a:p>
@@ -1225,7 +1225,7 @@
             <a:fld id="{85A5DE44-605B-4D3B-B2B7-94543DF81A36}" type="datetimeFigureOut">
               <a:rPr lang="ru-RU" smtClean="0"/>
               <a:pPr/>
-              <a:t>15.11.2023</a:t>
+              <a:t>16.11.2023</a:t>
             </a:fld>
             <a:endParaRPr lang="ru-RU"/>
           </a:p>
@@ -1473,7 +1473,7 @@
             <a:fld id="{85A5DE44-605B-4D3B-B2B7-94543DF81A36}" type="datetimeFigureOut">
               <a:rPr lang="ru-RU" smtClean="0"/>
               <a:pPr/>
-              <a:t>15.11.2023</a:t>
+              <a:t>16.11.2023</a:t>
             </a:fld>
             <a:endParaRPr lang="ru-RU"/>
           </a:p>
@@ -1707,7 +1707,7 @@
             <a:fld id="{85A5DE44-605B-4D3B-B2B7-94543DF81A36}" type="datetimeFigureOut">
               <a:rPr lang="ru-RU" smtClean="0"/>
               <a:pPr/>
-              <a:t>15.11.2023</a:t>
+              <a:t>16.11.2023</a:t>
             </a:fld>
             <a:endParaRPr lang="ru-RU"/>
           </a:p>
@@ -2076,7 +2076,7 @@
             <a:fld id="{85A5DE44-605B-4D3B-B2B7-94543DF81A36}" type="datetimeFigureOut">
               <a:rPr lang="ru-RU" smtClean="0"/>
               <a:pPr/>
-              <a:t>15.11.2023</a:t>
+              <a:t>16.11.2023</a:t>
             </a:fld>
             <a:endParaRPr lang="ru-RU"/>
           </a:p>
@@ -2196,7 +2196,7 @@
             <a:fld id="{85A5DE44-605B-4D3B-B2B7-94543DF81A36}" type="datetimeFigureOut">
               <a:rPr lang="ru-RU" smtClean="0"/>
               <a:pPr/>
-              <a:t>15.11.2023</a:t>
+              <a:t>16.11.2023</a:t>
             </a:fld>
             <a:endParaRPr lang="ru-RU"/>
           </a:p>
@@ -2293,7 +2293,7 @@
             <a:fld id="{85A5DE44-605B-4D3B-B2B7-94543DF81A36}" type="datetimeFigureOut">
               <a:rPr lang="ru-RU" smtClean="0"/>
               <a:pPr/>
-              <a:t>15.11.2023</a:t>
+              <a:t>16.11.2023</a:t>
             </a:fld>
             <a:endParaRPr lang="ru-RU"/>
           </a:p>
@@ -2572,7 +2572,7 @@
             <a:fld id="{85A5DE44-605B-4D3B-B2B7-94543DF81A36}" type="datetimeFigureOut">
               <a:rPr lang="ru-RU" smtClean="0"/>
               <a:pPr/>
-              <a:t>15.11.2023</a:t>
+              <a:t>16.11.2023</a:t>
             </a:fld>
             <a:endParaRPr lang="ru-RU"/>
           </a:p>
@@ -2831,7 +2831,7 @@
             <a:fld id="{85A5DE44-605B-4D3B-B2B7-94543DF81A36}" type="datetimeFigureOut">
               <a:rPr lang="ru-RU" smtClean="0"/>
               <a:pPr/>
-              <a:t>15.11.2023</a:t>
+              <a:t>16.11.2023</a:t>
             </a:fld>
             <a:endParaRPr lang="ru-RU"/>
           </a:p>
@@ -3046,7 +3046,7 @@
             <a:fld id="{85A5DE44-605B-4D3B-B2B7-94543DF81A36}" type="datetimeFigureOut">
               <a:rPr lang="ru-RU" smtClean="0"/>
               <a:pPr/>
-              <a:t>15.11.2023</a:t>
+              <a:t>16.11.2023</a:t>
             </a:fld>
             <a:endParaRPr lang="ru-RU"/>
           </a:p>
@@ -20489,63 +20489,10 @@
               <a:t>Манифест </a:t>
             </a:r>
             <a:r>
-              <a:rPr lang="ru-RU" sz="1400" dirty="0" err="1"/>
+              <a:rPr lang="ru-RU" sz="1400" dirty="0" err="1" smtClean="0"/>
               <a:t>Инсейна</a:t>
             </a:r>
-            <a:r>
-              <a:rPr lang="ru-RU" sz="1400" dirty="0"/>
-              <a:t> </a:t>
-            </a:r>
-            <a:r>
-              <a:rPr lang="ru-RU" sz="600" dirty="0"/>
-              <a:t>(Находясь в тюрьме </a:t>
-            </a:r>
-            <a:r>
-              <a:rPr lang="ru-RU" sz="600" dirty="0" err="1"/>
-              <a:t>Инсейна</a:t>
-            </a:r>
-            <a:r>
-              <a:rPr lang="ru-RU" sz="600" dirty="0"/>
-              <a:t> в июле 1941 года, </a:t>
-            </a:r>
-            <a:r>
-              <a:rPr lang="ru-RU" sz="600" dirty="0" err="1"/>
-              <a:t>Такин</a:t>
-            </a:r>
-            <a:r>
-              <a:rPr lang="ru-RU" sz="600" dirty="0"/>
-              <a:t> Со и </a:t>
-            </a:r>
-            <a:r>
-              <a:rPr lang="ru-RU" sz="600" dirty="0" err="1"/>
-              <a:t>Тан</a:t>
-            </a:r>
-            <a:r>
-              <a:rPr lang="ru-RU" sz="600" dirty="0"/>
-              <a:t> Тун были соавторами </a:t>
-            </a:r>
-            <a:r>
-              <a:rPr lang="ru-RU" sz="600" i="1" dirty="0"/>
-              <a:t>Манифеста </a:t>
-            </a:r>
-            <a:r>
-              <a:rPr lang="ru-RU" sz="600" i="1" dirty="0" err="1"/>
-              <a:t>Инсейна</a:t>
-            </a:r>
-            <a:r>
-              <a:rPr lang="ru-RU" sz="600" dirty="0"/>
-              <a:t> , в котором фашизм объявлен главным врагом в предстоящей войне и содержится призыв к временному сотрудничеству с англичанами и созданию широкого коалиционного альянса. это должно включать в себя </a:t>
-            </a:r>
-            <a:r>
-              <a:rPr lang="ru-RU" sz="600" dirty="0">
-                <a:hlinkClick r:id="rId3" tooltip="Советский Союз"/>
-              </a:rPr>
-              <a:t>Советский Союз</a:t>
-            </a:r>
-            <a:r>
-              <a:rPr lang="ru-RU" sz="600" dirty="0"/>
-              <a:t> .)</a:t>
-            </a:r>
+            <a:endParaRPr lang="ru-RU" sz="600" dirty="0"/>
           </a:p>
         </p:txBody>
       </p:sp>
@@ -28103,11 +28050,7 @@
             <a:pPr algn="ctr"/>
             <a:r>
               <a:rPr lang="ru-RU" sz="1400" dirty="0" smtClean="0"/>
-              <a:t>Подчинить чужие </a:t>
-            </a:r>
-            <a:r>
-              <a:rPr lang="ru-RU" sz="1400" dirty="0" smtClean="0"/>
-              <a:t>нации</a:t>
+              <a:t>Подчинить чужие нации</a:t>
             </a:r>
             <a:endParaRPr lang="ru-RU" sz="1400" dirty="0"/>
           </a:p>
@@ -28419,7 +28362,7 @@
   <a:extraClrSchemeLst/>
   <a:extLst>
     <a:ext uri="{05A4C25C-085E-4340-85A3-A5531E510DB2}">
-      <thm15:themeFamily xmlns:thm15="http://schemas.microsoft.com/office/thememl/2012/main" xmlns="" name="Office Theme" id="{62F939B6-93AF-4DB8-9C6B-D6C7DFDC589F}" vid="{4A3C46E8-61CC-4603-A589-7422A47A8E4A}"/>
+      <thm15:themeFamily xmlns="" xmlns:thm15="http://schemas.microsoft.com/office/thememl/2012/main" name="Office Theme" id="{62F939B6-93AF-4DB8-9C6B-D6C7DFDC589F}" vid="{4A3C46E8-61CC-4603-A589-7422A47A8E4A}"/>
     </a:ext>
   </a:extLst>
 </a:theme>
@@ -28680,7 +28623,7 @@
   <a:extraClrSchemeLst/>
   <a:extLst>
     <a:ext uri="{05A4C25C-085E-4340-85A3-A5531E510DB2}">
-      <thm15:themeFamily xmlns:thm15="http://schemas.microsoft.com/office/thememl/2012/main" xmlns="" name="Office Theme" id="{62F939B6-93AF-4DB8-9C6B-D6C7DFDC589F}" vid="{4A3C46E8-61CC-4603-A589-7422A47A8E4A}"/>
+      <thm15:themeFamily xmlns="" xmlns:thm15="http://schemas.microsoft.com/office/thememl/2012/main" name="Office Theme" id="{62F939B6-93AF-4DB8-9C6B-D6C7DFDC589F}" vid="{4A3C46E8-61CC-4603-A589-7422A47A8E4A}"/>
     </a:ext>
   </a:extLst>
 </a:theme>
